--- a/DesignDocuments/Design.pptx
+++ b/DesignDocuments/Design.pptx
@@ -5,9 +5,11 @@
     <p:sldMasterId id="2147483648" r:id="rId1"/>
   </p:sldMasterIdLst>
   <p:sldIdLst>
-    <p:sldId id="256" r:id="rId2"/>
-    <p:sldId id="257" r:id="rId3"/>
-    <p:sldId id="258" r:id="rId4"/>
+    <p:sldId id="260" r:id="rId2"/>
+    <p:sldId id="256" r:id="rId3"/>
+    <p:sldId id="257" r:id="rId4"/>
+    <p:sldId id="259" r:id="rId5"/>
+    <p:sldId id="258" r:id="rId6"/>
   </p:sldIdLst>
   <p:sldSz cx="12192000" cy="6858000"/>
   <p:notesSz cx="6858000" cy="9144000"/>
@@ -261,7 +263,7 @@
           <a:p>
             <a:fld id="{28B5E443-8942-4B77-9764-179E58E85911}" type="datetimeFigureOut">
               <a:rPr lang="en-US" smtClean="0"/>
-              <a:t>2/10/2021</a:t>
+              <a:t>2/11/2021</a:t>
             </a:fld>
             <a:endParaRPr lang="en-US"/>
           </a:p>
@@ -459,7 +461,7 @@
           <a:p>
             <a:fld id="{28B5E443-8942-4B77-9764-179E58E85911}" type="datetimeFigureOut">
               <a:rPr lang="en-US" smtClean="0"/>
-              <a:t>2/10/2021</a:t>
+              <a:t>2/11/2021</a:t>
             </a:fld>
             <a:endParaRPr lang="en-US"/>
           </a:p>
@@ -667,7 +669,7 @@
           <a:p>
             <a:fld id="{28B5E443-8942-4B77-9764-179E58E85911}" type="datetimeFigureOut">
               <a:rPr lang="en-US" smtClean="0"/>
-              <a:t>2/10/2021</a:t>
+              <a:t>2/11/2021</a:t>
             </a:fld>
             <a:endParaRPr lang="en-US"/>
           </a:p>
@@ -865,7 +867,7 @@
           <a:p>
             <a:fld id="{28B5E443-8942-4B77-9764-179E58E85911}" type="datetimeFigureOut">
               <a:rPr lang="en-US" smtClean="0"/>
-              <a:t>2/10/2021</a:t>
+              <a:t>2/11/2021</a:t>
             </a:fld>
             <a:endParaRPr lang="en-US"/>
           </a:p>
@@ -1140,7 +1142,7 @@
           <a:p>
             <a:fld id="{28B5E443-8942-4B77-9764-179E58E85911}" type="datetimeFigureOut">
               <a:rPr lang="en-US" smtClean="0"/>
-              <a:t>2/10/2021</a:t>
+              <a:t>2/11/2021</a:t>
             </a:fld>
             <a:endParaRPr lang="en-US"/>
           </a:p>
@@ -1405,7 +1407,7 @@
           <a:p>
             <a:fld id="{28B5E443-8942-4B77-9764-179E58E85911}" type="datetimeFigureOut">
               <a:rPr lang="en-US" smtClean="0"/>
-              <a:t>2/10/2021</a:t>
+              <a:t>2/11/2021</a:t>
             </a:fld>
             <a:endParaRPr lang="en-US"/>
           </a:p>
@@ -1817,7 +1819,7 @@
           <a:p>
             <a:fld id="{28B5E443-8942-4B77-9764-179E58E85911}" type="datetimeFigureOut">
               <a:rPr lang="en-US" smtClean="0"/>
-              <a:t>2/10/2021</a:t>
+              <a:t>2/11/2021</a:t>
             </a:fld>
             <a:endParaRPr lang="en-US"/>
           </a:p>
@@ -1958,7 +1960,7 @@
           <a:p>
             <a:fld id="{28B5E443-8942-4B77-9764-179E58E85911}" type="datetimeFigureOut">
               <a:rPr lang="en-US" smtClean="0"/>
-              <a:t>2/10/2021</a:t>
+              <a:t>2/11/2021</a:t>
             </a:fld>
             <a:endParaRPr lang="en-US"/>
           </a:p>
@@ -2071,7 +2073,7 @@
           <a:p>
             <a:fld id="{28B5E443-8942-4B77-9764-179E58E85911}" type="datetimeFigureOut">
               <a:rPr lang="en-US" smtClean="0"/>
-              <a:t>2/10/2021</a:t>
+              <a:t>2/11/2021</a:t>
             </a:fld>
             <a:endParaRPr lang="en-US"/>
           </a:p>
@@ -2382,7 +2384,7 @@
           <a:p>
             <a:fld id="{28B5E443-8942-4B77-9764-179E58E85911}" type="datetimeFigureOut">
               <a:rPr lang="en-US" smtClean="0"/>
-              <a:t>2/10/2021</a:t>
+              <a:t>2/11/2021</a:t>
             </a:fld>
             <a:endParaRPr lang="en-US"/>
           </a:p>
@@ -2670,7 +2672,7 @@
           <a:p>
             <a:fld id="{28B5E443-8942-4B77-9764-179E58E85911}" type="datetimeFigureOut">
               <a:rPr lang="en-US" smtClean="0"/>
-              <a:t>2/10/2021</a:t>
+              <a:t>2/11/2021</a:t>
             </a:fld>
             <a:endParaRPr lang="en-US"/>
           </a:p>
@@ -2911,7 +2913,7 @@
           <a:p>
             <a:fld id="{28B5E443-8942-4B77-9764-179E58E85911}" type="datetimeFigureOut">
               <a:rPr lang="en-US" smtClean="0"/>
-              <a:t>2/10/2021</a:t>
+              <a:t>2/11/2021</a:t>
             </a:fld>
             <a:endParaRPr lang="en-US"/>
           </a:p>
@@ -3330,10 +3332,354 @@
       </p:grpSpPr>
       <p:sp>
         <p:nvSpPr>
-          <p:cNvPr id="4" name="Oval 3">
-            <a:extLst>
-              <a:ext uri="{FF2B5EF4-FFF2-40B4-BE49-F238E27FC236}">
-                <a16:creationId xmlns:a16="http://schemas.microsoft.com/office/drawing/2014/main" id="{EA07DF52-3B42-4633-8666-5C9482FD8E56}"/>
+          <p:cNvPr id="5" name="TextBox 4">
+            <a:extLst>
+              <a:ext uri="{FF2B5EF4-FFF2-40B4-BE49-F238E27FC236}">
+                <a16:creationId xmlns:a16="http://schemas.microsoft.com/office/drawing/2014/main" id="{92900C14-9384-49D5-8ABE-90CD9DB460DD}"/>
+              </a:ext>
+            </a:extLst>
+          </p:cNvPr>
+          <p:cNvSpPr txBox="1"/>
+          <p:nvPr/>
+        </p:nvSpPr>
+        <p:spPr>
+          <a:xfrm>
+            <a:off x="2246345" y="4286358"/>
+            <a:ext cx="6097554" cy="1569660"/>
+          </a:xfrm>
+          <a:prstGeom prst="rect">
+            <a:avLst/>
+          </a:prstGeom>
+          <a:noFill/>
+        </p:spPr>
+        <p:txBody>
+          <a:bodyPr wrap="square">
+            <a:spAutoFit/>
+          </a:bodyPr>
+          <a:lstStyle/>
+          <a:p>
+            <a:r>
+              <a:rPr lang="en-US" sz="2400" b="0" i="0" dirty="0">
+                <a:solidFill>
+                  <a:srgbClr val="2F5496"/>
+                </a:solidFill>
+                <a:effectLst/>
+                <a:latin typeface="TimesNewRomanPSMT"/>
+              </a:rPr>
+              <a:t>Team Members</a:t>
+            </a:r>
+            <a:br>
+              <a:rPr lang="en-US" sz="2400" b="0" i="0" dirty="0">
+                <a:solidFill>
+                  <a:srgbClr val="2F5496"/>
+                </a:solidFill>
+                <a:effectLst/>
+                <a:latin typeface="TimesNewRomanPSMT"/>
+              </a:rPr>
+            </a:br>
+            <a:r>
+              <a:rPr lang="en-US" sz="1800" b="0" i="0" dirty="0">
+                <a:solidFill>
+                  <a:srgbClr val="000000"/>
+                </a:solidFill>
+                <a:effectLst/>
+                <a:latin typeface="TimesNewRomanPSMT"/>
+              </a:rPr>
+              <a:t>1. Mostafa Alaa Abd-</a:t>
+            </a:r>
+            <a:r>
+              <a:rPr lang="en-US" sz="1800" b="0" i="0" dirty="0" err="1">
+                <a:solidFill>
+                  <a:srgbClr val="000000"/>
+                </a:solidFill>
+                <a:effectLst/>
+                <a:latin typeface="TimesNewRomanPSMT"/>
+              </a:rPr>
+              <a:t>Elaal</a:t>
+            </a:r>
+            <a:br>
+              <a:rPr lang="en-US" sz="1800" b="0" i="0" dirty="0">
+                <a:solidFill>
+                  <a:srgbClr val="000000"/>
+                </a:solidFill>
+                <a:effectLst/>
+                <a:latin typeface="TimesNewRomanPSMT"/>
+              </a:rPr>
+            </a:br>
+            <a:r>
+              <a:rPr lang="en-US" sz="1800" b="0" i="0" dirty="0">
+                <a:solidFill>
+                  <a:srgbClr val="000000"/>
+                </a:solidFill>
+                <a:effectLst/>
+                <a:latin typeface="TimesNewRomanPSMT"/>
+              </a:rPr>
+              <a:t>2. Mostafa Mohamed Abd-</a:t>
+            </a:r>
+            <a:r>
+              <a:rPr lang="en-US" sz="1800" b="0" i="0" dirty="0" err="1">
+                <a:solidFill>
+                  <a:srgbClr val="000000"/>
+                </a:solidFill>
+                <a:effectLst/>
+                <a:latin typeface="TimesNewRomanPSMT"/>
+              </a:rPr>
+              <a:t>Elmegid</a:t>
+            </a:r>
+            <a:br>
+              <a:rPr lang="en-US" sz="1800" b="0" i="0" dirty="0">
+                <a:solidFill>
+                  <a:srgbClr val="000000"/>
+                </a:solidFill>
+                <a:effectLst/>
+                <a:latin typeface="TimesNewRomanPSMT"/>
+              </a:rPr>
+            </a:br>
+            <a:r>
+              <a:rPr lang="en-US" sz="1800" b="0" i="0" dirty="0">
+                <a:solidFill>
+                  <a:srgbClr val="000000"/>
+                </a:solidFill>
+                <a:effectLst/>
+                <a:latin typeface="TimesNewRomanPSMT"/>
+              </a:rPr>
+              <a:t>3. Ahmed Aly Mohamed</a:t>
+            </a:r>
+            <a:r>
+              <a:rPr lang="en-US" dirty="0"/>
+              <a:t> </a:t>
+            </a:r>
+            <a:br>
+              <a:rPr lang="en-US" dirty="0"/>
+            </a:br>
+            <a:endParaRPr lang="en-US" dirty="0"/>
+          </a:p>
+        </p:txBody>
+      </p:sp>
+      <p:grpSp>
+        <p:nvGrpSpPr>
+          <p:cNvPr id="6" name="Group 5">
+            <a:extLst>
+              <a:ext uri="{FF2B5EF4-FFF2-40B4-BE49-F238E27FC236}">
+                <a16:creationId xmlns:a16="http://schemas.microsoft.com/office/drawing/2014/main" id="{74143AC9-33C4-454A-BCB2-C6EB5DA7CEB2}"/>
+              </a:ext>
+            </a:extLst>
+          </p:cNvPr>
+          <p:cNvGrpSpPr/>
+          <p:nvPr/>
+        </p:nvGrpSpPr>
+        <p:grpSpPr>
+          <a:xfrm>
+            <a:off x="1159413" y="1313158"/>
+            <a:ext cx="6754134" cy="1199297"/>
+            <a:chOff x="1522984" y="850152"/>
+            <a:chExt cx="5690303" cy="1199297"/>
+          </a:xfrm>
+        </p:grpSpPr>
+        <p:sp>
+          <p:nvSpPr>
+            <p:cNvPr id="7" name="TextBox 6">
+              <a:extLst>
+                <a:ext uri="{FF2B5EF4-FFF2-40B4-BE49-F238E27FC236}">
+                  <a16:creationId xmlns:a16="http://schemas.microsoft.com/office/drawing/2014/main" id="{3E336906-0688-420C-95DF-3B16895C359B}"/>
+                </a:ext>
+              </a:extLst>
+            </p:cNvPr>
+            <p:cNvSpPr txBox="1"/>
+            <p:nvPr/>
+          </p:nvSpPr>
+          <p:spPr>
+            <a:xfrm>
+              <a:off x="1522984" y="1680117"/>
+              <a:ext cx="2287774" cy="369332"/>
+            </a:xfrm>
+            <a:prstGeom prst="rect">
+              <a:avLst/>
+            </a:prstGeom>
+            <a:noFill/>
+          </p:spPr>
+          <p:txBody>
+            <a:bodyPr wrap="square" rtlCol="0">
+              <a:spAutoFit/>
+            </a:bodyPr>
+            <a:lstStyle/>
+            <a:p>
+              <a:pPr algn="ctr"/>
+              <a:r>
+                <a:rPr lang="en-US" dirty="0">
+                  <a:solidFill>
+                    <a:schemeClr val="accent1">
+                      <a:lumMod val="75000"/>
+                    </a:schemeClr>
+                  </a:solidFill>
+                </a:rPr>
+                <a:t>RTOS Design</a:t>
+              </a:r>
+            </a:p>
+          </p:txBody>
+        </p:sp>
+        <p:grpSp>
+          <p:nvGrpSpPr>
+            <p:cNvPr id="8" name="Group 7">
+              <a:extLst>
+                <a:ext uri="{FF2B5EF4-FFF2-40B4-BE49-F238E27FC236}">
+                  <a16:creationId xmlns:a16="http://schemas.microsoft.com/office/drawing/2014/main" id="{A0D9B538-1BDB-4351-B030-7845B8C4F806}"/>
+                </a:ext>
+              </a:extLst>
+            </p:cNvPr>
+            <p:cNvGrpSpPr/>
+            <p:nvPr/>
+          </p:nvGrpSpPr>
+          <p:grpSpPr>
+            <a:xfrm>
+              <a:off x="1737047" y="850152"/>
+              <a:ext cx="5476240" cy="840859"/>
+              <a:chOff x="1715266" y="920538"/>
+              <a:chExt cx="5476240" cy="840859"/>
+            </a:xfrm>
+          </p:grpSpPr>
+          <p:sp>
+            <p:nvSpPr>
+              <p:cNvPr id="9" name="TextBox 8">
+                <a:extLst>
+                  <a:ext uri="{FF2B5EF4-FFF2-40B4-BE49-F238E27FC236}">
+                    <a16:creationId xmlns:a16="http://schemas.microsoft.com/office/drawing/2014/main" id="{907412BC-C919-46AA-AA39-B1F9E8D688C0}"/>
+                  </a:ext>
+                </a:extLst>
+              </p:cNvPr>
+              <p:cNvSpPr txBox="1"/>
+              <p:nvPr/>
+            </p:nvSpPr>
+            <p:spPr>
+              <a:xfrm>
+                <a:off x="1715266" y="920538"/>
+                <a:ext cx="5476240" cy="707886"/>
+              </a:xfrm>
+              <a:prstGeom prst="rect">
+                <a:avLst/>
+              </a:prstGeom>
+              <a:noFill/>
+            </p:spPr>
+            <p:txBody>
+              <a:bodyPr wrap="square" rtlCol="0">
+                <a:spAutoFit/>
+              </a:bodyPr>
+              <a:lstStyle/>
+              <a:p>
+                <a:r>
+                  <a:rPr lang="en-US" sz="4000" b="1" dirty="0">
+                    <a:solidFill>
+                      <a:schemeClr val="accent1">
+                        <a:lumMod val="75000"/>
+                      </a:schemeClr>
+                    </a:solidFill>
+                  </a:rPr>
+                  <a:t>Speed Limit &amp; Cruise Control</a:t>
+                </a:r>
+                <a:r>
+                  <a:rPr lang="en-US" sz="1600" b="1" dirty="0">
+                    <a:solidFill>
+                      <a:schemeClr val="accent1">
+                        <a:lumMod val="75000"/>
+                      </a:schemeClr>
+                    </a:solidFill>
+                  </a:rPr>
+                  <a:t> </a:t>
+                </a:r>
+              </a:p>
+            </p:txBody>
+          </p:sp>
+          <p:cxnSp>
+            <p:nvCxnSpPr>
+              <p:cNvPr id="10" name="Straight Connector 9">
+                <a:extLst>
+                  <a:ext uri="{FF2B5EF4-FFF2-40B4-BE49-F238E27FC236}">
+                    <a16:creationId xmlns:a16="http://schemas.microsoft.com/office/drawing/2014/main" id="{FE35D857-CE50-4436-88C8-15EDDD4DB78D}"/>
+                  </a:ext>
+                </a:extLst>
+              </p:cNvPr>
+              <p:cNvCxnSpPr>
+                <a:cxnSpLocks/>
+              </p:cNvCxnSpPr>
+              <p:nvPr/>
+            </p:nvCxnSpPr>
+            <p:spPr>
+              <a:xfrm flipV="1">
+                <a:off x="1715266" y="1750503"/>
+                <a:ext cx="5145078" cy="10894"/>
+              </a:xfrm>
+              <a:prstGeom prst="line">
+                <a:avLst/>
+              </a:prstGeom>
+            </p:spPr>
+            <p:style>
+              <a:lnRef idx="1">
+                <a:schemeClr val="accent1"/>
+              </a:lnRef>
+              <a:fillRef idx="0">
+                <a:schemeClr val="accent1"/>
+              </a:fillRef>
+              <a:effectRef idx="0">
+                <a:schemeClr val="accent1"/>
+              </a:effectRef>
+              <a:fontRef idx="minor">
+                <a:schemeClr val="tx1"/>
+              </a:fontRef>
+            </p:style>
+          </p:cxnSp>
+        </p:grpSp>
+      </p:grpSp>
+      <p:pic>
+        <p:nvPicPr>
+          <p:cNvPr id="1026" name="Picture 2" descr="نتيجة بحث الصور عن multifunction  steering wheel">
+            <a:extLst>
+              <a:ext uri="{FF2B5EF4-FFF2-40B4-BE49-F238E27FC236}">
+                <a16:creationId xmlns:a16="http://schemas.microsoft.com/office/drawing/2014/main" id="{E79D727B-7C47-4237-BB26-7582798654FF}"/>
+              </a:ext>
+            </a:extLst>
+          </p:cNvPr>
+          <p:cNvPicPr>
+            <a:picLocks noChangeAspect="1" noChangeArrowheads="1"/>
+          </p:cNvPicPr>
+          <p:nvPr/>
+        </p:nvPicPr>
+        <p:blipFill rotWithShape="1">
+          <a:blip r:embed="rId2">
+            <a:extLst>
+              <a:ext uri="{28A0092B-C50C-407E-A947-70E740481C1C}">
+                <a14:useLocalDpi xmlns:a14="http://schemas.microsoft.com/office/drawing/2010/main" val="0"/>
+              </a:ext>
+            </a:extLst>
+          </a:blip>
+          <a:srcRect l="-2" r="53184"/>
+          <a:stretch/>
+        </p:blipFill>
+        <p:spPr bwMode="auto">
+          <a:xfrm>
+            <a:off x="7423771" y="2444272"/>
+            <a:ext cx="3536302" cy="3100570"/>
+          </a:xfrm>
+          <a:prstGeom prst="rect">
+            <a:avLst/>
+          </a:prstGeom>
+          <a:noFill/>
+          <a:extLst>
+            <a:ext uri="{909E8E84-426E-40DD-AFC4-6F175D3DCCD1}">
+              <a14:hiddenFill xmlns:a14="http://schemas.microsoft.com/office/drawing/2010/main">
+                <a:solidFill>
+                  <a:srgbClr val="FFFFFF"/>
+                </a:solidFill>
+              </a14:hiddenFill>
+            </a:ext>
+          </a:extLst>
+        </p:spPr>
+      </p:pic>
+      <p:sp>
+        <p:nvSpPr>
+          <p:cNvPr id="14" name="Half Frame 13">
+            <a:extLst>
+              <a:ext uri="{FF2B5EF4-FFF2-40B4-BE49-F238E27FC236}">
+                <a16:creationId xmlns:a16="http://schemas.microsoft.com/office/drawing/2014/main" id="{CA7850B6-5E93-4793-9A8F-E066F93C4612}"/>
               </a:ext>
             </a:extLst>
           </p:cNvPr>
@@ -3342,12 +3688,26 @@
         </p:nvSpPr>
         <p:spPr>
           <a:xfrm>
-            <a:off x="1127451" y="2598576"/>
-            <a:ext cx="1240971" cy="1209869"/>
+            <a:off x="0" y="0"/>
+            <a:ext cx="1715266" cy="6918960"/>
           </a:xfrm>
-          <a:prstGeom prst="ellipse">
-            <a:avLst/>
+          <a:prstGeom prst="halfFrame">
+            <a:avLst>
+              <a:gd name="adj1" fmla="val 20430"/>
+              <a:gd name="adj2" fmla="val 26344"/>
+            </a:avLst>
           </a:prstGeom>
+          <a:solidFill>
+            <a:schemeClr val="accent5">
+              <a:lumMod val="60000"/>
+              <a:lumOff val="40000"/>
+            </a:schemeClr>
+          </a:solidFill>
+          <a:ln>
+            <a:solidFill>
+              <a:srgbClr val="002060"/>
+            </a:solidFill>
+          </a:ln>
         </p:spPr>
         <p:style>
           <a:lnRef idx="2">
@@ -3370,19 +3730,20 @@
           <a:lstStyle/>
           <a:p>
             <a:pPr algn="ctr"/>
-            <a:r>
-              <a:rPr lang="en-US" dirty="0"/>
-              <a:t>Main  cruise </a:t>
-            </a:r>
-          </a:p>
-        </p:txBody>
-      </p:sp>
-      <p:sp>
-        <p:nvSpPr>
-          <p:cNvPr id="5" name="Oval 4">
-            <a:extLst>
-              <a:ext uri="{FF2B5EF4-FFF2-40B4-BE49-F238E27FC236}">
-                <a16:creationId xmlns:a16="http://schemas.microsoft.com/office/drawing/2014/main" id="{14E539E7-180D-40BB-8272-530349AFA301}"/>
+            <a:endParaRPr lang="en-US">
+              <a:solidFill>
+                <a:schemeClr val="tx1"/>
+              </a:solidFill>
+            </a:endParaRPr>
+          </a:p>
+        </p:txBody>
+      </p:sp>
+      <p:sp>
+        <p:nvSpPr>
+          <p:cNvPr id="15" name="Half Frame 14">
+            <a:extLst>
+              <a:ext uri="{FF2B5EF4-FFF2-40B4-BE49-F238E27FC236}">
+                <a16:creationId xmlns:a16="http://schemas.microsoft.com/office/drawing/2014/main" id="{920A3002-EE63-4E18-AEEC-91C2062FE317}"/>
               </a:ext>
             </a:extLst>
           </p:cNvPr>
@@ -3390,13 +3751,28 @@
           <p:nvPr/>
         </p:nvSpPr>
         <p:spPr>
-          <a:xfrm>
-            <a:off x="3788229" y="998378"/>
-            <a:ext cx="1240972" cy="1209869"/>
+          <a:xfrm rot="10800000">
+            <a:off x="10470297" y="111760"/>
+            <a:ext cx="1715266" cy="6746240"/>
           </a:xfrm>
-          <a:prstGeom prst="ellipse">
-            <a:avLst/>
+          <a:prstGeom prst="halfFrame">
+            <a:avLst>
+              <a:gd name="adj1" fmla="val 20430"/>
+              <a:gd name="adj2" fmla="val 26344"/>
+            </a:avLst>
           </a:prstGeom>
+          <a:solidFill>
+            <a:schemeClr val="accent5">
+              <a:lumMod val="50000"/>
+            </a:schemeClr>
+          </a:solidFill>
+          <a:ln>
+            <a:solidFill>
+              <a:schemeClr val="accent5">
+                <a:lumMod val="50000"/>
+              </a:schemeClr>
+            </a:solidFill>
+          </a:ln>
         </p:spPr>
         <p:style>
           <a:lnRef idx="2">
@@ -3419,111 +3795,44 @@
           <a:lstStyle/>
           <a:p>
             <a:pPr algn="ctr"/>
-            <a:r>
-              <a:rPr lang="en-US" dirty="0"/>
-              <a:t>Cruise control </a:t>
-            </a:r>
-          </a:p>
-        </p:txBody>
-      </p:sp>
-      <p:sp>
-        <p:nvSpPr>
-          <p:cNvPr id="6" name="Oval 5">
-            <a:extLst>
-              <a:ext uri="{FF2B5EF4-FFF2-40B4-BE49-F238E27FC236}">
-                <a16:creationId xmlns:a16="http://schemas.microsoft.com/office/drawing/2014/main" id="{A3C3766C-6184-4031-A2DE-F44A8D08D907}"/>
-              </a:ext>
-            </a:extLst>
-          </p:cNvPr>
-          <p:cNvSpPr/>
-          <p:nvPr/>
-        </p:nvSpPr>
-        <p:spPr>
-          <a:xfrm>
-            <a:off x="3719805" y="4044819"/>
-            <a:ext cx="1377820" cy="1209869"/>
-          </a:xfrm>
-          <a:prstGeom prst="ellipse">
-            <a:avLst/>
-          </a:prstGeom>
-        </p:spPr>
-        <p:style>
-          <a:lnRef idx="2">
-            <a:schemeClr val="accent1">
-              <a:shade val="50000"/>
-            </a:schemeClr>
-          </a:lnRef>
-          <a:fillRef idx="1">
-            <a:schemeClr val="accent1"/>
-          </a:fillRef>
-          <a:effectRef idx="0">
-            <a:schemeClr val="accent1"/>
-          </a:effectRef>
-          <a:fontRef idx="minor">
-            <a:schemeClr val="lt1"/>
-          </a:fontRef>
-        </p:style>
-        <p:txBody>
-          <a:bodyPr rtlCol="0" anchor="ctr"/>
-          <a:lstStyle/>
-          <a:p>
-            <a:pPr algn="ctr"/>
-            <a:r>
-              <a:rPr lang="en-US" dirty="0"/>
-              <a:t>speed limiter  </a:t>
-            </a:r>
-          </a:p>
-        </p:txBody>
-      </p:sp>
-      <p:sp>
-        <p:nvSpPr>
-          <p:cNvPr id="8" name="Oval 7">
-            <a:extLst>
-              <a:ext uri="{FF2B5EF4-FFF2-40B4-BE49-F238E27FC236}">
-                <a16:creationId xmlns:a16="http://schemas.microsoft.com/office/drawing/2014/main" id="{318185F3-0079-4D67-AE48-1E92479A0913}"/>
-              </a:ext>
-            </a:extLst>
-          </p:cNvPr>
-          <p:cNvSpPr/>
-          <p:nvPr/>
-        </p:nvSpPr>
-        <p:spPr>
-          <a:xfrm>
-            <a:off x="6209523" y="2718320"/>
-            <a:ext cx="1240971" cy="970383"/>
-          </a:xfrm>
-          <a:prstGeom prst="ellipse">
-            <a:avLst/>
-          </a:prstGeom>
-        </p:spPr>
-        <p:style>
-          <a:lnRef idx="2">
-            <a:schemeClr val="accent1">
-              <a:shade val="50000"/>
-            </a:schemeClr>
-          </a:lnRef>
-          <a:fillRef idx="1">
-            <a:schemeClr val="accent1"/>
-          </a:fillRef>
-          <a:effectRef idx="0">
-            <a:schemeClr val="accent1"/>
-          </a:effectRef>
-          <a:fontRef idx="minor">
-            <a:schemeClr val="lt1"/>
-          </a:fontRef>
-        </p:style>
-        <p:txBody>
-          <a:bodyPr rtlCol="0" anchor="ctr"/>
-          <a:lstStyle/>
-          <a:p>
-            <a:pPr algn="ctr"/>
-            <a:r>
-              <a:rPr lang="en-US" dirty="0"/>
-              <a:t>alarm</a:t>
-            </a:r>
-          </a:p>
-        </p:txBody>
-      </p:sp>
+            <a:endParaRPr lang="en-US">
+              <a:solidFill>
+                <a:schemeClr val="tx1"/>
+              </a:solidFill>
+            </a:endParaRPr>
+          </a:p>
+        </p:txBody>
+      </p:sp>
+    </p:spTree>
+    <p:extLst>
+      <p:ext uri="{BB962C8B-B14F-4D97-AF65-F5344CB8AC3E}">
+        <p14:creationId xmlns:p14="http://schemas.microsoft.com/office/powerpoint/2010/main" val="1401984271"/>
+      </p:ext>
+    </p:extLst>
+  </p:cSld>
+  <p:clrMapOvr>
+    <a:masterClrMapping/>
+  </p:clrMapOvr>
+</p:sld>
+</file>
+
+<file path=ppt/slides/slide2.xml><?xml version="1.0" encoding="utf-8"?>
+<p:sld xmlns:a="http://schemas.openxmlformats.org/drawingml/2006/main" xmlns:r="http://schemas.openxmlformats.org/officeDocument/2006/relationships" xmlns:p="http://schemas.openxmlformats.org/presentationml/2006/main">
+  <p:cSld>
+    <p:spTree>
+      <p:nvGrpSpPr>
+        <p:cNvPr id="1" name=""/>
+        <p:cNvGrpSpPr/>
+        <p:nvPr/>
+      </p:nvGrpSpPr>
+      <p:grpSpPr>
+        <a:xfrm>
+          <a:off x="0" y="0"/>
+          <a:ext cx="0" cy="0"/>
+          <a:chOff x="0" y="0"/>
+          <a:chExt cx="0" cy="0"/>
+        </a:xfrm>
+      </p:grpSpPr>
       <p:graphicFrame>
         <p:nvGraphicFramePr>
           <p:cNvPr id="9" name="Table 9">
@@ -3539,14 +3848,14 @@
           <p:nvPr>
             <p:extLst>
               <p:ext uri="{D42A27DB-BD31-4B8C-83A1-F6EECF244321}">
-                <p14:modId xmlns:p14="http://schemas.microsoft.com/office/powerpoint/2010/main" val="612600207"/>
+                <p14:modId xmlns:p14="http://schemas.microsoft.com/office/powerpoint/2010/main" val="2993771643"/>
               </p:ext>
             </p:extLst>
           </p:nvPr>
         </p:nvGraphicFramePr>
         <p:xfrm>
-          <a:off x="154391" y="4859579"/>
-          <a:ext cx="2745199" cy="1828800"/>
+          <a:off x="6277409" y="4718251"/>
+          <a:ext cx="1567632" cy="1554480"/>
         </p:xfrm>
         <a:graphic>
           <a:graphicData uri="http://schemas.openxmlformats.org/drawingml/2006/table">
@@ -3555,7 +3864,7 @@
                 <a:tableStyleId>{5C22544A-7EE6-4342-B048-85BDC9FD1C3A}</a:tableStyleId>
               </a:tblPr>
               <a:tblGrid>
-                <a:gridCol w="2745199">
+                <a:gridCol w="1567632">
                   <a:extLst>
                     <a:ext uri="{9D8B030D-6E8A-4147-A177-3AD203B41FA5}">
                       <a16:colId xmlns:a16="http://schemas.microsoft.com/office/drawing/2014/main" val="2613130627"/>
@@ -3563,15 +3872,15 @@
                   </a:extLst>
                 </a:gridCol>
               </a:tblGrid>
-              <a:tr h="272946">
+              <a:tr h="254096">
                 <a:tc>
                   <a:txBody>
                     <a:bodyPr/>
                     <a:lstStyle/>
                     <a:p>
                       <a:r>
-                        <a:rPr lang="en-US" dirty="0"/>
-                        <a:t>Set Speed+ (C)</a:t>
+                        <a:rPr lang="en-US" sz="1100" dirty="0"/>
+                        <a:t>Speed Control switches</a:t>
                       </a:r>
                     </a:p>
                   </a:txBody>
@@ -3583,15 +3892,35 @@
                   </a:ext>
                 </a:extLst>
               </a:tr>
-              <a:tr h="272946">
+              <a:tr h="254096">
                 <a:tc>
                   <a:txBody>
                     <a:bodyPr/>
                     <a:lstStyle/>
                     <a:p>
                       <a:r>
-                        <a:rPr lang="en-US" dirty="0"/>
-                        <a:t>Set Speed- (c)</a:t>
+                        <a:rPr lang="en-US" sz="1100" dirty="0"/>
+                        <a:t>Stand by button</a:t>
+                      </a:r>
+                    </a:p>
+                  </a:txBody>
+                  <a:tcPr/>
+                </a:tc>
+                <a:extLst>
+                  <a:ext uri="{0D108BD9-81ED-4DB2-BD59-A6C34878D82A}">
+                    <a16:rowId xmlns:a16="http://schemas.microsoft.com/office/drawing/2014/main" val="3826928819"/>
+                  </a:ext>
+                </a:extLst>
+              </a:tr>
+              <a:tr h="254096">
+                <a:tc>
+                  <a:txBody>
+                    <a:bodyPr/>
+                    <a:lstStyle/>
+                    <a:p>
+                      <a:r>
+                        <a:rPr lang="en-US" sz="1100" dirty="0"/>
+                        <a:t>Set Speed  +</a:t>
                       </a:r>
                     </a:p>
                   </a:txBody>
@@ -3603,15 +3932,15 @@
                   </a:ext>
                 </a:extLst>
               </a:tr>
-              <a:tr h="272946">
+              <a:tr h="254096">
                 <a:tc>
                   <a:txBody>
                     <a:bodyPr/>
                     <a:lstStyle/>
                     <a:p>
                       <a:r>
-                        <a:rPr lang="en-US" dirty="0"/>
-                        <a:t>Stand by</a:t>
+                        <a:rPr lang="en-US" sz="1100" dirty="0"/>
+                        <a:t>Set Speed -</a:t>
                       </a:r>
                     </a:p>
                   </a:txBody>
@@ -3623,15 +3952,15 @@
                   </a:ext>
                 </a:extLst>
               </a:tr>
-              <a:tr h="272946">
+              <a:tr h="254096">
                 <a:tc>
                   <a:txBody>
                     <a:bodyPr/>
                     <a:lstStyle/>
                     <a:p>
                       <a:r>
-                        <a:rPr lang="en-US" dirty="0"/>
-                        <a:t>Speed limiter  (M) -&gt; </a:t>
+                        <a:rPr lang="en-US" sz="1100" dirty="0"/>
+                        <a:t>Select Speed limit </a:t>
                       </a:r>
                     </a:p>
                   </a:txBody>
@@ -3643,15 +3972,15 @@
                   </a:ext>
                 </a:extLst>
               </a:tr>
-              <a:tr h="272946">
+              <a:tr h="254096">
                 <a:tc>
                   <a:txBody>
                     <a:bodyPr/>
                     <a:lstStyle/>
                     <a:p>
                       <a:r>
-                        <a:rPr lang="en-US" dirty="0"/>
-                        <a:t>Cruise control (M)</a:t>
+                        <a:rPr lang="en-US" sz="1100" dirty="0"/>
+                        <a:t>Select Cruise control </a:t>
                       </a:r>
                     </a:p>
                   </a:txBody>
@@ -3682,14 +4011,14 @@
           <p:nvPr>
             <p:extLst>
               <p:ext uri="{D42A27DB-BD31-4B8C-83A1-F6EECF244321}">
-                <p14:modId xmlns:p14="http://schemas.microsoft.com/office/powerpoint/2010/main" val="1827475257"/>
+                <p14:modId xmlns:p14="http://schemas.microsoft.com/office/powerpoint/2010/main" val="3075626808"/>
               </p:ext>
             </p:extLst>
           </p:nvPr>
         </p:nvGraphicFramePr>
         <p:xfrm>
-          <a:off x="-17280" y="4112166"/>
-          <a:ext cx="1389708" cy="731520"/>
+          <a:off x="4037005" y="5208789"/>
+          <a:ext cx="1567632" cy="754380"/>
         </p:xfrm>
         <a:graphic>
           <a:graphicData uri="http://schemas.openxmlformats.org/drawingml/2006/table">
@@ -3698,7 +4027,7 @@
                 <a:tableStyleId>{5C22544A-7EE6-4342-B048-85BDC9FD1C3A}</a:tableStyleId>
               </a:tblPr>
               <a:tblGrid>
-                <a:gridCol w="1389708">
+                <a:gridCol w="1567632">
                   <a:extLst>
                     <a:ext uri="{9D8B030D-6E8A-4147-A177-3AD203B41FA5}">
                       <a16:colId xmlns:a16="http://schemas.microsoft.com/office/drawing/2014/main" val="1901517490"/>
@@ -3706,15 +4035,57 @@
                   </a:extLst>
                 </a:gridCol>
               </a:tblGrid>
-              <a:tr h="322456">
+              <a:tr h="225974">
                 <a:tc>
                   <a:txBody>
                     <a:bodyPr/>
                     <a:lstStyle/>
                     <a:p>
                       <a:r>
-                        <a:rPr lang="en-US" dirty="0"/>
-                        <a:t>Gas   (ALL)</a:t>
+                        <a:rPr lang="en-US" sz="1050" dirty="0"/>
+                        <a:t>Normal Driving Switches </a:t>
+                      </a:r>
+                    </a:p>
+                  </a:txBody>
+                  <a:tcPr/>
+                </a:tc>
+                <a:extLst>
+                  <a:ext uri="{0D108BD9-81ED-4DB2-BD59-A6C34878D82A}">
+                    <a16:rowId xmlns:a16="http://schemas.microsoft.com/office/drawing/2014/main" val="535886496"/>
+                  </a:ext>
+                </a:extLst>
+              </a:tr>
+              <a:tr h="225974">
+                <a:tc>
+                  <a:txBody>
+                    <a:bodyPr/>
+                    <a:lstStyle/>
+                    <a:p>
+                      <a:pPr algn="ctr"/>
+                      <a:r>
+                        <a:rPr lang="en-US" sz="1050" dirty="0"/>
+                        <a:t>brakes</a:t>
+                      </a:r>
+                    </a:p>
+                  </a:txBody>
+                  <a:tcPr/>
+                </a:tc>
+                <a:extLst>
+                  <a:ext uri="{0D108BD9-81ED-4DB2-BD59-A6C34878D82A}">
+                    <a16:rowId xmlns:a16="http://schemas.microsoft.com/office/drawing/2014/main" val="3578830209"/>
+                  </a:ext>
+                </a:extLst>
+              </a:tr>
+              <a:tr h="225974">
+                <a:tc>
+                  <a:txBody>
+                    <a:bodyPr/>
+                    <a:lstStyle/>
+                    <a:p>
+                      <a:pPr algn="ctr"/>
+                      <a:r>
+                        <a:rPr lang="en-US" sz="1050" dirty="0"/>
+                        <a:t>Gas   </a:t>
                       </a:r>
                     </a:p>
                   </a:txBody>
@@ -3726,438 +4097,26 @@
                   </a:ext>
                 </a:extLst>
               </a:tr>
-              <a:tr h="322456">
-                <a:tc>
-                  <a:txBody>
-                    <a:bodyPr/>
-                    <a:lstStyle/>
-                    <a:p>
-                      <a:r>
-                        <a:rPr lang="en-US" dirty="0"/>
-                        <a:t>Brakes (ALL)</a:t>
-                      </a:r>
-                    </a:p>
-                  </a:txBody>
-                  <a:tcPr/>
-                </a:tc>
-                <a:extLst>
-                  <a:ext uri="{0D108BD9-81ED-4DB2-BD59-A6C34878D82A}">
-                    <a16:rowId xmlns:a16="http://schemas.microsoft.com/office/drawing/2014/main" val="3430993483"/>
-                  </a:ext>
-                </a:extLst>
-              </a:tr>
             </a:tbl>
           </a:graphicData>
         </a:graphic>
       </p:graphicFrame>
       <p:sp>
         <p:nvSpPr>
-          <p:cNvPr id="11" name="TextBox 10">
-            <a:extLst>
-              <a:ext uri="{FF2B5EF4-FFF2-40B4-BE49-F238E27FC236}">
-                <a16:creationId xmlns:a16="http://schemas.microsoft.com/office/drawing/2014/main" id="{BE877402-78C6-4D60-9BF9-64C1722CA9C0}"/>
-              </a:ext>
-            </a:extLst>
-          </p:cNvPr>
-          <p:cNvSpPr txBox="1"/>
-          <p:nvPr/>
-        </p:nvSpPr>
-        <p:spPr>
-          <a:xfrm rot="8548400" flipV="1">
-            <a:off x="2218747" y="2486406"/>
-            <a:ext cx="2266657" cy="446276"/>
-          </a:xfrm>
-          <a:prstGeom prst="rect">
-            <a:avLst/>
-          </a:prstGeom>
-          <a:noFill/>
-        </p:spPr>
-        <p:txBody>
-          <a:bodyPr wrap="square" rtlCol="0">
-            <a:spAutoFit/>
-          </a:bodyPr>
-          <a:lstStyle/>
-          <a:p>
-            <a:r>
-              <a:rPr lang="en-US" sz="1400" dirty="0"/>
-              <a:t>2</a:t>
-            </a:r>
-            <a:r>
-              <a:rPr lang="en-US" sz="900" dirty="0"/>
-              <a:t>ways for cruise control stand by button ,  brakes</a:t>
-            </a:r>
-          </a:p>
-        </p:txBody>
-      </p:sp>
-      <p:sp>
-        <p:nvSpPr>
-          <p:cNvPr id="14" name="TextBox 13">
-            <a:extLst>
-              <a:ext uri="{FF2B5EF4-FFF2-40B4-BE49-F238E27FC236}">
-                <a16:creationId xmlns:a16="http://schemas.microsoft.com/office/drawing/2014/main" id="{A1B7EED4-9CF7-4B79-A11C-5FC054F389CA}"/>
-              </a:ext>
-            </a:extLst>
-          </p:cNvPr>
-          <p:cNvSpPr txBox="1"/>
+          <p:cNvPr id="33" name="Rectangle 32">
+            <a:extLst>
+              <a:ext uri="{FF2B5EF4-FFF2-40B4-BE49-F238E27FC236}">
+                <a16:creationId xmlns:a16="http://schemas.microsoft.com/office/drawing/2014/main" id="{BC81B5C0-87A7-4A5C-A622-43A058269EC4}"/>
+              </a:ext>
+            </a:extLst>
+          </p:cNvPr>
+          <p:cNvSpPr/>
           <p:nvPr/>
         </p:nvSpPr>
         <p:spPr>
           <a:xfrm>
-            <a:off x="4184745" y="252764"/>
-            <a:ext cx="1531687" cy="738664"/>
-          </a:xfrm>
-          <a:prstGeom prst="rect">
-            <a:avLst/>
-          </a:prstGeom>
-          <a:noFill/>
-        </p:spPr>
-        <p:txBody>
-          <a:bodyPr wrap="square" rtlCol="0">
-            <a:spAutoFit/>
-          </a:bodyPr>
-          <a:lstStyle/>
-          <a:p>
-            <a:r>
-              <a:rPr lang="en-US" sz="1050" dirty="0"/>
-              <a:t>When cruise control is activated the vehicle speed is the cruise speed  </a:t>
-            </a:r>
-          </a:p>
-        </p:txBody>
-      </p:sp>
-      <p:sp>
-        <p:nvSpPr>
-          <p:cNvPr id="16" name="TextBox 15">
-            <a:extLst>
-              <a:ext uri="{FF2B5EF4-FFF2-40B4-BE49-F238E27FC236}">
-                <a16:creationId xmlns:a16="http://schemas.microsoft.com/office/drawing/2014/main" id="{D706F130-C76E-4563-82F5-5E963119BA4E}"/>
-              </a:ext>
-            </a:extLst>
-          </p:cNvPr>
-          <p:cNvSpPr txBox="1"/>
-          <p:nvPr/>
-        </p:nvSpPr>
-        <p:spPr>
-          <a:xfrm>
-            <a:off x="1718907" y="795255"/>
-            <a:ext cx="2656114" cy="523220"/>
-          </a:xfrm>
-          <a:prstGeom prst="rect">
-            <a:avLst/>
-          </a:prstGeom>
-          <a:noFill/>
-        </p:spPr>
-        <p:txBody>
-          <a:bodyPr wrap="square" rtlCol="0">
-            <a:spAutoFit/>
-          </a:bodyPr>
-          <a:lstStyle/>
-          <a:p>
-            <a:r>
-              <a:rPr lang="en-US" sz="1400" dirty="0"/>
-              <a:t>Automatic acceleration when pre set speed &lt; current speed</a:t>
-            </a:r>
-          </a:p>
-        </p:txBody>
-      </p:sp>
-      <p:sp>
-        <p:nvSpPr>
-          <p:cNvPr id="22" name="TextBox 21">
-            <a:extLst>
-              <a:ext uri="{FF2B5EF4-FFF2-40B4-BE49-F238E27FC236}">
-                <a16:creationId xmlns:a16="http://schemas.microsoft.com/office/drawing/2014/main" id="{9089F557-87A4-4737-8B06-2433AFB2466E}"/>
-              </a:ext>
-            </a:extLst>
-          </p:cNvPr>
-          <p:cNvSpPr txBox="1"/>
-          <p:nvPr/>
-        </p:nvSpPr>
-        <p:spPr>
-          <a:xfrm>
-            <a:off x="368820" y="1705186"/>
-            <a:ext cx="573572" cy="307777"/>
-          </a:xfrm>
-          <a:prstGeom prst="rect">
-            <a:avLst/>
-          </a:prstGeom>
-          <a:noFill/>
-        </p:spPr>
-        <p:txBody>
-          <a:bodyPr wrap="square" rtlCol="0">
-            <a:spAutoFit/>
-          </a:bodyPr>
-          <a:lstStyle/>
-          <a:p>
-            <a:r>
-              <a:rPr lang="en-US" sz="1400" dirty="0"/>
-              <a:t>start</a:t>
-            </a:r>
-          </a:p>
-        </p:txBody>
-      </p:sp>
-      <p:cxnSp>
-        <p:nvCxnSpPr>
-          <p:cNvPr id="24" name="Straight Arrow Connector 23">
-            <a:extLst>
-              <a:ext uri="{FF2B5EF4-FFF2-40B4-BE49-F238E27FC236}">
-                <a16:creationId xmlns:a16="http://schemas.microsoft.com/office/drawing/2014/main" id="{D99B62F6-F24C-481A-9904-3B1F47E8640D}"/>
-              </a:ext>
-            </a:extLst>
-          </p:cNvPr>
-          <p:cNvCxnSpPr/>
-          <p:nvPr/>
-        </p:nvCxnSpPr>
-        <p:spPr>
-          <a:xfrm>
-            <a:off x="802433" y="2208247"/>
-            <a:ext cx="541175" cy="390329"/>
-          </a:xfrm>
-          <a:prstGeom prst="straightConnector1">
-            <a:avLst/>
-          </a:prstGeom>
-          <a:ln>
-            <a:tailEnd type="triangle"/>
-          </a:ln>
-        </p:spPr>
-        <p:style>
-          <a:lnRef idx="1">
-            <a:schemeClr val="accent1"/>
-          </a:lnRef>
-          <a:fillRef idx="0">
-            <a:schemeClr val="accent1"/>
-          </a:fillRef>
-          <a:effectRef idx="0">
-            <a:schemeClr val="accent1"/>
-          </a:effectRef>
-          <a:fontRef idx="minor">
-            <a:schemeClr val="tx1"/>
-          </a:fontRef>
-        </p:style>
-      </p:cxnSp>
-      <p:cxnSp>
-        <p:nvCxnSpPr>
-          <p:cNvPr id="25" name="Straight Arrow Connector 24">
-            <a:extLst>
-              <a:ext uri="{FF2B5EF4-FFF2-40B4-BE49-F238E27FC236}">
-                <a16:creationId xmlns:a16="http://schemas.microsoft.com/office/drawing/2014/main" id="{B7B13722-8568-4B82-ABD5-A2A7E31A408E}"/>
-              </a:ext>
-            </a:extLst>
-          </p:cNvPr>
-          <p:cNvCxnSpPr>
-            <a:cxnSpLocks/>
-            <a:endCxn id="6" idx="1"/>
-          </p:cNvCxnSpPr>
-          <p:nvPr/>
-        </p:nvCxnSpPr>
-        <p:spPr>
-          <a:xfrm>
-            <a:off x="2343024" y="3493538"/>
-            <a:ext cx="1578558" cy="728462"/>
-          </a:xfrm>
-          <a:prstGeom prst="straightConnector1">
-            <a:avLst/>
-          </a:prstGeom>
-          <a:ln>
-            <a:tailEnd type="triangle"/>
-          </a:ln>
-        </p:spPr>
-        <p:style>
-          <a:lnRef idx="1">
-            <a:schemeClr val="accent1"/>
-          </a:lnRef>
-          <a:fillRef idx="0">
-            <a:schemeClr val="accent1"/>
-          </a:fillRef>
-          <a:effectRef idx="0">
-            <a:schemeClr val="accent1"/>
-          </a:effectRef>
-          <a:fontRef idx="minor">
-            <a:schemeClr val="tx1"/>
-          </a:fontRef>
-        </p:style>
-      </p:cxnSp>
-      <p:sp>
-        <p:nvSpPr>
-          <p:cNvPr id="27" name="TextBox 26">
-            <a:extLst>
-              <a:ext uri="{FF2B5EF4-FFF2-40B4-BE49-F238E27FC236}">
-                <a16:creationId xmlns:a16="http://schemas.microsoft.com/office/drawing/2014/main" id="{D8173FE8-D9E4-461A-985E-F4D748A16CB5}"/>
-              </a:ext>
-            </a:extLst>
-          </p:cNvPr>
-          <p:cNvSpPr txBox="1"/>
-          <p:nvPr/>
-        </p:nvSpPr>
-        <p:spPr>
-          <a:xfrm rot="20122279">
-            <a:off x="2131108" y="1925596"/>
-            <a:ext cx="1761211" cy="430887"/>
-          </a:xfrm>
-          <a:prstGeom prst="rect">
-            <a:avLst/>
-          </a:prstGeom>
-          <a:noFill/>
-        </p:spPr>
-        <p:txBody>
-          <a:bodyPr wrap="square" rtlCol="0">
-            <a:spAutoFit/>
-          </a:bodyPr>
-          <a:lstStyle/>
-          <a:p>
-            <a:r>
-              <a:rPr lang="en-US" sz="1050" dirty="0"/>
-              <a:t>Cruise control button 1</a:t>
-            </a:r>
-            <a:r>
-              <a:rPr lang="en-US" sz="1050" baseline="30000" dirty="0"/>
-              <a:t>st</a:t>
-            </a:r>
-            <a:r>
-              <a:rPr lang="en-US" sz="1050" dirty="0"/>
-              <a:t> / dec </a:t>
-            </a:r>
-          </a:p>
-        </p:txBody>
-      </p:sp>
-      <p:sp>
-        <p:nvSpPr>
-          <p:cNvPr id="28" name="TextBox 27">
-            <a:extLst>
-              <a:ext uri="{FF2B5EF4-FFF2-40B4-BE49-F238E27FC236}">
-                <a16:creationId xmlns:a16="http://schemas.microsoft.com/office/drawing/2014/main" id="{AE9590ED-250D-4317-B839-46944CD491A9}"/>
-              </a:ext>
-            </a:extLst>
-          </p:cNvPr>
-          <p:cNvSpPr txBox="1"/>
-          <p:nvPr/>
-        </p:nvSpPr>
-        <p:spPr>
-          <a:xfrm rot="1373258">
-            <a:off x="2263471" y="3741776"/>
-            <a:ext cx="2333803" cy="246221"/>
-          </a:xfrm>
-          <a:prstGeom prst="rect">
-            <a:avLst/>
-          </a:prstGeom>
-          <a:noFill/>
-        </p:spPr>
-        <p:txBody>
-          <a:bodyPr wrap="square" rtlCol="0">
-            <a:spAutoFit/>
-          </a:bodyPr>
-          <a:lstStyle/>
-          <a:p>
-            <a:r>
-              <a:rPr lang="en-US" sz="1000" dirty="0"/>
-              <a:t>Speed limiter button 1</a:t>
-            </a:r>
-            <a:r>
-              <a:rPr lang="en-US" sz="1000" baseline="30000" dirty="0"/>
-              <a:t>st</a:t>
-            </a:r>
-            <a:r>
-              <a:rPr lang="en-US" sz="1000" dirty="0"/>
-              <a:t> time /dec  </a:t>
-            </a:r>
-          </a:p>
-        </p:txBody>
-      </p:sp>
-      <p:cxnSp>
-        <p:nvCxnSpPr>
-          <p:cNvPr id="29" name="Straight Arrow Connector 28">
-            <a:extLst>
-              <a:ext uri="{FF2B5EF4-FFF2-40B4-BE49-F238E27FC236}">
-                <a16:creationId xmlns:a16="http://schemas.microsoft.com/office/drawing/2014/main" id="{0F21D3E4-49FC-4EA0-8787-6B09E38CEE09}"/>
-              </a:ext>
-            </a:extLst>
-          </p:cNvPr>
-          <p:cNvCxnSpPr>
-            <a:cxnSpLocks/>
-            <a:stCxn id="4" idx="7"/>
-          </p:cNvCxnSpPr>
-          <p:nvPr/>
-        </p:nvCxnSpPr>
-        <p:spPr>
-          <a:xfrm flipV="1">
-            <a:off x="2186686" y="1935287"/>
-            <a:ext cx="1689654" cy="840470"/>
-          </a:xfrm>
-          <a:prstGeom prst="straightConnector1">
-            <a:avLst/>
-          </a:prstGeom>
-          <a:ln>
-            <a:tailEnd type="triangle"/>
-          </a:ln>
-        </p:spPr>
-        <p:style>
-          <a:lnRef idx="1">
-            <a:schemeClr val="accent1"/>
-          </a:lnRef>
-          <a:fillRef idx="0">
-            <a:schemeClr val="accent1"/>
-          </a:fillRef>
-          <a:effectRef idx="0">
-            <a:schemeClr val="accent1"/>
-          </a:effectRef>
-          <a:fontRef idx="minor">
-            <a:schemeClr val="tx1"/>
-          </a:fontRef>
-        </p:style>
-      </p:cxnSp>
-      <p:sp>
-        <p:nvSpPr>
-          <p:cNvPr id="32" name="TextBox 31">
-            <a:extLst>
-              <a:ext uri="{FF2B5EF4-FFF2-40B4-BE49-F238E27FC236}">
-                <a16:creationId xmlns:a16="http://schemas.microsoft.com/office/drawing/2014/main" id="{7977BFD7-93C6-4DCC-937A-DBDCF7CDB268}"/>
-              </a:ext>
-            </a:extLst>
-          </p:cNvPr>
-          <p:cNvSpPr txBox="1"/>
-          <p:nvPr/>
-        </p:nvSpPr>
-        <p:spPr>
-          <a:xfrm rot="1373258">
-            <a:off x="2230279" y="3898694"/>
-            <a:ext cx="1761332" cy="307777"/>
-          </a:xfrm>
-          <a:prstGeom prst="rect">
-            <a:avLst/>
-          </a:prstGeom>
-          <a:noFill/>
-        </p:spPr>
-        <p:txBody>
-          <a:bodyPr wrap="square" rtlCol="0">
-            <a:spAutoFit/>
-          </a:bodyPr>
-          <a:lstStyle/>
-          <a:p>
-            <a:r>
-              <a:rPr lang="en-US" sz="1100" dirty="0"/>
-              <a:t>Speed + (stand by </a:t>
-            </a:r>
-            <a:r>
-              <a:rPr lang="en-US" sz="1400" dirty="0"/>
-              <a:t>) </a:t>
-            </a:r>
-          </a:p>
-        </p:txBody>
-      </p:sp>
-      <p:sp>
-        <p:nvSpPr>
-          <p:cNvPr id="33" name="Rectangle 32">
-            <a:extLst>
-              <a:ext uri="{FF2B5EF4-FFF2-40B4-BE49-F238E27FC236}">
-                <a16:creationId xmlns:a16="http://schemas.microsoft.com/office/drawing/2014/main" id="{BC81B5C0-87A7-4A5C-A622-43A058269EC4}"/>
-              </a:ext>
-            </a:extLst>
-          </p:cNvPr>
-          <p:cNvSpPr/>
-          <p:nvPr/>
-        </p:nvSpPr>
-        <p:spPr>
-          <a:xfrm>
-            <a:off x="5186248" y="4938416"/>
-            <a:ext cx="2302623" cy="1879031"/>
+            <a:off x="9319929" y="433207"/>
+            <a:ext cx="2302623" cy="1759540"/>
           </a:xfrm>
           <a:prstGeom prst="rect">
             <a:avLst/>
@@ -4185,674 +4144,70 @@
           <a:p>
             <a:pPr algn="ctr"/>
             <a:r>
-              <a:rPr lang="en-US" dirty="0"/>
+              <a:rPr lang="en-US" sz="1400" b="1" u="sng" dirty="0"/>
               <a:t>System parameters</a:t>
             </a:r>
           </a:p>
           <a:p>
-            <a:pPr algn="ctr"/>
-            <a:r>
-              <a:rPr lang="en-US" dirty="0"/>
-              <a:t>1-system state (4)</a:t>
-            </a:r>
-          </a:p>
-          <a:p>
-            <a:pPr algn="ctr"/>
-            <a:r>
-              <a:rPr lang="en-US" dirty="0"/>
-              <a:t>2-speed limiter status(3)</a:t>
-            </a:r>
-          </a:p>
-          <a:p>
-            <a:pPr algn="ctr"/>
-            <a:r>
-              <a:rPr lang="en-US" dirty="0"/>
-              <a:t>3-cruise control status (3)</a:t>
-            </a:r>
-          </a:p>
-          <a:p>
-            <a:pPr algn="ctr"/>
-            <a:r>
-              <a:rPr lang="en-US" dirty="0"/>
-              <a:t>4- vehicle speed</a:t>
-            </a:r>
-          </a:p>
-        </p:txBody>
-      </p:sp>
-      <p:cxnSp>
-        <p:nvCxnSpPr>
-          <p:cNvPr id="23" name="Straight Arrow Connector 22">
-            <a:extLst>
-              <a:ext uri="{FF2B5EF4-FFF2-40B4-BE49-F238E27FC236}">
-                <a16:creationId xmlns:a16="http://schemas.microsoft.com/office/drawing/2014/main" id="{252AD932-3A7D-4C39-8F0C-9C47B5AFB095}"/>
-              </a:ext>
-            </a:extLst>
-          </p:cNvPr>
-          <p:cNvCxnSpPr>
-            <a:cxnSpLocks/>
-          </p:cNvCxnSpPr>
+            <a:r>
+              <a:rPr lang="en-US" sz="1400" dirty="0"/>
+              <a:t>1- System State</a:t>
+            </a:r>
+          </a:p>
+          <a:p>
+            <a:r>
+              <a:rPr lang="en-US" sz="1400" dirty="0"/>
+              <a:t>2- Speed Limit</a:t>
+            </a:r>
+          </a:p>
+          <a:p>
+            <a:r>
+              <a:rPr lang="en-US" sz="1400" dirty="0"/>
+              <a:t>3- Cruise Control</a:t>
+            </a:r>
+          </a:p>
+          <a:p>
+            <a:r>
+              <a:rPr lang="en-US" sz="1400" dirty="0"/>
+              <a:t>4- Speed</a:t>
+            </a:r>
+          </a:p>
+          <a:p>
+            <a:r>
+              <a:rPr lang="en-US" sz="1400" dirty="0"/>
+              <a:t>5- Limit</a:t>
+            </a:r>
+          </a:p>
+          <a:p>
+            <a:r>
+              <a:rPr lang="en-US" sz="1400" dirty="0"/>
+              <a:t>6- Gas</a:t>
+            </a:r>
+          </a:p>
+          <a:p>
+            <a:r>
+              <a:rPr lang="en-US" sz="1400" dirty="0"/>
+              <a:t>7- Break</a:t>
+            </a:r>
+          </a:p>
+        </p:txBody>
+      </p:sp>
+      <p:sp>
+        <p:nvSpPr>
+          <p:cNvPr id="61" name="Rectangle 60">
+            <a:extLst>
+              <a:ext uri="{FF2B5EF4-FFF2-40B4-BE49-F238E27FC236}">
+                <a16:creationId xmlns:a16="http://schemas.microsoft.com/office/drawing/2014/main" id="{DEBD3B55-3B9D-4C7A-B2F2-81C47C7DEEEC}"/>
+              </a:ext>
+            </a:extLst>
+          </p:cNvPr>
+          <p:cNvSpPr/>
           <p:nvPr/>
-        </p:nvCxnSpPr>
-        <p:spPr>
-          <a:xfrm flipV="1">
-            <a:off x="5029201" y="3348821"/>
-            <a:ext cx="1225564" cy="992105"/>
-          </a:xfrm>
-          <a:prstGeom prst="straightConnector1">
-            <a:avLst/>
-          </a:prstGeom>
-          <a:ln>
-            <a:tailEnd type="triangle"/>
-          </a:ln>
-        </p:spPr>
-        <p:style>
-          <a:lnRef idx="1">
-            <a:schemeClr val="accent1"/>
-          </a:lnRef>
-          <a:fillRef idx="0">
-            <a:schemeClr val="accent1"/>
-          </a:fillRef>
-          <a:effectRef idx="0">
-            <a:schemeClr val="accent1"/>
-          </a:effectRef>
-          <a:fontRef idx="minor">
-            <a:schemeClr val="tx1"/>
-          </a:fontRef>
-        </p:style>
-      </p:cxnSp>
-      <p:sp>
-        <p:nvSpPr>
-          <p:cNvPr id="26" name="TextBox 25">
-            <a:extLst>
-              <a:ext uri="{FF2B5EF4-FFF2-40B4-BE49-F238E27FC236}">
-                <a16:creationId xmlns:a16="http://schemas.microsoft.com/office/drawing/2014/main" id="{6E2E664B-B415-4AFF-BC38-955896C12337}"/>
-              </a:ext>
-            </a:extLst>
-          </p:cNvPr>
-          <p:cNvSpPr txBox="1"/>
-          <p:nvPr/>
-        </p:nvSpPr>
-        <p:spPr>
-          <a:xfrm rot="19268215">
-            <a:off x="4528376" y="3339684"/>
-            <a:ext cx="2378145" cy="261610"/>
-          </a:xfrm>
-          <a:prstGeom prst="rect">
-            <a:avLst/>
-          </a:prstGeom>
-          <a:noFill/>
-        </p:spPr>
-        <p:txBody>
-          <a:bodyPr wrap="square" rtlCol="0">
-            <a:spAutoFit/>
-          </a:bodyPr>
-          <a:lstStyle/>
-          <a:p>
-            <a:r>
-              <a:rPr lang="en-US" sz="1050" dirty="0"/>
-              <a:t>Vehicle speed &gt; set speed</a:t>
-            </a:r>
-          </a:p>
-        </p:txBody>
-      </p:sp>
-      <p:cxnSp>
-        <p:nvCxnSpPr>
-          <p:cNvPr id="30" name="Straight Arrow Connector 29">
-            <a:extLst>
-              <a:ext uri="{FF2B5EF4-FFF2-40B4-BE49-F238E27FC236}">
-                <a16:creationId xmlns:a16="http://schemas.microsoft.com/office/drawing/2014/main" id="{6C07B406-E8C5-4EF2-81F6-2B6B3F0AC89D}"/>
-              </a:ext>
-            </a:extLst>
-          </p:cNvPr>
-          <p:cNvCxnSpPr>
-            <a:cxnSpLocks/>
-            <a:stCxn id="5" idx="3"/>
-            <a:endCxn id="4" idx="6"/>
-          </p:cNvCxnSpPr>
-          <p:nvPr/>
-        </p:nvCxnSpPr>
-        <p:spPr>
-          <a:xfrm flipH="1">
-            <a:off x="2368422" y="2031066"/>
-            <a:ext cx="1601543" cy="1172445"/>
-          </a:xfrm>
-          <a:prstGeom prst="straightConnector1">
-            <a:avLst/>
-          </a:prstGeom>
-          <a:ln>
-            <a:tailEnd type="triangle"/>
-          </a:ln>
-        </p:spPr>
-        <p:style>
-          <a:lnRef idx="1">
-            <a:schemeClr val="accent1"/>
-          </a:lnRef>
-          <a:fillRef idx="0">
-            <a:schemeClr val="accent1"/>
-          </a:fillRef>
-          <a:effectRef idx="0">
-            <a:schemeClr val="accent1"/>
-          </a:effectRef>
-          <a:fontRef idx="minor">
-            <a:schemeClr val="tx1"/>
-          </a:fontRef>
-        </p:style>
-      </p:cxnSp>
-      <p:sp>
-        <p:nvSpPr>
-          <p:cNvPr id="31" name="TextBox 30">
-            <a:extLst>
-              <a:ext uri="{FF2B5EF4-FFF2-40B4-BE49-F238E27FC236}">
-                <a16:creationId xmlns:a16="http://schemas.microsoft.com/office/drawing/2014/main" id="{1F240F23-9E0F-4540-AC5C-07135D21DF22}"/>
-              </a:ext>
-            </a:extLst>
-          </p:cNvPr>
-          <p:cNvSpPr txBox="1"/>
-          <p:nvPr/>
-        </p:nvSpPr>
-        <p:spPr>
-          <a:xfrm rot="20122279">
-            <a:off x="2207750" y="2306709"/>
-            <a:ext cx="1761211" cy="230832"/>
-          </a:xfrm>
-          <a:prstGeom prst="rect">
-            <a:avLst/>
-          </a:prstGeom>
-          <a:noFill/>
-        </p:spPr>
-        <p:txBody>
-          <a:bodyPr wrap="square" rtlCol="0">
-            <a:spAutoFit/>
-          </a:bodyPr>
-          <a:lstStyle/>
-          <a:p>
-            <a:r>
-              <a:rPr lang="en-US" sz="900" dirty="0"/>
-              <a:t>Speed+ | speed – (stand by )</a:t>
-            </a:r>
-          </a:p>
-        </p:txBody>
-      </p:sp>
-      <p:cxnSp>
-        <p:nvCxnSpPr>
-          <p:cNvPr id="34" name="Straight Arrow Connector 33">
-            <a:extLst>
-              <a:ext uri="{FF2B5EF4-FFF2-40B4-BE49-F238E27FC236}">
-                <a16:creationId xmlns:a16="http://schemas.microsoft.com/office/drawing/2014/main" id="{FC893350-5D32-4ECD-94A6-6211577C5ADE}"/>
-              </a:ext>
-            </a:extLst>
-          </p:cNvPr>
-          <p:cNvCxnSpPr>
-            <a:cxnSpLocks/>
-          </p:cNvCxnSpPr>
-          <p:nvPr/>
-        </p:nvCxnSpPr>
-        <p:spPr>
-          <a:xfrm flipH="1">
-            <a:off x="1769847" y="1411528"/>
-            <a:ext cx="2059560" cy="1121165"/>
-          </a:xfrm>
-          <a:prstGeom prst="straightConnector1">
-            <a:avLst/>
-          </a:prstGeom>
-          <a:ln>
-            <a:tailEnd type="triangle"/>
-          </a:ln>
-        </p:spPr>
-        <p:style>
-          <a:lnRef idx="1">
-            <a:schemeClr val="accent1"/>
-          </a:lnRef>
-          <a:fillRef idx="0">
-            <a:schemeClr val="accent1"/>
-          </a:fillRef>
-          <a:effectRef idx="0">
-            <a:schemeClr val="accent1"/>
-          </a:effectRef>
-          <a:fontRef idx="minor">
-            <a:schemeClr val="tx1"/>
-          </a:fontRef>
-        </p:style>
-      </p:cxnSp>
-      <p:sp>
-        <p:nvSpPr>
-          <p:cNvPr id="35" name="TextBox 34">
-            <a:extLst>
-              <a:ext uri="{FF2B5EF4-FFF2-40B4-BE49-F238E27FC236}">
-                <a16:creationId xmlns:a16="http://schemas.microsoft.com/office/drawing/2014/main" id="{352F9306-9BAC-464D-BA3E-F161DB220EF9}"/>
-              </a:ext>
-            </a:extLst>
-          </p:cNvPr>
-          <p:cNvSpPr txBox="1"/>
-          <p:nvPr/>
-        </p:nvSpPr>
-        <p:spPr>
-          <a:xfrm rot="20122279">
-            <a:off x="2177870" y="1549562"/>
-            <a:ext cx="1761211" cy="253916"/>
-          </a:xfrm>
-          <a:prstGeom prst="rect">
-            <a:avLst/>
-          </a:prstGeom>
-          <a:noFill/>
-        </p:spPr>
-        <p:txBody>
-          <a:bodyPr wrap="square" rtlCol="0">
-            <a:spAutoFit/>
-          </a:bodyPr>
-          <a:lstStyle/>
-          <a:p>
-            <a:r>
-              <a:rPr lang="en-US" sz="1050" dirty="0"/>
-              <a:t>deactivate </a:t>
-            </a:r>
-          </a:p>
-        </p:txBody>
-      </p:sp>
-      <p:cxnSp>
-        <p:nvCxnSpPr>
-          <p:cNvPr id="36" name="Straight Arrow Connector 35">
-            <a:extLst>
-              <a:ext uri="{FF2B5EF4-FFF2-40B4-BE49-F238E27FC236}">
-                <a16:creationId xmlns:a16="http://schemas.microsoft.com/office/drawing/2014/main" id="{9345EC79-12E1-401A-BBE4-7709D509684C}"/>
-              </a:ext>
-            </a:extLst>
-          </p:cNvPr>
-          <p:cNvCxnSpPr>
-            <a:cxnSpLocks/>
-          </p:cNvCxnSpPr>
-          <p:nvPr/>
-        </p:nvCxnSpPr>
-        <p:spPr>
-          <a:xfrm rot="2980308" flipH="1">
-            <a:off x="1596228" y="3814883"/>
-            <a:ext cx="2059560" cy="1121165"/>
-          </a:xfrm>
-          <a:prstGeom prst="straightConnector1">
-            <a:avLst/>
-          </a:prstGeom>
-          <a:ln>
-            <a:tailEnd type="triangle"/>
-          </a:ln>
-        </p:spPr>
-        <p:style>
-          <a:lnRef idx="1">
-            <a:schemeClr val="accent1"/>
-          </a:lnRef>
-          <a:fillRef idx="0">
-            <a:schemeClr val="accent1"/>
-          </a:fillRef>
-          <a:effectRef idx="0">
-            <a:schemeClr val="accent1"/>
-          </a:effectRef>
-          <a:fontRef idx="minor">
-            <a:schemeClr val="tx1"/>
-          </a:fontRef>
-        </p:style>
-      </p:cxnSp>
-      <p:sp>
-        <p:nvSpPr>
-          <p:cNvPr id="37" name="TextBox 36">
-            <a:extLst>
-              <a:ext uri="{FF2B5EF4-FFF2-40B4-BE49-F238E27FC236}">
-                <a16:creationId xmlns:a16="http://schemas.microsoft.com/office/drawing/2014/main" id="{B0CBCF25-A41E-4642-8A88-E7F4151B9C6B}"/>
-              </a:ext>
-            </a:extLst>
-          </p:cNvPr>
-          <p:cNvSpPr txBox="1"/>
-          <p:nvPr/>
-        </p:nvSpPr>
-        <p:spPr>
-          <a:xfrm rot="1502587">
-            <a:off x="1696293" y="4148679"/>
-            <a:ext cx="1761211" cy="253916"/>
-          </a:xfrm>
-          <a:prstGeom prst="rect">
-            <a:avLst/>
-          </a:prstGeom>
-          <a:noFill/>
-        </p:spPr>
-        <p:txBody>
-          <a:bodyPr wrap="square" rtlCol="0">
-            <a:spAutoFit/>
-          </a:bodyPr>
-          <a:lstStyle/>
-          <a:p>
-            <a:r>
-              <a:rPr lang="en-US" sz="1050" dirty="0"/>
-              <a:t>deactivate </a:t>
-            </a:r>
-          </a:p>
-        </p:txBody>
-      </p:sp>
-      <p:cxnSp>
-        <p:nvCxnSpPr>
-          <p:cNvPr id="38" name="Straight Arrow Connector 37">
-            <a:extLst>
-              <a:ext uri="{FF2B5EF4-FFF2-40B4-BE49-F238E27FC236}">
-                <a16:creationId xmlns:a16="http://schemas.microsoft.com/office/drawing/2014/main" id="{A2470C19-B064-4032-8C84-6E7D2FE2FF18}"/>
-              </a:ext>
-            </a:extLst>
-          </p:cNvPr>
-          <p:cNvCxnSpPr>
-            <a:cxnSpLocks/>
-            <a:stCxn id="5" idx="4"/>
-          </p:cNvCxnSpPr>
-          <p:nvPr/>
-        </p:nvCxnSpPr>
-        <p:spPr>
-          <a:xfrm flipH="1">
-            <a:off x="4335037" y="2208247"/>
-            <a:ext cx="73678" cy="1829202"/>
-          </a:xfrm>
-          <a:prstGeom prst="straightConnector1">
-            <a:avLst/>
-          </a:prstGeom>
-          <a:ln>
-            <a:tailEnd type="triangle"/>
-          </a:ln>
-        </p:spPr>
-        <p:style>
-          <a:lnRef idx="1">
-            <a:schemeClr val="accent1"/>
-          </a:lnRef>
-          <a:fillRef idx="0">
-            <a:schemeClr val="accent1"/>
-          </a:fillRef>
-          <a:effectRef idx="0">
-            <a:schemeClr val="accent1"/>
-          </a:effectRef>
-          <a:fontRef idx="minor">
-            <a:schemeClr val="tx1"/>
-          </a:fontRef>
-        </p:style>
-      </p:cxnSp>
-      <p:cxnSp>
-        <p:nvCxnSpPr>
-          <p:cNvPr id="41" name="Straight Arrow Connector 40">
-            <a:extLst>
-              <a:ext uri="{FF2B5EF4-FFF2-40B4-BE49-F238E27FC236}">
-                <a16:creationId xmlns:a16="http://schemas.microsoft.com/office/drawing/2014/main" id="{0B777A5D-8BA7-426B-8478-E820C4D10AE1}"/>
-              </a:ext>
-            </a:extLst>
-          </p:cNvPr>
-          <p:cNvCxnSpPr>
-            <a:cxnSpLocks/>
-          </p:cNvCxnSpPr>
-          <p:nvPr/>
-        </p:nvCxnSpPr>
-        <p:spPr>
-          <a:xfrm flipH="1" flipV="1">
-            <a:off x="4543359" y="2301342"/>
-            <a:ext cx="71184" cy="1836965"/>
-          </a:xfrm>
-          <a:prstGeom prst="straightConnector1">
-            <a:avLst/>
-          </a:prstGeom>
-          <a:ln>
-            <a:tailEnd type="triangle"/>
-          </a:ln>
-        </p:spPr>
-        <p:style>
-          <a:lnRef idx="1">
-            <a:schemeClr val="accent1"/>
-          </a:lnRef>
-          <a:fillRef idx="0">
-            <a:schemeClr val="accent1"/>
-          </a:fillRef>
-          <a:effectRef idx="0">
-            <a:schemeClr val="accent1"/>
-          </a:effectRef>
-          <a:fontRef idx="minor">
-            <a:schemeClr val="tx1"/>
-          </a:fontRef>
-        </p:style>
-      </p:cxnSp>
-      <p:cxnSp>
-        <p:nvCxnSpPr>
-          <p:cNvPr id="44" name="Straight Arrow Connector 43">
-            <a:extLst>
-              <a:ext uri="{FF2B5EF4-FFF2-40B4-BE49-F238E27FC236}">
-                <a16:creationId xmlns:a16="http://schemas.microsoft.com/office/drawing/2014/main" id="{C7AB0141-238A-4D2A-A763-13ABE993FC42}"/>
-              </a:ext>
-            </a:extLst>
-          </p:cNvPr>
-          <p:cNvCxnSpPr>
-            <a:cxnSpLocks/>
-          </p:cNvCxnSpPr>
-          <p:nvPr/>
-        </p:nvCxnSpPr>
+        </p:nvSpPr>
         <p:spPr>
           <a:xfrm>
-            <a:off x="5002036" y="1768077"/>
-            <a:ext cx="1454091" cy="989229"/>
-          </a:xfrm>
-          <a:prstGeom prst="straightConnector1">
-            <a:avLst/>
-          </a:prstGeom>
-          <a:ln>
-            <a:tailEnd type="triangle"/>
-          </a:ln>
-        </p:spPr>
-        <p:style>
-          <a:lnRef idx="1">
-            <a:schemeClr val="accent1"/>
-          </a:lnRef>
-          <a:fillRef idx="0">
-            <a:schemeClr val="accent1"/>
-          </a:fillRef>
-          <a:effectRef idx="0">
-            <a:schemeClr val="accent1"/>
-          </a:effectRef>
-          <a:fontRef idx="minor">
-            <a:schemeClr val="tx1"/>
-          </a:fontRef>
-        </p:style>
-      </p:cxnSp>
-      <p:sp>
-        <p:nvSpPr>
-          <p:cNvPr id="48" name="TextBox 47">
-            <a:extLst>
-              <a:ext uri="{FF2B5EF4-FFF2-40B4-BE49-F238E27FC236}">
-                <a16:creationId xmlns:a16="http://schemas.microsoft.com/office/drawing/2014/main" id="{BBD6800A-3985-47C0-A26A-A43B25F68686}"/>
-              </a:ext>
-            </a:extLst>
-          </p:cNvPr>
-          <p:cNvSpPr txBox="1"/>
-          <p:nvPr/>
-        </p:nvSpPr>
-        <p:spPr>
-          <a:xfrm rot="1999426">
-            <a:off x="4808317" y="2079773"/>
-            <a:ext cx="2656114" cy="276999"/>
-          </a:xfrm>
-          <a:prstGeom prst="rect">
-            <a:avLst/>
-          </a:prstGeom>
-          <a:noFill/>
-        </p:spPr>
-        <p:txBody>
-          <a:bodyPr wrap="square" rtlCol="0">
-            <a:spAutoFit/>
-          </a:bodyPr>
-          <a:lstStyle/>
-          <a:p>
-            <a:r>
-              <a:rPr lang="en-US" sz="1200" dirty="0"/>
-              <a:t>Vehicle speed &gt; cruise speed</a:t>
-            </a:r>
-          </a:p>
-        </p:txBody>
-      </p:sp>
-      <p:cxnSp>
-        <p:nvCxnSpPr>
-          <p:cNvPr id="49" name="Straight Arrow Connector 48">
-            <a:extLst>
-              <a:ext uri="{FF2B5EF4-FFF2-40B4-BE49-F238E27FC236}">
-                <a16:creationId xmlns:a16="http://schemas.microsoft.com/office/drawing/2014/main" id="{CB4A5DD5-7BCC-4BFF-80D5-94741446A69E}"/>
-              </a:ext>
-            </a:extLst>
-          </p:cNvPr>
-          <p:cNvCxnSpPr>
-            <a:cxnSpLocks/>
-          </p:cNvCxnSpPr>
-          <p:nvPr/>
-        </p:nvCxnSpPr>
-        <p:spPr>
-          <a:xfrm flipH="1">
-            <a:off x="5109490" y="3611483"/>
-            <a:ext cx="1228070" cy="916780"/>
-          </a:xfrm>
-          <a:prstGeom prst="straightConnector1">
-            <a:avLst/>
-          </a:prstGeom>
-          <a:ln>
-            <a:tailEnd type="triangle"/>
-          </a:ln>
-        </p:spPr>
-        <p:style>
-          <a:lnRef idx="1">
-            <a:schemeClr val="accent1"/>
-          </a:lnRef>
-          <a:fillRef idx="0">
-            <a:schemeClr val="accent1"/>
-          </a:fillRef>
-          <a:effectRef idx="0">
-            <a:schemeClr val="accent1"/>
-          </a:effectRef>
-          <a:fontRef idx="minor">
-            <a:schemeClr val="tx1"/>
-          </a:fontRef>
-        </p:style>
-      </p:cxnSp>
-      <p:sp>
-        <p:nvSpPr>
-          <p:cNvPr id="53" name="TextBox 52">
-            <a:extLst>
-              <a:ext uri="{FF2B5EF4-FFF2-40B4-BE49-F238E27FC236}">
-                <a16:creationId xmlns:a16="http://schemas.microsoft.com/office/drawing/2014/main" id="{330DB63D-F624-485C-9F27-D1AAB88E94F5}"/>
-              </a:ext>
-            </a:extLst>
-          </p:cNvPr>
-          <p:cNvSpPr txBox="1"/>
-          <p:nvPr/>
-        </p:nvSpPr>
-        <p:spPr>
-          <a:xfrm rot="19268215">
-            <a:off x="5045435" y="4005019"/>
-            <a:ext cx="1724984" cy="415498"/>
-          </a:xfrm>
-          <a:prstGeom prst="rect">
-            <a:avLst/>
-          </a:prstGeom>
-          <a:noFill/>
-        </p:spPr>
-        <p:txBody>
-          <a:bodyPr wrap="square" rtlCol="0">
-            <a:spAutoFit/>
-          </a:bodyPr>
-          <a:lstStyle/>
-          <a:p>
-            <a:r>
-              <a:rPr lang="en-US" sz="1050" dirty="0"/>
-              <a:t>Vehicle speed &lt; set  speed with  brakes</a:t>
-            </a:r>
-          </a:p>
-        </p:txBody>
-      </p:sp>
-      <p:cxnSp>
-        <p:nvCxnSpPr>
-          <p:cNvPr id="54" name="Straight Arrow Connector 53">
-            <a:extLst>
-              <a:ext uri="{FF2B5EF4-FFF2-40B4-BE49-F238E27FC236}">
-                <a16:creationId xmlns:a16="http://schemas.microsoft.com/office/drawing/2014/main" id="{C2969FBA-FFDA-499E-9666-C4D960EC398E}"/>
-              </a:ext>
-            </a:extLst>
-          </p:cNvPr>
-          <p:cNvCxnSpPr>
-            <a:cxnSpLocks/>
-            <a:endCxn id="5" idx="5"/>
-          </p:cNvCxnSpPr>
-          <p:nvPr/>
-        </p:nvCxnSpPr>
-        <p:spPr>
-          <a:xfrm flipH="1" flipV="1">
-            <a:off x="4847465" y="2031066"/>
-            <a:ext cx="1396700" cy="936066"/>
-          </a:xfrm>
-          <a:prstGeom prst="straightConnector1">
-            <a:avLst/>
-          </a:prstGeom>
-          <a:ln>
-            <a:tailEnd type="triangle"/>
-          </a:ln>
-        </p:spPr>
-        <p:style>
-          <a:lnRef idx="1">
-            <a:schemeClr val="accent1"/>
-          </a:lnRef>
-          <a:fillRef idx="0">
-            <a:schemeClr val="accent1"/>
-          </a:fillRef>
-          <a:effectRef idx="0">
-            <a:schemeClr val="accent1"/>
-          </a:effectRef>
-          <a:fontRef idx="minor">
-            <a:schemeClr val="tx1"/>
-          </a:fontRef>
-        </p:style>
-      </p:cxnSp>
-      <p:sp>
-        <p:nvSpPr>
-          <p:cNvPr id="60" name="TextBox 59">
-            <a:extLst>
-              <a:ext uri="{FF2B5EF4-FFF2-40B4-BE49-F238E27FC236}">
-                <a16:creationId xmlns:a16="http://schemas.microsoft.com/office/drawing/2014/main" id="{5BC503CD-0DD3-480D-B247-0E27FA50A30F}"/>
-              </a:ext>
-            </a:extLst>
-          </p:cNvPr>
-          <p:cNvSpPr txBox="1"/>
-          <p:nvPr/>
-        </p:nvSpPr>
-        <p:spPr>
-          <a:xfrm rot="1856602">
-            <a:off x="4546389" y="2465117"/>
-            <a:ext cx="1909902" cy="400110"/>
-          </a:xfrm>
-          <a:prstGeom prst="rect">
-            <a:avLst/>
-          </a:prstGeom>
-          <a:noFill/>
-        </p:spPr>
-        <p:txBody>
-          <a:bodyPr wrap="square" rtlCol="0">
-            <a:spAutoFit/>
-          </a:bodyPr>
-          <a:lstStyle/>
-          <a:p>
-            <a:r>
-              <a:rPr lang="en-US" sz="1000" dirty="0"/>
-              <a:t>Vehicle speed&lt; cruise speed without brakes </a:t>
-            </a:r>
-          </a:p>
-        </p:txBody>
-      </p:sp>
-      <p:sp>
-        <p:nvSpPr>
-          <p:cNvPr id="61" name="Rectangle 60">
-            <a:extLst>
-              <a:ext uri="{FF2B5EF4-FFF2-40B4-BE49-F238E27FC236}">
-                <a16:creationId xmlns:a16="http://schemas.microsoft.com/office/drawing/2014/main" id="{DEBD3B55-3B9D-4C7A-B2F2-81C47C7DEEEC}"/>
-              </a:ext>
-            </a:extLst>
-          </p:cNvPr>
-          <p:cNvSpPr/>
-          <p:nvPr/>
-        </p:nvSpPr>
-        <p:spPr>
-          <a:xfrm>
-            <a:off x="8401050" y="795255"/>
-            <a:ext cx="3514725" cy="1235811"/>
+            <a:off x="8392756" y="2218889"/>
+            <a:ext cx="3514725" cy="954107"/>
           </a:xfrm>
           <a:prstGeom prst="rect">
             <a:avLst/>
@@ -4898,8 +4253,8 @@
         </p:nvSpPr>
         <p:spPr>
           <a:xfrm>
-            <a:off x="8422192" y="2120436"/>
-            <a:ext cx="3514725" cy="1235811"/>
+            <a:off x="8392757" y="3207414"/>
+            <a:ext cx="3514725" cy="830997"/>
           </a:xfrm>
           <a:prstGeom prst="rect">
             <a:avLst/>
@@ -4945,8 +4300,8 @@
         </p:nvSpPr>
         <p:spPr>
           <a:xfrm>
-            <a:off x="8422192" y="3490272"/>
-            <a:ext cx="3514725" cy="1235811"/>
+            <a:off x="8401049" y="4072829"/>
+            <a:ext cx="3514725" cy="892429"/>
           </a:xfrm>
           <a:prstGeom prst="rect">
             <a:avLst/>
@@ -4992,8 +4347,8 @@
         </p:nvSpPr>
         <p:spPr>
           <a:xfrm>
-            <a:off x="8393488" y="4967819"/>
-            <a:ext cx="3514725" cy="1235811"/>
+            <a:off x="8401050" y="5143018"/>
+            <a:ext cx="3514725" cy="892429"/>
           </a:xfrm>
           <a:prstGeom prst="rect">
             <a:avLst/>
@@ -5077,7 +4432,7 @@
         </p:nvSpPr>
         <p:spPr>
           <a:xfrm>
-            <a:off x="8437726" y="3560488"/>
+            <a:off x="8700286" y="4030719"/>
             <a:ext cx="2958535" cy="923330"/>
           </a:xfrm>
           <a:prstGeom prst="rect">
@@ -5148,8 +4503,8 @@
         </p:nvSpPr>
         <p:spPr>
           <a:xfrm>
-            <a:off x="8422192" y="2093367"/>
-            <a:ext cx="3103058" cy="1323439"/>
+            <a:off x="8614218" y="3196696"/>
+            <a:ext cx="3103058" cy="830997"/>
           </a:xfrm>
           <a:prstGeom prst="rect">
             <a:avLst/>
@@ -5203,28 +4558,6 @@
               <a:t>Options : Speed + / speed – </a:t>
             </a:r>
           </a:p>
-          <a:p>
-            <a:pPr algn="ctr"/>
-            <a:endParaRPr lang="en-US" sz="1600" dirty="0">
-              <a:solidFill>
-                <a:schemeClr val="tx1">
-                  <a:lumMod val="95000"/>
-                  <a:lumOff val="5000"/>
-                </a:schemeClr>
-              </a:solidFill>
-            </a:endParaRPr>
-          </a:p>
-          <a:p>
-            <a:pPr algn="ctr"/>
-            <a:endParaRPr lang="en-US" sz="1600" dirty="0">
-              <a:solidFill>
-                <a:schemeClr val="tx1">
-                  <a:lumMod val="95000"/>
-                  <a:lumOff val="5000"/>
-                </a:schemeClr>
-              </a:solidFill>
-            </a:endParaRPr>
-          </a:p>
         </p:txBody>
       </p:sp>
       <p:sp>
@@ -5241,8 +4574,8 @@
         </p:nvSpPr>
         <p:spPr>
           <a:xfrm>
-            <a:off x="8194290" y="696376"/>
-            <a:ext cx="3689556" cy="1384995"/>
+            <a:off x="8600185" y="2223027"/>
+            <a:ext cx="3131123" cy="954107"/>
           </a:xfrm>
           <a:prstGeom prst="rect">
             <a:avLst/>
@@ -5293,27 +4626,8 @@
                   </a:schemeClr>
                 </a:solidFill>
               </a:rPr>
-              <a:t>SL = </a:t>
-            </a:r>
-            <a:r>
-              <a:rPr lang="en-US" sz="1400" dirty="0" err="1">
-                <a:solidFill>
-                  <a:schemeClr val="tx1">
-                    <a:lumMod val="95000"/>
-                    <a:lumOff val="5000"/>
-                  </a:schemeClr>
-                </a:solidFill>
-              </a:rPr>
-              <a:t>stdby</a:t>
-            </a:r>
-            <a:endParaRPr lang="en-US" sz="1400" dirty="0">
-              <a:solidFill>
-                <a:schemeClr val="tx1">
-                  <a:lumMod val="95000"/>
-                  <a:lumOff val="5000"/>
-                </a:schemeClr>
-              </a:solidFill>
-            </a:endParaRPr>
+              <a:t>SL = stand BY</a:t>
+            </a:r>
           </a:p>
           <a:p>
             <a:pPr algn="ctr"/>
@@ -5326,137 +4640,1116 @@
                   </a:schemeClr>
                 </a:solidFill>
               </a:rPr>
-              <a:t>CC= </a:t>
-            </a:r>
-            <a:r>
-              <a:rPr lang="en-US" sz="1400" dirty="0" err="1">
+              <a:t>CC= Stand By</a:t>
+            </a:r>
+          </a:p>
+        </p:txBody>
+      </p:sp>
+      <p:grpSp>
+        <p:nvGrpSpPr>
+          <p:cNvPr id="19" name="Group 18">
+            <a:extLst>
+              <a:ext uri="{FF2B5EF4-FFF2-40B4-BE49-F238E27FC236}">
+                <a16:creationId xmlns:a16="http://schemas.microsoft.com/office/drawing/2014/main" id="{5749FC5D-E4F2-4116-9CDC-D7BEE26131D6}"/>
+              </a:ext>
+            </a:extLst>
+          </p:cNvPr>
+          <p:cNvGrpSpPr/>
+          <p:nvPr/>
+        </p:nvGrpSpPr>
+        <p:grpSpPr>
+          <a:xfrm>
+            <a:off x="-23547" y="749584"/>
+            <a:ext cx="7170868" cy="3892716"/>
+            <a:chOff x="128716" y="998378"/>
+            <a:chExt cx="7105554" cy="4144640"/>
+          </a:xfrm>
+        </p:grpSpPr>
+        <p:sp>
+          <p:nvSpPr>
+            <p:cNvPr id="4" name="Oval 3">
+              <a:extLst>
+                <a:ext uri="{FF2B5EF4-FFF2-40B4-BE49-F238E27FC236}">
+                  <a16:creationId xmlns:a16="http://schemas.microsoft.com/office/drawing/2014/main" id="{EA07DF52-3B42-4633-8666-5C9482FD8E56}"/>
+                </a:ext>
+              </a:extLst>
+            </p:cNvPr>
+            <p:cNvSpPr/>
+            <p:nvPr/>
+          </p:nvSpPr>
+          <p:spPr>
+            <a:xfrm>
+              <a:off x="1077372" y="2321154"/>
+              <a:ext cx="1255753" cy="1216624"/>
+            </a:xfrm>
+            <a:prstGeom prst="ellipse">
+              <a:avLst/>
+            </a:prstGeom>
+          </p:spPr>
+          <p:style>
+            <a:lnRef idx="2">
+              <a:schemeClr val="accent1">
+                <a:shade val="50000"/>
+              </a:schemeClr>
+            </a:lnRef>
+            <a:fillRef idx="1">
+              <a:schemeClr val="accent1"/>
+            </a:fillRef>
+            <a:effectRef idx="0">
+              <a:schemeClr val="accent1"/>
+            </a:effectRef>
+            <a:fontRef idx="minor">
+              <a:schemeClr val="lt1"/>
+            </a:fontRef>
+          </p:style>
+          <p:txBody>
+            <a:bodyPr rtlCol="0" anchor="ctr"/>
+            <a:lstStyle/>
+            <a:p>
+              <a:pPr algn="ctr"/>
+              <a:r>
+                <a:rPr lang="en-US" dirty="0"/>
+                <a:t>Main  cruise </a:t>
+              </a:r>
+            </a:p>
+          </p:txBody>
+        </p:sp>
+        <p:sp>
+          <p:nvSpPr>
+            <p:cNvPr id="5" name="Oval 4">
+              <a:extLst>
+                <a:ext uri="{FF2B5EF4-FFF2-40B4-BE49-F238E27FC236}">
+                  <a16:creationId xmlns:a16="http://schemas.microsoft.com/office/drawing/2014/main" id="{14E539E7-180D-40BB-8272-530349AFA301}"/>
+                </a:ext>
+              </a:extLst>
+            </p:cNvPr>
+            <p:cNvSpPr/>
+            <p:nvPr/>
+          </p:nvSpPr>
+          <p:spPr>
+            <a:xfrm>
+              <a:off x="3788229" y="998378"/>
+              <a:ext cx="1240972" cy="1209869"/>
+            </a:xfrm>
+            <a:prstGeom prst="ellipse">
+              <a:avLst/>
+            </a:prstGeom>
+          </p:spPr>
+          <p:style>
+            <a:lnRef idx="2">
+              <a:schemeClr val="accent1">
+                <a:shade val="50000"/>
+              </a:schemeClr>
+            </a:lnRef>
+            <a:fillRef idx="1">
+              <a:schemeClr val="accent1"/>
+            </a:fillRef>
+            <a:effectRef idx="0">
+              <a:schemeClr val="accent1"/>
+            </a:effectRef>
+            <a:fontRef idx="minor">
+              <a:schemeClr val="lt1"/>
+            </a:fontRef>
+          </p:style>
+          <p:txBody>
+            <a:bodyPr rtlCol="0" anchor="ctr"/>
+            <a:lstStyle/>
+            <a:p>
+              <a:pPr algn="ctr"/>
+              <a:r>
+                <a:rPr lang="en-US" dirty="0"/>
+                <a:t>Cruise control </a:t>
+              </a:r>
+            </a:p>
+          </p:txBody>
+        </p:sp>
+        <p:sp>
+          <p:nvSpPr>
+            <p:cNvPr id="6" name="Oval 5">
+              <a:extLst>
+                <a:ext uri="{FF2B5EF4-FFF2-40B4-BE49-F238E27FC236}">
+                  <a16:creationId xmlns:a16="http://schemas.microsoft.com/office/drawing/2014/main" id="{A3C3766C-6184-4031-A2DE-F44A8D08D907}"/>
+                </a:ext>
+              </a:extLst>
+            </p:cNvPr>
+            <p:cNvSpPr/>
+            <p:nvPr/>
+          </p:nvSpPr>
+          <p:spPr>
+            <a:xfrm>
+              <a:off x="3848509" y="4118056"/>
+              <a:ext cx="1249115" cy="1024962"/>
+            </a:xfrm>
+            <a:prstGeom prst="ellipse">
+              <a:avLst/>
+            </a:prstGeom>
+          </p:spPr>
+          <p:style>
+            <a:lnRef idx="2">
+              <a:schemeClr val="accent1">
+                <a:shade val="50000"/>
+              </a:schemeClr>
+            </a:lnRef>
+            <a:fillRef idx="1">
+              <a:schemeClr val="accent1"/>
+            </a:fillRef>
+            <a:effectRef idx="0">
+              <a:schemeClr val="accent1"/>
+            </a:effectRef>
+            <a:fontRef idx="minor">
+              <a:schemeClr val="lt1"/>
+            </a:fontRef>
+          </p:style>
+          <p:txBody>
+            <a:bodyPr rtlCol="0" anchor="ctr"/>
+            <a:lstStyle/>
+            <a:p>
+              <a:pPr algn="ctr"/>
+              <a:r>
+                <a:rPr lang="en-US" dirty="0"/>
+                <a:t>speed limiter  </a:t>
+              </a:r>
+            </a:p>
+          </p:txBody>
+        </p:sp>
+        <p:sp>
+          <p:nvSpPr>
+            <p:cNvPr id="8" name="Oval 7">
+              <a:extLst>
+                <a:ext uri="{FF2B5EF4-FFF2-40B4-BE49-F238E27FC236}">
+                  <a16:creationId xmlns:a16="http://schemas.microsoft.com/office/drawing/2014/main" id="{318185F3-0079-4D67-AE48-1E92479A0913}"/>
+                </a:ext>
+              </a:extLst>
+            </p:cNvPr>
+            <p:cNvSpPr/>
+            <p:nvPr/>
+          </p:nvSpPr>
+          <p:spPr>
+            <a:xfrm>
+              <a:off x="6209523" y="2718320"/>
+              <a:ext cx="1024747" cy="970383"/>
+            </a:xfrm>
+            <a:prstGeom prst="ellipse">
+              <a:avLst/>
+            </a:prstGeom>
+          </p:spPr>
+          <p:style>
+            <a:lnRef idx="2">
+              <a:schemeClr val="accent1">
+                <a:shade val="50000"/>
+              </a:schemeClr>
+            </a:lnRef>
+            <a:fillRef idx="1">
+              <a:schemeClr val="accent1"/>
+            </a:fillRef>
+            <a:effectRef idx="0">
+              <a:schemeClr val="accent1"/>
+            </a:effectRef>
+            <a:fontRef idx="minor">
+              <a:schemeClr val="lt1"/>
+            </a:fontRef>
+          </p:style>
+          <p:txBody>
+            <a:bodyPr rtlCol="0" anchor="ctr"/>
+            <a:lstStyle/>
+            <a:p>
+              <a:pPr algn="ctr"/>
+              <a:r>
+                <a:rPr lang="en-US" dirty="0"/>
+                <a:t>alarm</a:t>
+              </a:r>
+            </a:p>
+          </p:txBody>
+        </p:sp>
+        <p:sp>
+          <p:nvSpPr>
+            <p:cNvPr id="22" name="TextBox 21">
+              <a:extLst>
+                <a:ext uri="{FF2B5EF4-FFF2-40B4-BE49-F238E27FC236}">
+                  <a16:creationId xmlns:a16="http://schemas.microsoft.com/office/drawing/2014/main" id="{9089F557-87A4-4737-8B06-2433AFB2466E}"/>
+                </a:ext>
+              </a:extLst>
+            </p:cNvPr>
+            <p:cNvSpPr txBox="1"/>
+            <p:nvPr/>
+          </p:nvSpPr>
+          <p:spPr>
+            <a:xfrm rot="19002972">
+              <a:off x="128716" y="1822160"/>
+              <a:ext cx="573572" cy="307777"/>
+            </a:xfrm>
+            <a:prstGeom prst="rect">
+              <a:avLst/>
+            </a:prstGeom>
+            <a:noFill/>
+          </p:spPr>
+          <p:txBody>
+            <a:bodyPr wrap="square" rtlCol="0">
+              <a:spAutoFit/>
+            </a:bodyPr>
+            <a:lstStyle/>
+            <a:p>
+              <a:r>
+                <a:rPr lang="en-US" sz="1400" dirty="0"/>
+                <a:t>start</a:t>
+              </a:r>
+            </a:p>
+          </p:txBody>
+        </p:sp>
+        <p:sp>
+          <p:nvSpPr>
+            <p:cNvPr id="27" name="TextBox 26">
+              <a:extLst>
+                <a:ext uri="{FF2B5EF4-FFF2-40B4-BE49-F238E27FC236}">
+                  <a16:creationId xmlns:a16="http://schemas.microsoft.com/office/drawing/2014/main" id="{D8173FE8-D9E4-461A-985E-F4D748A16CB5}"/>
+                </a:ext>
+              </a:extLst>
+            </p:cNvPr>
+            <p:cNvSpPr txBox="1"/>
+            <p:nvPr/>
+          </p:nvSpPr>
+          <p:spPr>
+            <a:xfrm rot="19904071">
+              <a:off x="2052762" y="1998597"/>
+              <a:ext cx="1973791" cy="253916"/>
+            </a:xfrm>
+            <a:prstGeom prst="rect">
+              <a:avLst/>
+            </a:prstGeom>
+            <a:noFill/>
+          </p:spPr>
+          <p:txBody>
+            <a:bodyPr wrap="square" rtlCol="0">
+              <a:spAutoFit/>
+            </a:bodyPr>
+            <a:lstStyle/>
+            <a:p>
+              <a:r>
+                <a:rPr lang="en-US" sz="1050" dirty="0"/>
+                <a:t>Cruise control button 1</a:t>
+              </a:r>
+              <a:r>
+                <a:rPr lang="en-US" sz="1050" baseline="30000" dirty="0"/>
+                <a:t>st</a:t>
+              </a:r>
+              <a:r>
+                <a:rPr lang="en-US" sz="1050" dirty="0"/>
+                <a:t> / dec </a:t>
+              </a:r>
+            </a:p>
+          </p:txBody>
+        </p:sp>
+        <p:sp>
+          <p:nvSpPr>
+            <p:cNvPr id="28" name="TextBox 27">
+              <a:extLst>
+                <a:ext uri="{FF2B5EF4-FFF2-40B4-BE49-F238E27FC236}">
+                  <a16:creationId xmlns:a16="http://schemas.microsoft.com/office/drawing/2014/main" id="{AE9590ED-250D-4317-B839-46944CD491A9}"/>
+                </a:ext>
+              </a:extLst>
+            </p:cNvPr>
+            <p:cNvSpPr txBox="1"/>
+            <p:nvPr/>
+          </p:nvSpPr>
+          <p:spPr>
+            <a:xfrm rot="2070382">
+              <a:off x="2121045" y="3468472"/>
+              <a:ext cx="2310051" cy="246221"/>
+            </a:xfrm>
+            <a:prstGeom prst="rect">
+              <a:avLst/>
+            </a:prstGeom>
+            <a:noFill/>
+          </p:spPr>
+          <p:txBody>
+            <a:bodyPr wrap="square" rtlCol="0">
+              <a:spAutoFit/>
+            </a:bodyPr>
+            <a:lstStyle/>
+            <a:p>
+              <a:r>
+                <a:rPr lang="en-US" sz="1000" dirty="0"/>
+                <a:t>Speed limiter button 1</a:t>
+              </a:r>
+              <a:r>
+                <a:rPr lang="en-US" sz="1000" baseline="30000" dirty="0"/>
+                <a:t>st</a:t>
+              </a:r>
+              <a:r>
+                <a:rPr lang="en-US" sz="1000" dirty="0"/>
+                <a:t> time /deactivate  </a:t>
+              </a:r>
+            </a:p>
+          </p:txBody>
+        </p:sp>
+        <p:sp>
+          <p:nvSpPr>
+            <p:cNvPr id="32" name="TextBox 31">
+              <a:extLst>
+                <a:ext uri="{FF2B5EF4-FFF2-40B4-BE49-F238E27FC236}">
+                  <a16:creationId xmlns:a16="http://schemas.microsoft.com/office/drawing/2014/main" id="{7977BFD7-93C6-4DCC-937A-DBDCF7CDB268}"/>
+                </a:ext>
+              </a:extLst>
+            </p:cNvPr>
+            <p:cNvSpPr txBox="1"/>
+            <p:nvPr/>
+          </p:nvSpPr>
+          <p:spPr>
+            <a:xfrm rot="2184584">
+              <a:off x="2547794" y="3748814"/>
+              <a:ext cx="1137655" cy="261610"/>
+            </a:xfrm>
+            <a:prstGeom prst="rect">
+              <a:avLst/>
+            </a:prstGeom>
+            <a:noFill/>
+          </p:spPr>
+          <p:txBody>
+            <a:bodyPr wrap="square" rtlCol="0">
+              <a:spAutoFit/>
+            </a:bodyPr>
+            <a:lstStyle/>
+            <a:p>
+              <a:r>
+                <a:rPr lang="en-US" sz="1100" dirty="0"/>
+                <a:t>Speed + /speed -</a:t>
+              </a:r>
+              <a:endParaRPr lang="en-US" sz="1400" dirty="0"/>
+            </a:p>
+          </p:txBody>
+        </p:sp>
+        <p:sp>
+          <p:nvSpPr>
+            <p:cNvPr id="26" name="TextBox 25">
+              <a:extLst>
+                <a:ext uri="{FF2B5EF4-FFF2-40B4-BE49-F238E27FC236}">
+                  <a16:creationId xmlns:a16="http://schemas.microsoft.com/office/drawing/2014/main" id="{6E2E664B-B415-4AFF-BC38-955896C12337}"/>
+                </a:ext>
+              </a:extLst>
+            </p:cNvPr>
+            <p:cNvSpPr txBox="1"/>
+            <p:nvPr/>
+          </p:nvSpPr>
+          <p:spPr>
+            <a:xfrm rot="19268215">
+              <a:off x="4714979" y="3586062"/>
+              <a:ext cx="1594142" cy="261610"/>
+            </a:xfrm>
+            <a:prstGeom prst="rect">
+              <a:avLst/>
+            </a:prstGeom>
+            <a:noFill/>
+          </p:spPr>
+          <p:txBody>
+            <a:bodyPr wrap="square" rtlCol="0">
+              <a:spAutoFit/>
+            </a:bodyPr>
+            <a:lstStyle/>
+            <a:p>
+              <a:r>
+                <a:rPr lang="en-US" sz="1050" dirty="0"/>
+                <a:t>Vehicle speed &gt; set speed</a:t>
+              </a:r>
+            </a:p>
+          </p:txBody>
+        </p:sp>
+        <p:sp>
+          <p:nvSpPr>
+            <p:cNvPr id="31" name="TextBox 30">
+              <a:extLst>
+                <a:ext uri="{FF2B5EF4-FFF2-40B4-BE49-F238E27FC236}">
+                  <a16:creationId xmlns:a16="http://schemas.microsoft.com/office/drawing/2014/main" id="{1F240F23-9E0F-4540-AC5C-07135D21DF22}"/>
+                </a:ext>
+              </a:extLst>
+            </p:cNvPr>
+            <p:cNvSpPr txBox="1"/>
+            <p:nvPr/>
+          </p:nvSpPr>
+          <p:spPr>
+            <a:xfrm rot="19888651">
+              <a:off x="2487484" y="2108875"/>
+              <a:ext cx="1761211" cy="230832"/>
+            </a:xfrm>
+            <a:prstGeom prst="rect">
+              <a:avLst/>
+            </a:prstGeom>
+            <a:noFill/>
+          </p:spPr>
+          <p:txBody>
+            <a:bodyPr wrap="square" rtlCol="0">
+              <a:spAutoFit/>
+            </a:bodyPr>
+            <a:lstStyle/>
+            <a:p>
+              <a:r>
+                <a:rPr lang="en-US" sz="900" dirty="0"/>
+                <a:t>Speed+ | speed – </a:t>
+              </a:r>
+            </a:p>
+          </p:txBody>
+        </p:sp>
+        <p:sp>
+          <p:nvSpPr>
+            <p:cNvPr id="35" name="TextBox 34">
+              <a:extLst>
+                <a:ext uri="{FF2B5EF4-FFF2-40B4-BE49-F238E27FC236}">
+                  <a16:creationId xmlns:a16="http://schemas.microsoft.com/office/drawing/2014/main" id="{352F9306-9BAC-464D-BA3E-F161DB220EF9}"/>
+                </a:ext>
+              </a:extLst>
+            </p:cNvPr>
+            <p:cNvSpPr txBox="1"/>
+            <p:nvPr/>
+          </p:nvSpPr>
+          <p:spPr>
+            <a:xfrm rot="19915266">
+              <a:off x="1670650" y="1441840"/>
+              <a:ext cx="2436767" cy="415498"/>
+            </a:xfrm>
+            <a:prstGeom prst="rect">
+              <a:avLst/>
+            </a:prstGeom>
+            <a:noFill/>
+          </p:spPr>
+          <p:txBody>
+            <a:bodyPr wrap="square" rtlCol="0">
+              <a:spAutoFit/>
+            </a:bodyPr>
+            <a:lstStyle/>
+            <a:p>
+              <a:r>
+                <a:rPr lang="en-US" sz="1050" dirty="0"/>
+                <a:t>CC switch(deactivate)</a:t>
+              </a:r>
+            </a:p>
+            <a:p>
+              <a:r>
+                <a:rPr lang="en-US" sz="1050" dirty="0"/>
+                <a:t>Stand by switch </a:t>
+              </a:r>
+              <a:r>
+                <a:rPr lang="ar-EG" sz="1050" dirty="0"/>
+                <a:t> </a:t>
+              </a:r>
+              <a:r>
+                <a:rPr lang="en-US" sz="1050" dirty="0"/>
+                <a:t>or brakes(CC stand by )  </a:t>
+              </a:r>
+            </a:p>
+          </p:txBody>
+        </p:sp>
+        <p:sp>
+          <p:nvSpPr>
+            <p:cNvPr id="37" name="TextBox 36">
+              <a:extLst>
+                <a:ext uri="{FF2B5EF4-FFF2-40B4-BE49-F238E27FC236}">
+                  <a16:creationId xmlns:a16="http://schemas.microsoft.com/office/drawing/2014/main" id="{B0CBCF25-A41E-4642-8A88-E7F4151B9C6B}"/>
+                </a:ext>
+              </a:extLst>
+            </p:cNvPr>
+            <p:cNvSpPr txBox="1"/>
+            <p:nvPr/>
+          </p:nvSpPr>
+          <p:spPr>
+            <a:xfrm rot="1988110">
+              <a:off x="2376070" y="3871633"/>
+              <a:ext cx="805445" cy="253916"/>
+            </a:xfrm>
+            <a:prstGeom prst="rect">
+              <a:avLst/>
+            </a:prstGeom>
+            <a:noFill/>
+          </p:spPr>
+          <p:txBody>
+            <a:bodyPr wrap="square" rtlCol="0">
+              <a:spAutoFit/>
+            </a:bodyPr>
+            <a:lstStyle/>
+            <a:p>
+              <a:r>
+                <a:rPr lang="en-US" sz="1050" dirty="0"/>
+                <a:t>deactivate </a:t>
+              </a:r>
+            </a:p>
+          </p:txBody>
+        </p:sp>
+        <p:sp>
+          <p:nvSpPr>
+            <p:cNvPr id="48" name="TextBox 47">
+              <a:extLst>
+                <a:ext uri="{FF2B5EF4-FFF2-40B4-BE49-F238E27FC236}">
+                  <a16:creationId xmlns:a16="http://schemas.microsoft.com/office/drawing/2014/main" id="{BBD6800A-3985-47C0-A26A-A43B25F68686}"/>
+                </a:ext>
+              </a:extLst>
+            </p:cNvPr>
+            <p:cNvSpPr txBox="1"/>
+            <p:nvPr/>
+          </p:nvSpPr>
+          <p:spPr>
+            <a:xfrm rot="1999426">
+              <a:off x="4867260" y="2027146"/>
+              <a:ext cx="1967984" cy="276999"/>
+            </a:xfrm>
+            <a:prstGeom prst="rect">
+              <a:avLst/>
+            </a:prstGeom>
+            <a:noFill/>
+          </p:spPr>
+          <p:txBody>
+            <a:bodyPr wrap="square" rtlCol="0">
+              <a:spAutoFit/>
+            </a:bodyPr>
+            <a:lstStyle/>
+            <a:p>
+              <a:r>
+                <a:rPr lang="en-US" sz="1200" dirty="0"/>
+                <a:t>Vehicle speed &gt; cruise speed</a:t>
+              </a:r>
+            </a:p>
+          </p:txBody>
+        </p:sp>
+        <p:sp>
+          <p:nvSpPr>
+            <p:cNvPr id="53" name="TextBox 52">
+              <a:extLst>
+                <a:ext uri="{FF2B5EF4-FFF2-40B4-BE49-F238E27FC236}">
+                  <a16:creationId xmlns:a16="http://schemas.microsoft.com/office/drawing/2014/main" id="{330DB63D-F624-485C-9F27-D1AAB88E94F5}"/>
+                </a:ext>
+              </a:extLst>
+            </p:cNvPr>
+            <p:cNvSpPr txBox="1"/>
+            <p:nvPr/>
+          </p:nvSpPr>
+          <p:spPr>
+            <a:xfrm rot="19268215">
+              <a:off x="5049123" y="4015473"/>
+              <a:ext cx="1691662" cy="415498"/>
+            </a:xfrm>
+            <a:prstGeom prst="rect">
+              <a:avLst/>
+            </a:prstGeom>
+            <a:noFill/>
+          </p:spPr>
+          <p:txBody>
+            <a:bodyPr wrap="square" rtlCol="0">
+              <a:spAutoFit/>
+            </a:bodyPr>
+            <a:lstStyle/>
+            <a:p>
+              <a:r>
+                <a:rPr lang="en-US" sz="1050" dirty="0"/>
+                <a:t>Vehicle speed &lt; set  speed with  brakes</a:t>
+              </a:r>
+            </a:p>
+          </p:txBody>
+        </p:sp>
+        <p:sp>
+          <p:nvSpPr>
+            <p:cNvPr id="60" name="TextBox 59">
+              <a:extLst>
+                <a:ext uri="{FF2B5EF4-FFF2-40B4-BE49-F238E27FC236}">
+                  <a16:creationId xmlns:a16="http://schemas.microsoft.com/office/drawing/2014/main" id="{5BC503CD-0DD3-480D-B247-0E27FA50A30F}"/>
+                </a:ext>
+              </a:extLst>
+            </p:cNvPr>
+            <p:cNvSpPr txBox="1"/>
+            <p:nvPr/>
+          </p:nvSpPr>
+          <p:spPr>
+            <a:xfrm rot="2000135">
+              <a:off x="4638316" y="2406534"/>
+              <a:ext cx="1636701" cy="400110"/>
+            </a:xfrm>
+            <a:prstGeom prst="rect">
+              <a:avLst/>
+            </a:prstGeom>
+            <a:noFill/>
+          </p:spPr>
+          <p:txBody>
+            <a:bodyPr wrap="square" rtlCol="0">
+              <a:spAutoFit/>
+            </a:bodyPr>
+            <a:lstStyle/>
+            <a:p>
+              <a:r>
+                <a:rPr lang="en-US" sz="1000" dirty="0"/>
+                <a:t>Vehicle speed&lt; cruise speed without brakes </a:t>
+              </a:r>
+            </a:p>
+          </p:txBody>
+        </p:sp>
+        <p:sp>
+          <p:nvSpPr>
+            <p:cNvPr id="3" name="Arrow: Right 2">
+              <a:extLst>
+                <a:ext uri="{FF2B5EF4-FFF2-40B4-BE49-F238E27FC236}">
+                  <a16:creationId xmlns:a16="http://schemas.microsoft.com/office/drawing/2014/main" id="{9CBC8A6E-75B7-4B56-914A-228EF5ED1668}"/>
+                </a:ext>
+              </a:extLst>
+            </p:cNvPr>
+            <p:cNvSpPr/>
+            <p:nvPr/>
+          </p:nvSpPr>
+          <p:spPr>
+            <a:xfrm rot="9167659">
+              <a:off x="1809698" y="1854600"/>
+              <a:ext cx="2127082" cy="135540"/>
+            </a:xfrm>
+            <a:prstGeom prst="rightArrow">
+              <a:avLst/>
+            </a:prstGeom>
+          </p:spPr>
+          <p:style>
+            <a:lnRef idx="2">
+              <a:schemeClr val="accent6">
+                <a:shade val="50000"/>
+              </a:schemeClr>
+            </a:lnRef>
+            <a:fillRef idx="1">
+              <a:schemeClr val="accent6"/>
+            </a:fillRef>
+            <a:effectRef idx="0">
+              <a:schemeClr val="accent6"/>
+            </a:effectRef>
+            <a:fontRef idx="minor">
+              <a:schemeClr val="lt1"/>
+            </a:fontRef>
+          </p:style>
+          <p:txBody>
+            <a:bodyPr rtlCol="0" anchor="ctr"/>
+            <a:lstStyle/>
+            <a:p>
+              <a:pPr algn="ctr"/>
+              <a:endParaRPr lang="en-US"/>
+            </a:p>
+          </p:txBody>
+        </p:sp>
+        <p:sp>
+          <p:nvSpPr>
+            <p:cNvPr id="45" name="Arrow: Right 44">
+              <a:extLst>
+                <a:ext uri="{FF2B5EF4-FFF2-40B4-BE49-F238E27FC236}">
+                  <a16:creationId xmlns:a16="http://schemas.microsoft.com/office/drawing/2014/main" id="{7282D3F4-31D6-4B3D-84E9-7B5FE4AA57CA}"/>
+                </a:ext>
+              </a:extLst>
+            </p:cNvPr>
+            <p:cNvSpPr/>
+            <p:nvPr/>
+          </p:nvSpPr>
+          <p:spPr>
+            <a:xfrm rot="2133451">
+              <a:off x="2083018" y="3615863"/>
+              <a:ext cx="2088528" cy="159797"/>
+            </a:xfrm>
+            <a:prstGeom prst="rightArrow">
+              <a:avLst/>
+            </a:prstGeom>
+          </p:spPr>
+          <p:style>
+            <a:lnRef idx="2">
+              <a:schemeClr val="accent6">
+                <a:shade val="50000"/>
+              </a:schemeClr>
+            </a:lnRef>
+            <a:fillRef idx="1">
+              <a:schemeClr val="accent6"/>
+            </a:fillRef>
+            <a:effectRef idx="0">
+              <a:schemeClr val="accent6"/>
+            </a:effectRef>
+            <a:fontRef idx="minor">
+              <a:schemeClr val="lt1"/>
+            </a:fontRef>
+          </p:style>
+          <p:txBody>
+            <a:bodyPr rtlCol="0" anchor="ctr"/>
+            <a:lstStyle/>
+            <a:p>
+              <a:pPr algn="ctr"/>
+              <a:endParaRPr lang="en-US"/>
+            </a:p>
+          </p:txBody>
+        </p:sp>
+        <p:sp>
+          <p:nvSpPr>
+            <p:cNvPr id="46" name="Arrow: Right 45">
+              <a:extLst>
+                <a:ext uri="{FF2B5EF4-FFF2-40B4-BE49-F238E27FC236}">
+                  <a16:creationId xmlns:a16="http://schemas.microsoft.com/office/drawing/2014/main" id="{C8FBAB34-1C9B-4478-8C58-94A148EFB3DD}"/>
+                </a:ext>
+              </a:extLst>
+            </p:cNvPr>
+            <p:cNvSpPr/>
+            <p:nvPr/>
+          </p:nvSpPr>
+          <p:spPr>
+            <a:xfrm rot="8470541">
+              <a:off x="4818860" y="3803806"/>
+              <a:ext cx="1590426" cy="141664"/>
+            </a:xfrm>
+            <a:prstGeom prst="rightArrow">
+              <a:avLst/>
+            </a:prstGeom>
+          </p:spPr>
+          <p:style>
+            <a:lnRef idx="2">
+              <a:schemeClr val="accent6">
+                <a:shade val="50000"/>
+              </a:schemeClr>
+            </a:lnRef>
+            <a:fillRef idx="1">
+              <a:schemeClr val="accent6"/>
+            </a:fillRef>
+            <a:effectRef idx="0">
+              <a:schemeClr val="accent6"/>
+            </a:effectRef>
+            <a:fontRef idx="minor">
+              <a:schemeClr val="lt1"/>
+            </a:fontRef>
+          </p:style>
+          <p:txBody>
+            <a:bodyPr rtlCol="0" anchor="ctr"/>
+            <a:lstStyle/>
+            <a:p>
+              <a:pPr algn="ctr"/>
+              <a:endParaRPr lang="en-US"/>
+            </a:p>
+          </p:txBody>
+        </p:sp>
+        <p:sp>
+          <p:nvSpPr>
+            <p:cNvPr id="47" name="Arrow: Right 46">
+              <a:extLst>
+                <a:ext uri="{FF2B5EF4-FFF2-40B4-BE49-F238E27FC236}">
+                  <a16:creationId xmlns:a16="http://schemas.microsoft.com/office/drawing/2014/main" id="{7ECCE5A4-EAAD-4BAA-88FB-CEC1B71CFEC7}"/>
+                </a:ext>
+              </a:extLst>
+            </p:cNvPr>
+            <p:cNvSpPr/>
+            <p:nvPr/>
+          </p:nvSpPr>
+          <p:spPr>
+            <a:xfrm rot="19313618">
+              <a:off x="4910416" y="3940322"/>
+              <a:ext cx="1590443" cy="142463"/>
+            </a:xfrm>
+            <a:prstGeom prst="rightArrow">
+              <a:avLst/>
+            </a:prstGeom>
+          </p:spPr>
+          <p:style>
+            <a:lnRef idx="2">
+              <a:schemeClr val="accent6">
+                <a:shade val="50000"/>
+              </a:schemeClr>
+            </a:lnRef>
+            <a:fillRef idx="1">
+              <a:schemeClr val="accent6"/>
+            </a:fillRef>
+            <a:effectRef idx="0">
+              <a:schemeClr val="accent6"/>
+            </a:effectRef>
+            <a:fontRef idx="minor">
+              <a:schemeClr val="lt1"/>
+            </a:fontRef>
+          </p:style>
+          <p:txBody>
+            <a:bodyPr rtlCol="0" anchor="ctr"/>
+            <a:lstStyle/>
+            <a:p>
+              <a:pPr algn="ctr"/>
+              <a:endParaRPr lang="en-US"/>
+            </a:p>
+          </p:txBody>
+        </p:sp>
+        <p:sp>
+          <p:nvSpPr>
+            <p:cNvPr id="50" name="Arrow: Right 49">
+              <a:extLst>
+                <a:ext uri="{FF2B5EF4-FFF2-40B4-BE49-F238E27FC236}">
+                  <a16:creationId xmlns:a16="http://schemas.microsoft.com/office/drawing/2014/main" id="{D84108BC-61F8-4AF1-B450-929DBC463FF7}"/>
+                </a:ext>
+              </a:extLst>
+            </p:cNvPr>
+            <p:cNvSpPr/>
+            <p:nvPr/>
+          </p:nvSpPr>
+          <p:spPr>
+            <a:xfrm rot="12812199">
+              <a:off x="4748691" y="2400734"/>
+              <a:ext cx="1696234" cy="122423"/>
+            </a:xfrm>
+            <a:prstGeom prst="rightArrow">
+              <a:avLst/>
+            </a:prstGeom>
+          </p:spPr>
+          <p:style>
+            <a:lnRef idx="2">
+              <a:schemeClr val="accent6">
+                <a:shade val="50000"/>
+              </a:schemeClr>
+            </a:lnRef>
+            <a:fillRef idx="1">
+              <a:schemeClr val="accent6"/>
+            </a:fillRef>
+            <a:effectRef idx="0">
+              <a:schemeClr val="accent6"/>
+            </a:effectRef>
+            <a:fontRef idx="minor">
+              <a:schemeClr val="lt1"/>
+            </a:fontRef>
+          </p:style>
+          <p:txBody>
+            <a:bodyPr rtlCol="0" anchor="ctr"/>
+            <a:lstStyle/>
+            <a:p>
+              <a:pPr algn="ctr"/>
+              <a:endParaRPr lang="en-US"/>
+            </a:p>
+          </p:txBody>
+        </p:sp>
+        <p:sp>
+          <p:nvSpPr>
+            <p:cNvPr id="51" name="Arrow: Right 50">
+              <a:extLst>
+                <a:ext uri="{FF2B5EF4-FFF2-40B4-BE49-F238E27FC236}">
+                  <a16:creationId xmlns:a16="http://schemas.microsoft.com/office/drawing/2014/main" id="{49D04FA7-AE17-4439-8F29-BABAB4F1ADBA}"/>
+                </a:ext>
+              </a:extLst>
+            </p:cNvPr>
+            <p:cNvSpPr/>
+            <p:nvPr/>
+          </p:nvSpPr>
+          <p:spPr>
+            <a:xfrm rot="2032220">
+              <a:off x="4818567" y="2230728"/>
+              <a:ext cx="1864409" cy="141866"/>
+            </a:xfrm>
+            <a:prstGeom prst="rightArrow">
+              <a:avLst/>
+            </a:prstGeom>
+          </p:spPr>
+          <p:style>
+            <a:lnRef idx="2">
+              <a:schemeClr val="accent6">
+                <a:shade val="50000"/>
+              </a:schemeClr>
+            </a:lnRef>
+            <a:fillRef idx="1">
+              <a:schemeClr val="accent6"/>
+            </a:fillRef>
+            <a:effectRef idx="0">
+              <a:schemeClr val="accent6"/>
+            </a:effectRef>
+            <a:fontRef idx="minor">
+              <a:schemeClr val="lt1"/>
+            </a:fontRef>
+          </p:style>
+          <p:txBody>
+            <a:bodyPr rtlCol="0" anchor="ctr"/>
+            <a:lstStyle/>
+            <a:p>
+              <a:pPr algn="ctr"/>
+              <a:endParaRPr lang="en-US"/>
+            </a:p>
+          </p:txBody>
+        </p:sp>
+        <p:sp>
+          <p:nvSpPr>
+            <p:cNvPr id="52" name="Arrow: Right 51">
+              <a:extLst>
+                <a:ext uri="{FF2B5EF4-FFF2-40B4-BE49-F238E27FC236}">
+                  <a16:creationId xmlns:a16="http://schemas.microsoft.com/office/drawing/2014/main" id="{07326A12-249B-40BA-911A-C116F3EFB7C9}"/>
+                </a:ext>
+              </a:extLst>
+            </p:cNvPr>
+            <p:cNvSpPr/>
+            <p:nvPr/>
+          </p:nvSpPr>
+          <p:spPr>
+            <a:xfrm rot="19889692" flipV="1">
+              <a:off x="2071519" y="2218484"/>
+              <a:ext cx="1858009" cy="132431"/>
+            </a:xfrm>
+            <a:prstGeom prst="rightArrow">
+              <a:avLst/>
+            </a:prstGeom>
+          </p:spPr>
+          <p:style>
+            <a:lnRef idx="2">
+              <a:schemeClr val="accent6">
+                <a:shade val="50000"/>
+              </a:schemeClr>
+            </a:lnRef>
+            <a:fillRef idx="1">
+              <a:schemeClr val="accent6"/>
+            </a:fillRef>
+            <a:effectRef idx="0">
+              <a:schemeClr val="accent6"/>
+            </a:effectRef>
+            <a:fontRef idx="minor">
+              <a:schemeClr val="lt1"/>
+            </a:fontRef>
+          </p:style>
+          <p:txBody>
+            <a:bodyPr rtlCol="0" anchor="ctr"/>
+            <a:lstStyle/>
+            <a:p>
+              <a:pPr algn="ctr"/>
+              <a:endParaRPr lang="en-US"/>
+            </a:p>
+          </p:txBody>
+        </p:sp>
+        <p:sp>
+          <p:nvSpPr>
+            <p:cNvPr id="55" name="Arrow: Right 54">
+              <a:extLst>
+                <a:ext uri="{FF2B5EF4-FFF2-40B4-BE49-F238E27FC236}">
+                  <a16:creationId xmlns:a16="http://schemas.microsoft.com/office/drawing/2014/main" id="{1FCA3466-366C-4FC9-9202-A5DDF03B14EA}"/>
+                </a:ext>
+              </a:extLst>
+            </p:cNvPr>
+            <p:cNvSpPr/>
+            <p:nvPr/>
+          </p:nvSpPr>
+          <p:spPr>
+            <a:xfrm rot="12812199">
+              <a:off x="1921369" y="3934627"/>
+              <a:ext cx="2060234" cy="110848"/>
+            </a:xfrm>
+            <a:prstGeom prst="rightArrow">
+              <a:avLst/>
+            </a:prstGeom>
+          </p:spPr>
+          <p:style>
+            <a:lnRef idx="2">
+              <a:schemeClr val="accent6">
+                <a:shade val="50000"/>
+              </a:schemeClr>
+            </a:lnRef>
+            <a:fillRef idx="1">
+              <a:schemeClr val="accent6"/>
+            </a:fillRef>
+            <a:effectRef idx="0">
+              <a:schemeClr val="accent6"/>
+            </a:effectRef>
+            <a:fontRef idx="minor">
+              <a:schemeClr val="lt1"/>
+            </a:fontRef>
+          </p:style>
+          <p:txBody>
+            <a:bodyPr rtlCol="0" anchor="ctr"/>
+            <a:lstStyle/>
+            <a:p>
+              <a:pPr algn="ctr"/>
+              <a:endParaRPr lang="en-US"/>
+            </a:p>
+          </p:txBody>
+        </p:sp>
+        <p:sp>
+          <p:nvSpPr>
+            <p:cNvPr id="17" name="Arrow: Bent 16">
+              <a:extLst>
+                <a:ext uri="{FF2B5EF4-FFF2-40B4-BE49-F238E27FC236}">
+                  <a16:creationId xmlns:a16="http://schemas.microsoft.com/office/drawing/2014/main" id="{C4AA26C4-467C-491D-B29B-6C3E70E7A028}"/>
+                </a:ext>
+              </a:extLst>
+            </p:cNvPr>
+            <p:cNvSpPr/>
+            <p:nvPr/>
+          </p:nvSpPr>
+          <p:spPr>
+            <a:xfrm rot="2519770">
+              <a:off x="397459" y="2120695"/>
+              <a:ext cx="878503" cy="422798"/>
+            </a:xfrm>
+            <a:prstGeom prst="bentArrow">
+              <a:avLst/>
+            </a:prstGeom>
+            <a:solidFill>
+              <a:srgbClr val="FF0000"/>
+            </a:solidFill>
+            <a:ln>
+              <a:solidFill>
+                <a:srgbClr val="FF0000"/>
+              </a:solidFill>
+            </a:ln>
+          </p:spPr>
+          <p:style>
+            <a:lnRef idx="2">
+              <a:schemeClr val="accent1">
+                <a:shade val="50000"/>
+              </a:schemeClr>
+            </a:lnRef>
+            <a:fillRef idx="1">
+              <a:schemeClr val="accent1"/>
+            </a:fillRef>
+            <a:effectRef idx="0">
+              <a:schemeClr val="accent1"/>
+            </a:effectRef>
+            <a:fontRef idx="minor">
+              <a:schemeClr val="lt1"/>
+            </a:fontRef>
+          </p:style>
+          <p:txBody>
+            <a:bodyPr rtlCol="0" anchor="ctr"/>
+            <a:lstStyle/>
+            <a:p>
+              <a:pPr algn="ctr"/>
+              <a:endParaRPr lang="en-US">
                 <a:solidFill>
-                  <a:schemeClr val="tx1">
-                    <a:lumMod val="95000"/>
-                    <a:lumOff val="5000"/>
-                  </a:schemeClr>
+                  <a:schemeClr val="tx1"/>
                 </a:solidFill>
-              </a:rPr>
-              <a:t>stdby</a:t>
-            </a:r>
-            <a:endParaRPr lang="en-US" sz="1400" dirty="0">
-              <a:solidFill>
-                <a:schemeClr val="tx1">
-                  <a:lumMod val="95000"/>
-                  <a:lumOff val="5000"/>
-                </a:schemeClr>
-              </a:solidFill>
-            </a:endParaRPr>
-          </a:p>
+              </a:endParaRPr>
+            </a:p>
+          </p:txBody>
+        </p:sp>
+      </p:grpSp>
+      <p:sp>
+        <p:nvSpPr>
+          <p:cNvPr id="58" name="Rectangle: Rounded Corners 57">
+            <a:extLst>
+              <a:ext uri="{FF2B5EF4-FFF2-40B4-BE49-F238E27FC236}">
+                <a16:creationId xmlns:a16="http://schemas.microsoft.com/office/drawing/2014/main" id="{58B6CBBF-7763-46AA-A6B9-554B87892970}"/>
+              </a:ext>
+            </a:extLst>
+          </p:cNvPr>
+          <p:cNvSpPr/>
+          <p:nvPr/>
+        </p:nvSpPr>
+        <p:spPr>
+          <a:xfrm>
+            <a:off x="223935" y="205273"/>
+            <a:ext cx="3461657" cy="648984"/>
+          </a:xfrm>
+          <a:prstGeom prst="roundRect">
+            <a:avLst/>
+          </a:prstGeom>
+        </p:spPr>
+        <p:style>
+          <a:lnRef idx="2">
+            <a:schemeClr val="accent6">
+              <a:shade val="50000"/>
+            </a:schemeClr>
+          </a:lnRef>
+          <a:fillRef idx="1">
+            <a:schemeClr val="accent6"/>
+          </a:fillRef>
+          <a:effectRef idx="0">
+            <a:schemeClr val="accent6"/>
+          </a:effectRef>
+          <a:fontRef idx="minor">
+            <a:schemeClr val="lt1"/>
+          </a:fontRef>
+        </p:style>
+        <p:txBody>
+          <a:bodyPr rtlCol="0" anchor="ctr"/>
+          <a:lstStyle/>
           <a:p>
             <a:pPr algn="ctr"/>
             <a:r>
-              <a:rPr lang="en-US" sz="1400" dirty="0">
-                <a:solidFill>
-                  <a:schemeClr val="tx1">
-                    <a:lumMod val="95000"/>
-                    <a:lumOff val="5000"/>
-                  </a:schemeClr>
-                </a:solidFill>
-              </a:rPr>
-              <a:t>sL1 : </a:t>
-            </a:r>
-            <a:r>
-              <a:rPr lang="en-US" sz="1400" dirty="0" err="1">
-                <a:solidFill>
-                  <a:schemeClr val="tx1">
-                    <a:lumMod val="95000"/>
-                    <a:lumOff val="5000"/>
-                  </a:schemeClr>
-                </a:solidFill>
-              </a:rPr>
-              <a:t>stdby</a:t>
-            </a:r>
-            <a:r>
-              <a:rPr lang="en-US" sz="1400" dirty="0">
-                <a:solidFill>
-                  <a:schemeClr val="tx1">
-                    <a:lumMod val="95000"/>
-                    <a:lumOff val="5000"/>
-                  </a:schemeClr>
-                </a:solidFill>
-              </a:rPr>
-              <a:t> -&gt; </a:t>
-            </a:r>
-            <a:r>
-              <a:rPr lang="en-US" sz="1400" dirty="0" err="1">
-                <a:solidFill>
-                  <a:schemeClr val="tx1">
-                    <a:lumMod val="95000"/>
-                    <a:lumOff val="5000"/>
-                  </a:schemeClr>
-                </a:solidFill>
-              </a:rPr>
-              <a:t>sl</a:t>
-            </a:r>
-            <a:endParaRPr lang="en-US" sz="1400" dirty="0">
-              <a:solidFill>
-                <a:schemeClr val="tx1">
-                  <a:lumMod val="95000"/>
-                  <a:lumOff val="5000"/>
-                </a:schemeClr>
-              </a:solidFill>
-            </a:endParaRPr>
-          </a:p>
-          <a:p>
-            <a:pPr algn="ctr"/>
-            <a:r>
-              <a:rPr lang="en-US" sz="1400" dirty="0">
-                <a:solidFill>
-                  <a:schemeClr val="tx1">
-                    <a:lumMod val="95000"/>
-                    <a:lumOff val="5000"/>
-                  </a:schemeClr>
-                </a:solidFill>
-              </a:rPr>
-              <a:t>sL2 : </a:t>
-            </a:r>
-            <a:r>
-              <a:rPr lang="en-US" sz="1400" dirty="0" err="1">
-                <a:solidFill>
-                  <a:schemeClr val="tx1">
-                    <a:lumMod val="95000"/>
-                    <a:lumOff val="5000"/>
-                  </a:schemeClr>
-                </a:solidFill>
-              </a:rPr>
-              <a:t>deac</a:t>
-            </a:r>
-            <a:r>
-              <a:rPr lang="en-US" sz="1400" dirty="0">
-                <a:solidFill>
-                  <a:schemeClr val="tx1">
-                    <a:lumMod val="95000"/>
-                    <a:lumOff val="5000"/>
-                  </a:schemeClr>
-                </a:solidFill>
-              </a:rPr>
-              <a:t> -&gt; </a:t>
-            </a:r>
-            <a:r>
-              <a:rPr lang="en-US" sz="1400" dirty="0" err="1">
-                <a:solidFill>
-                  <a:schemeClr val="tx1">
-                    <a:lumMod val="95000"/>
-                    <a:lumOff val="5000"/>
-                  </a:schemeClr>
-                </a:solidFill>
-              </a:rPr>
-              <a:t>sl</a:t>
-            </a:r>
-            <a:endParaRPr lang="en-US" sz="1400" dirty="0">
-              <a:solidFill>
-                <a:schemeClr val="tx1">
-                  <a:lumMod val="95000"/>
-                  <a:lumOff val="5000"/>
-                </a:schemeClr>
-              </a:solidFill>
-            </a:endParaRPr>
+              <a:rPr lang="en-US" dirty="0"/>
+              <a:t>State Design</a:t>
+            </a:r>
           </a:p>
         </p:txBody>
       </p:sp>
@@ -5473,7 +5766,7 @@
 </p:sld>
 </file>
 
-<file path=ppt/slides/slide2.xml><?xml version="1.0" encoding="utf-8"?>
+<file path=ppt/slides/slide3.xml><?xml version="1.0" encoding="utf-8"?>
 <p:sld xmlns:a="http://schemas.openxmlformats.org/drawingml/2006/main" xmlns:r="http://schemas.openxmlformats.org/officeDocument/2006/relationships" xmlns:p="http://schemas.openxmlformats.org/presentationml/2006/main">
   <p:cSld>
     <p:spTree>
@@ -6331,6 +6624,55 @@
           </a:p>
         </p:txBody>
       </p:sp>
+      <p:sp>
+        <p:nvSpPr>
+          <p:cNvPr id="21" name="Rectangle: Rounded Corners 20">
+            <a:extLst>
+              <a:ext uri="{FF2B5EF4-FFF2-40B4-BE49-F238E27FC236}">
+                <a16:creationId xmlns:a16="http://schemas.microsoft.com/office/drawing/2014/main" id="{C3D255E4-BC86-432B-AAED-3C7E79ECB638}"/>
+              </a:ext>
+            </a:extLst>
+          </p:cNvPr>
+          <p:cNvSpPr/>
+          <p:nvPr/>
+        </p:nvSpPr>
+        <p:spPr>
+          <a:xfrm>
+            <a:off x="223935" y="205273"/>
+            <a:ext cx="3461657" cy="648984"/>
+          </a:xfrm>
+          <a:prstGeom prst="roundRect">
+            <a:avLst/>
+          </a:prstGeom>
+        </p:spPr>
+        <p:style>
+          <a:lnRef idx="2">
+            <a:schemeClr val="accent6">
+              <a:shade val="50000"/>
+            </a:schemeClr>
+          </a:lnRef>
+          <a:fillRef idx="1">
+            <a:schemeClr val="accent6"/>
+          </a:fillRef>
+          <a:effectRef idx="0">
+            <a:schemeClr val="accent6"/>
+          </a:effectRef>
+          <a:fontRef idx="minor">
+            <a:schemeClr val="lt1"/>
+          </a:fontRef>
+        </p:style>
+        <p:txBody>
+          <a:bodyPr rtlCol="0" anchor="ctr"/>
+          <a:lstStyle/>
+          <a:p>
+            <a:pPr algn="ctr"/>
+            <a:r>
+              <a:rPr lang="en-US" dirty="0"/>
+              <a:t>Hardware Design</a:t>
+            </a:r>
+          </a:p>
+        </p:txBody>
+      </p:sp>
     </p:spTree>
     <p:extLst>
       <p:ext uri="{BB962C8B-B14F-4D97-AF65-F5344CB8AC3E}">
@@ -6344,7 +6686,7 @@
 </p:sld>
 </file>
 
-<file path=ppt/slides/slide3.xml><?xml version="1.0" encoding="utf-8"?>
+<file path=ppt/slides/slide4.xml><?xml version="1.0" encoding="utf-8"?>
 <p:sld xmlns:a="http://schemas.openxmlformats.org/drawingml/2006/main" xmlns:r="http://schemas.openxmlformats.org/officeDocument/2006/relationships" xmlns:p="http://schemas.openxmlformats.org/presentationml/2006/main">
   <p:cSld>
     <p:spTree>
@@ -6361,35 +6703,895 @@
           <a:chExt cx="0" cy="0"/>
         </a:xfrm>
       </p:grpSpPr>
-      <p:pic>
-        <p:nvPicPr>
-          <p:cNvPr id="5" name="Picture 4">
-            <a:extLst>
-              <a:ext uri="{FF2B5EF4-FFF2-40B4-BE49-F238E27FC236}">
-                <a16:creationId xmlns:a16="http://schemas.microsoft.com/office/drawing/2014/main" id="{4C983FB7-1E37-49E1-A485-AE0D1835BF14}"/>
-              </a:ext>
-            </a:extLst>
-          </p:cNvPr>
-          <p:cNvPicPr>
-            <a:picLocks noChangeAspect="1"/>
-          </p:cNvPicPr>
+      <p:grpSp>
+        <p:nvGrpSpPr>
+          <p:cNvPr id="40" name="Group 39">
+            <a:extLst>
+              <a:ext uri="{FF2B5EF4-FFF2-40B4-BE49-F238E27FC236}">
+                <a16:creationId xmlns:a16="http://schemas.microsoft.com/office/drawing/2014/main" id="{3DA65AB5-AEA3-4F5B-9989-E81B1FB8AD11}"/>
+              </a:ext>
+            </a:extLst>
+          </p:cNvPr>
+          <p:cNvGrpSpPr/>
           <p:nvPr/>
-        </p:nvPicPr>
-        <p:blipFill rotWithShape="1">
-          <a:blip r:embed="rId2"/>
-          <a:srcRect l="32679" t="37143" r="15127" b="27347"/>
-          <a:stretch/>
-        </p:blipFill>
+        </p:nvGrpSpPr>
+        <p:grpSpPr>
+          <a:xfrm>
+            <a:off x="478916" y="1857958"/>
+            <a:ext cx="8823705" cy="3142084"/>
+            <a:chOff x="1701226" y="1107591"/>
+            <a:chExt cx="9281408" cy="4544428"/>
+          </a:xfrm>
+        </p:grpSpPr>
+        <p:sp>
+          <p:nvSpPr>
+            <p:cNvPr id="4" name="Oval 3">
+              <a:extLst>
+                <a:ext uri="{FF2B5EF4-FFF2-40B4-BE49-F238E27FC236}">
+                  <a16:creationId xmlns:a16="http://schemas.microsoft.com/office/drawing/2014/main" id="{A042AAE1-AA81-4D1D-8CCB-00BD6194052A}"/>
+                </a:ext>
+              </a:extLst>
+            </p:cNvPr>
+            <p:cNvSpPr/>
+            <p:nvPr/>
+          </p:nvSpPr>
+          <p:spPr>
+            <a:xfrm>
+              <a:off x="1701226" y="2941470"/>
+              <a:ext cx="1616531" cy="1217649"/>
+            </a:xfrm>
+            <a:prstGeom prst="ellipse">
+              <a:avLst/>
+            </a:prstGeom>
+          </p:spPr>
+          <p:style>
+            <a:lnRef idx="2">
+              <a:schemeClr val="accent1">
+                <a:shade val="50000"/>
+              </a:schemeClr>
+            </a:lnRef>
+            <a:fillRef idx="1">
+              <a:schemeClr val="accent1"/>
+            </a:fillRef>
+            <a:effectRef idx="0">
+              <a:schemeClr val="accent1"/>
+            </a:effectRef>
+            <a:fontRef idx="minor">
+              <a:schemeClr val="lt1"/>
+            </a:fontRef>
+          </p:style>
+          <p:txBody>
+            <a:bodyPr rtlCol="0" anchor="ctr"/>
+            <a:lstStyle/>
+            <a:p>
+              <a:pPr algn="ctr"/>
+              <a:r>
+                <a:rPr lang="en-US" dirty="0" err="1"/>
+                <a:t>T_display</a:t>
+              </a:r>
+              <a:endParaRPr lang="en-US" dirty="0"/>
+            </a:p>
+          </p:txBody>
+        </p:sp>
+        <p:sp>
+          <p:nvSpPr>
+            <p:cNvPr id="5" name="Oval 4">
+              <a:extLst>
+                <a:ext uri="{FF2B5EF4-FFF2-40B4-BE49-F238E27FC236}">
+                  <a16:creationId xmlns:a16="http://schemas.microsoft.com/office/drawing/2014/main" id="{581C57E2-584A-49DF-B8BD-8E79769EB09C}"/>
+                </a:ext>
+              </a:extLst>
+            </p:cNvPr>
+            <p:cNvSpPr/>
+            <p:nvPr/>
+          </p:nvSpPr>
+          <p:spPr>
+            <a:xfrm>
+              <a:off x="9380881" y="2841933"/>
+              <a:ext cx="1601753" cy="1464907"/>
+            </a:xfrm>
+            <a:prstGeom prst="ellipse">
+              <a:avLst/>
+            </a:prstGeom>
+          </p:spPr>
+          <p:style>
+            <a:lnRef idx="2">
+              <a:schemeClr val="accent1">
+                <a:shade val="50000"/>
+              </a:schemeClr>
+            </a:lnRef>
+            <a:fillRef idx="1">
+              <a:schemeClr val="accent1"/>
+            </a:fillRef>
+            <a:effectRef idx="0">
+              <a:schemeClr val="accent1"/>
+            </a:effectRef>
+            <a:fontRef idx="minor">
+              <a:schemeClr val="lt1"/>
+            </a:fontRef>
+          </p:style>
+          <p:txBody>
+            <a:bodyPr rtlCol="0" anchor="ctr"/>
+            <a:lstStyle/>
+            <a:p>
+              <a:pPr algn="ctr"/>
+              <a:r>
+                <a:rPr lang="en-US" dirty="0" err="1"/>
+                <a:t>T_alarm</a:t>
+              </a:r>
+              <a:endParaRPr lang="en-US" dirty="0"/>
+            </a:p>
+          </p:txBody>
+        </p:sp>
+        <p:sp>
+          <p:nvSpPr>
+            <p:cNvPr id="7" name="Oval 6">
+              <a:extLst>
+                <a:ext uri="{FF2B5EF4-FFF2-40B4-BE49-F238E27FC236}">
+                  <a16:creationId xmlns:a16="http://schemas.microsoft.com/office/drawing/2014/main" id="{41880A6C-5B9B-4771-BBD8-2E1D112898ED}"/>
+                </a:ext>
+              </a:extLst>
+            </p:cNvPr>
+            <p:cNvSpPr/>
+            <p:nvPr/>
+          </p:nvSpPr>
+          <p:spPr>
+            <a:xfrm>
+              <a:off x="6755029" y="3474111"/>
+              <a:ext cx="1526858" cy="1217648"/>
+            </a:xfrm>
+            <a:prstGeom prst="ellipse">
+              <a:avLst/>
+            </a:prstGeom>
+          </p:spPr>
+          <p:style>
+            <a:lnRef idx="2">
+              <a:schemeClr val="accent1">
+                <a:shade val="50000"/>
+              </a:schemeClr>
+            </a:lnRef>
+            <a:fillRef idx="1">
+              <a:schemeClr val="accent1"/>
+            </a:fillRef>
+            <a:effectRef idx="0">
+              <a:schemeClr val="accent1"/>
+            </a:effectRef>
+            <a:fontRef idx="minor">
+              <a:schemeClr val="lt1"/>
+            </a:fontRef>
+          </p:style>
+          <p:txBody>
+            <a:bodyPr rtlCol="0" anchor="ctr"/>
+            <a:lstStyle/>
+            <a:p>
+              <a:pPr algn="ctr"/>
+              <a:r>
+                <a:rPr lang="en-US" dirty="0" err="1"/>
+                <a:t>T_Speed</a:t>
+              </a:r>
+              <a:r>
+                <a:rPr lang="en-US" dirty="0"/>
+                <a:t> control</a:t>
+              </a:r>
+            </a:p>
+          </p:txBody>
+        </p:sp>
+        <p:sp>
+          <p:nvSpPr>
+            <p:cNvPr id="8" name="Oval 7">
+              <a:extLst>
+                <a:ext uri="{FF2B5EF4-FFF2-40B4-BE49-F238E27FC236}">
+                  <a16:creationId xmlns:a16="http://schemas.microsoft.com/office/drawing/2014/main" id="{30C05086-3C81-4195-8C41-41275F7AACD9}"/>
+                </a:ext>
+              </a:extLst>
+            </p:cNvPr>
+            <p:cNvSpPr/>
+            <p:nvPr/>
+          </p:nvSpPr>
+          <p:spPr>
+            <a:xfrm>
+              <a:off x="3589302" y="4555669"/>
+              <a:ext cx="1370634" cy="1096350"/>
+            </a:xfrm>
+            <a:prstGeom prst="ellipse">
+              <a:avLst/>
+            </a:prstGeom>
+          </p:spPr>
+          <p:style>
+            <a:lnRef idx="2">
+              <a:schemeClr val="accent1">
+                <a:shade val="50000"/>
+              </a:schemeClr>
+            </a:lnRef>
+            <a:fillRef idx="1">
+              <a:schemeClr val="accent1"/>
+            </a:fillRef>
+            <a:effectRef idx="0">
+              <a:schemeClr val="accent1"/>
+            </a:effectRef>
+            <a:fontRef idx="minor">
+              <a:schemeClr val="lt1"/>
+            </a:fontRef>
+          </p:style>
+          <p:txBody>
+            <a:bodyPr rtlCol="0" anchor="ctr"/>
+            <a:lstStyle/>
+            <a:p>
+              <a:pPr algn="ctr"/>
+              <a:r>
+                <a:rPr lang="en-US" dirty="0" err="1"/>
+                <a:t>T_user</a:t>
+              </a:r>
+              <a:r>
+                <a:rPr lang="en-US" dirty="0"/>
+                <a:t> input</a:t>
+              </a:r>
+            </a:p>
+          </p:txBody>
+        </p:sp>
+        <p:sp>
+          <p:nvSpPr>
+            <p:cNvPr id="9" name="Oval 8">
+              <a:extLst>
+                <a:ext uri="{FF2B5EF4-FFF2-40B4-BE49-F238E27FC236}">
+                  <a16:creationId xmlns:a16="http://schemas.microsoft.com/office/drawing/2014/main" id="{81E6FF87-84A8-4B6D-81F3-E78D3AD0A555}"/>
+                </a:ext>
+              </a:extLst>
+            </p:cNvPr>
+            <p:cNvSpPr/>
+            <p:nvPr/>
+          </p:nvSpPr>
+          <p:spPr>
+            <a:xfrm>
+              <a:off x="3557526" y="2547849"/>
+              <a:ext cx="1370634" cy="1217649"/>
+            </a:xfrm>
+            <a:prstGeom prst="ellipse">
+              <a:avLst/>
+            </a:prstGeom>
+          </p:spPr>
+          <p:style>
+            <a:lnRef idx="2">
+              <a:schemeClr val="accent1">
+                <a:shade val="50000"/>
+              </a:schemeClr>
+            </a:lnRef>
+            <a:fillRef idx="1">
+              <a:schemeClr val="accent1"/>
+            </a:fillRef>
+            <a:effectRef idx="0">
+              <a:schemeClr val="accent1"/>
+            </a:effectRef>
+            <a:fontRef idx="minor">
+              <a:schemeClr val="lt1"/>
+            </a:fontRef>
+          </p:style>
+          <p:txBody>
+            <a:bodyPr rtlCol="0" anchor="ctr"/>
+            <a:lstStyle/>
+            <a:p>
+              <a:pPr algn="ctr"/>
+              <a:r>
+                <a:rPr lang="en-US" dirty="0" err="1"/>
+                <a:t>T_uart</a:t>
+              </a:r>
+              <a:endParaRPr lang="en-US" dirty="0"/>
+            </a:p>
+          </p:txBody>
+        </p:sp>
+        <p:sp>
+          <p:nvSpPr>
+            <p:cNvPr id="10" name="Rectangle: Diagonal Corners Rounded 9">
+              <a:extLst>
+                <a:ext uri="{FF2B5EF4-FFF2-40B4-BE49-F238E27FC236}">
+                  <a16:creationId xmlns:a16="http://schemas.microsoft.com/office/drawing/2014/main" id="{1D035E70-F465-465E-8AF4-4370119C1627}"/>
+                </a:ext>
+              </a:extLst>
+            </p:cNvPr>
+            <p:cNvSpPr/>
+            <p:nvPr/>
+          </p:nvSpPr>
+          <p:spPr>
+            <a:xfrm>
+              <a:off x="5296840" y="3814397"/>
+              <a:ext cx="1122961" cy="558648"/>
+            </a:xfrm>
+            <a:prstGeom prst="round2DiagRect">
+              <a:avLst>
+                <a:gd name="adj1" fmla="val 16667"/>
+                <a:gd name="adj2" fmla="val 30064"/>
+              </a:avLst>
+            </a:prstGeom>
+          </p:spPr>
+          <p:style>
+            <a:lnRef idx="2">
+              <a:schemeClr val="accent1">
+                <a:shade val="50000"/>
+              </a:schemeClr>
+            </a:lnRef>
+            <a:fillRef idx="1">
+              <a:schemeClr val="accent1"/>
+            </a:fillRef>
+            <a:effectRef idx="0">
+              <a:schemeClr val="accent1"/>
+            </a:effectRef>
+            <a:fontRef idx="minor">
+              <a:schemeClr val="lt1"/>
+            </a:fontRef>
+          </p:style>
+          <p:txBody>
+            <a:bodyPr rtlCol="0" anchor="ctr"/>
+            <a:lstStyle/>
+            <a:p>
+              <a:pPr algn="ctr"/>
+              <a:r>
+                <a:rPr lang="en-US" dirty="0"/>
+                <a:t>BS</a:t>
+              </a:r>
+            </a:p>
+          </p:txBody>
+        </p:sp>
+        <p:cxnSp>
+          <p:nvCxnSpPr>
+            <p:cNvPr id="14" name="Straight Arrow Connector 13">
+              <a:extLst>
+                <a:ext uri="{FF2B5EF4-FFF2-40B4-BE49-F238E27FC236}">
+                  <a16:creationId xmlns:a16="http://schemas.microsoft.com/office/drawing/2014/main" id="{0281981F-315D-4D70-AC7F-5E3ED48A86AC}"/>
+                </a:ext>
+              </a:extLst>
+            </p:cNvPr>
+            <p:cNvCxnSpPr>
+              <a:cxnSpLocks/>
+              <a:endCxn id="7" idx="2"/>
+            </p:cNvCxnSpPr>
+            <p:nvPr/>
+          </p:nvCxnSpPr>
+          <p:spPr>
+            <a:xfrm flipV="1">
+              <a:off x="6405554" y="4082935"/>
+              <a:ext cx="349475" cy="40428"/>
+            </a:xfrm>
+            <a:prstGeom prst="straightConnector1">
+              <a:avLst/>
+            </a:prstGeom>
+            <a:ln>
+              <a:tailEnd type="triangle"/>
+            </a:ln>
+          </p:spPr>
+          <p:style>
+            <a:lnRef idx="1">
+              <a:schemeClr val="accent1"/>
+            </a:lnRef>
+            <a:fillRef idx="0">
+              <a:schemeClr val="accent1"/>
+            </a:fillRef>
+            <a:effectRef idx="0">
+              <a:schemeClr val="accent1"/>
+            </a:effectRef>
+            <a:fontRef idx="minor">
+              <a:schemeClr val="tx1"/>
+            </a:fontRef>
+          </p:style>
+        </p:cxnSp>
+        <p:cxnSp>
+          <p:nvCxnSpPr>
+            <p:cNvPr id="16" name="Straight Arrow Connector 15">
+              <a:extLst>
+                <a:ext uri="{FF2B5EF4-FFF2-40B4-BE49-F238E27FC236}">
+                  <a16:creationId xmlns:a16="http://schemas.microsoft.com/office/drawing/2014/main" id="{0298FB72-ECA0-44DA-8E78-7136E6B51687}"/>
+                </a:ext>
+              </a:extLst>
+            </p:cNvPr>
+            <p:cNvCxnSpPr>
+              <a:cxnSpLocks/>
+              <a:stCxn id="7" idx="6"/>
+              <a:endCxn id="5" idx="3"/>
+            </p:cNvCxnSpPr>
+            <p:nvPr/>
+          </p:nvCxnSpPr>
+          <p:spPr>
+            <a:xfrm>
+              <a:off x="8281887" y="4082935"/>
+              <a:ext cx="1333565" cy="9374"/>
+            </a:xfrm>
+            <a:prstGeom prst="straightConnector1">
+              <a:avLst/>
+            </a:prstGeom>
+            <a:ln>
+              <a:tailEnd type="triangle"/>
+            </a:ln>
+          </p:spPr>
+          <p:style>
+            <a:lnRef idx="1">
+              <a:schemeClr val="accent1"/>
+            </a:lnRef>
+            <a:fillRef idx="0">
+              <a:schemeClr val="accent1"/>
+            </a:fillRef>
+            <a:effectRef idx="0">
+              <a:schemeClr val="accent1"/>
+            </a:effectRef>
+            <a:fontRef idx="minor">
+              <a:schemeClr val="tx1"/>
+            </a:fontRef>
+          </p:style>
+        </p:cxnSp>
+        <p:sp>
+          <p:nvSpPr>
+            <p:cNvPr id="17" name="Parallelogram 16">
+              <a:extLst>
+                <a:ext uri="{FF2B5EF4-FFF2-40B4-BE49-F238E27FC236}">
+                  <a16:creationId xmlns:a16="http://schemas.microsoft.com/office/drawing/2014/main" id="{AECEAB83-225F-4872-8B14-D65FBE57C3CD}"/>
+                </a:ext>
+              </a:extLst>
+            </p:cNvPr>
+            <p:cNvSpPr/>
+            <p:nvPr/>
+          </p:nvSpPr>
+          <p:spPr>
+            <a:xfrm rot="21412820">
+              <a:off x="6550426" y="1107591"/>
+              <a:ext cx="2120777" cy="861846"/>
+            </a:xfrm>
+            <a:prstGeom prst="parallelogram">
+              <a:avLst/>
+            </a:prstGeom>
+            <a:solidFill>
+              <a:schemeClr val="tx1">
+                <a:lumMod val="95000"/>
+                <a:lumOff val="5000"/>
+              </a:schemeClr>
+            </a:solidFill>
+          </p:spPr>
+          <p:style>
+            <a:lnRef idx="2">
+              <a:schemeClr val="accent1">
+                <a:shade val="50000"/>
+              </a:schemeClr>
+            </a:lnRef>
+            <a:fillRef idx="1">
+              <a:schemeClr val="accent1"/>
+            </a:fillRef>
+            <a:effectRef idx="0">
+              <a:schemeClr val="accent1"/>
+            </a:effectRef>
+            <a:fontRef idx="minor">
+              <a:schemeClr val="lt1"/>
+            </a:fontRef>
+          </p:style>
+          <p:txBody>
+            <a:bodyPr rtlCol="0" anchor="ctr"/>
+            <a:lstStyle/>
+            <a:p>
+              <a:pPr algn="ctr"/>
+              <a:r>
+                <a:rPr lang="en-US" dirty="0"/>
+                <a:t>EG</a:t>
+              </a:r>
+            </a:p>
+          </p:txBody>
+        </p:sp>
+        <p:cxnSp>
+          <p:nvCxnSpPr>
+            <p:cNvPr id="19" name="Straight Arrow Connector 18">
+              <a:extLst>
+                <a:ext uri="{FF2B5EF4-FFF2-40B4-BE49-F238E27FC236}">
+                  <a16:creationId xmlns:a16="http://schemas.microsoft.com/office/drawing/2014/main" id="{41B4F09D-0D8C-4C51-8CD1-4121E603AD4F}"/>
+                </a:ext>
+              </a:extLst>
+            </p:cNvPr>
+            <p:cNvCxnSpPr>
+              <a:cxnSpLocks/>
+              <a:stCxn id="7" idx="6"/>
+              <a:endCxn id="17" idx="4"/>
+            </p:cNvCxnSpPr>
+            <p:nvPr/>
+          </p:nvCxnSpPr>
+          <p:spPr>
+            <a:xfrm flipH="1" flipV="1">
+              <a:off x="7634266" y="1968798"/>
+              <a:ext cx="647621" cy="2114137"/>
+            </a:xfrm>
+            <a:prstGeom prst="straightConnector1">
+              <a:avLst/>
+            </a:prstGeom>
+            <a:ln>
+              <a:tailEnd type="triangle"/>
+            </a:ln>
+          </p:spPr>
+          <p:style>
+            <a:lnRef idx="1">
+              <a:schemeClr val="accent2"/>
+            </a:lnRef>
+            <a:fillRef idx="0">
+              <a:schemeClr val="accent2"/>
+            </a:fillRef>
+            <a:effectRef idx="0">
+              <a:schemeClr val="accent2"/>
+            </a:effectRef>
+            <a:fontRef idx="minor">
+              <a:schemeClr val="tx1"/>
+            </a:fontRef>
+          </p:style>
+        </p:cxnSp>
+        <p:cxnSp>
+          <p:nvCxnSpPr>
+            <p:cNvPr id="20" name="Straight Arrow Connector 19">
+              <a:extLst>
+                <a:ext uri="{FF2B5EF4-FFF2-40B4-BE49-F238E27FC236}">
+                  <a16:creationId xmlns:a16="http://schemas.microsoft.com/office/drawing/2014/main" id="{FC0CED61-BC10-4036-8ACF-A6C532BAAD56}"/>
+                </a:ext>
+              </a:extLst>
+            </p:cNvPr>
+            <p:cNvCxnSpPr>
+              <a:cxnSpLocks/>
+              <a:stCxn id="8" idx="0"/>
+              <a:endCxn id="17" idx="5"/>
+            </p:cNvCxnSpPr>
+            <p:nvPr/>
+          </p:nvCxnSpPr>
+          <p:spPr>
+            <a:xfrm flipV="1">
+              <a:off x="4274619" y="1590359"/>
+              <a:ext cx="2384950" cy="2965310"/>
+            </a:xfrm>
+            <a:prstGeom prst="straightConnector1">
+              <a:avLst/>
+            </a:prstGeom>
+            <a:ln>
+              <a:tailEnd type="triangle"/>
+            </a:ln>
+          </p:spPr>
+          <p:style>
+            <a:lnRef idx="1">
+              <a:schemeClr val="accent2"/>
+            </a:lnRef>
+            <a:fillRef idx="0">
+              <a:schemeClr val="accent2"/>
+            </a:fillRef>
+            <a:effectRef idx="0">
+              <a:schemeClr val="accent2"/>
+            </a:effectRef>
+            <a:fontRef idx="minor">
+              <a:schemeClr val="tx1"/>
+            </a:fontRef>
+          </p:style>
+        </p:cxnSp>
+        <p:cxnSp>
+          <p:nvCxnSpPr>
+            <p:cNvPr id="21" name="Straight Arrow Connector 20">
+              <a:extLst>
+                <a:ext uri="{FF2B5EF4-FFF2-40B4-BE49-F238E27FC236}">
+                  <a16:creationId xmlns:a16="http://schemas.microsoft.com/office/drawing/2014/main" id="{7A5002CA-E6FD-46DB-A244-96F5B353B2C1}"/>
+                </a:ext>
+              </a:extLst>
+            </p:cNvPr>
+            <p:cNvCxnSpPr>
+              <a:stCxn id="9" idx="7"/>
+            </p:cNvCxnSpPr>
+            <p:nvPr/>
+          </p:nvCxnSpPr>
+          <p:spPr>
+            <a:xfrm flipV="1">
+              <a:off x="4727435" y="1330822"/>
+              <a:ext cx="2010314" cy="1395348"/>
+            </a:xfrm>
+            <a:prstGeom prst="straightConnector1">
+              <a:avLst/>
+            </a:prstGeom>
+            <a:ln>
+              <a:tailEnd type="triangle"/>
+            </a:ln>
+          </p:spPr>
+          <p:style>
+            <a:lnRef idx="1">
+              <a:schemeClr val="accent2"/>
+            </a:lnRef>
+            <a:fillRef idx="0">
+              <a:schemeClr val="accent2"/>
+            </a:fillRef>
+            <a:effectRef idx="0">
+              <a:schemeClr val="accent2"/>
+            </a:effectRef>
+            <a:fontRef idx="minor">
+              <a:schemeClr val="tx1"/>
+            </a:fontRef>
+          </p:style>
+        </p:cxnSp>
+        <p:cxnSp>
+          <p:nvCxnSpPr>
+            <p:cNvPr id="22" name="Straight Arrow Connector 21">
+              <a:extLst>
+                <a:ext uri="{FF2B5EF4-FFF2-40B4-BE49-F238E27FC236}">
+                  <a16:creationId xmlns:a16="http://schemas.microsoft.com/office/drawing/2014/main" id="{C602A14C-09AC-415C-8573-B6491FABC50E}"/>
+                </a:ext>
+              </a:extLst>
+            </p:cNvPr>
+            <p:cNvCxnSpPr>
+              <a:cxnSpLocks/>
+              <a:endCxn id="4" idx="0"/>
+            </p:cNvCxnSpPr>
+            <p:nvPr/>
+          </p:nvCxnSpPr>
+          <p:spPr>
+            <a:xfrm flipH="1">
+              <a:off x="2509492" y="1182479"/>
+              <a:ext cx="4228258" cy="1758991"/>
+            </a:xfrm>
+            <a:prstGeom prst="straightConnector1">
+              <a:avLst/>
+            </a:prstGeom>
+            <a:ln>
+              <a:tailEnd type="triangle"/>
+            </a:ln>
+          </p:spPr>
+          <p:style>
+            <a:lnRef idx="1">
+              <a:schemeClr val="accent1"/>
+            </a:lnRef>
+            <a:fillRef idx="0">
+              <a:schemeClr val="accent1"/>
+            </a:fillRef>
+            <a:effectRef idx="0">
+              <a:schemeClr val="accent1"/>
+            </a:effectRef>
+            <a:fontRef idx="minor">
+              <a:schemeClr val="tx1"/>
+            </a:fontRef>
+          </p:style>
+        </p:cxnSp>
+        <p:cxnSp>
+          <p:nvCxnSpPr>
+            <p:cNvPr id="24" name="Straight Arrow Connector 23">
+              <a:extLst>
+                <a:ext uri="{FF2B5EF4-FFF2-40B4-BE49-F238E27FC236}">
+                  <a16:creationId xmlns:a16="http://schemas.microsoft.com/office/drawing/2014/main" id="{3C3F2B8C-DF3B-47F0-9034-721407E84C3F}"/>
+                </a:ext>
+              </a:extLst>
+            </p:cNvPr>
+            <p:cNvCxnSpPr>
+              <a:cxnSpLocks/>
+              <a:stCxn id="9" idx="4"/>
+              <a:endCxn id="10" idx="2"/>
+            </p:cNvCxnSpPr>
+            <p:nvPr/>
+          </p:nvCxnSpPr>
+          <p:spPr>
+            <a:xfrm>
+              <a:off x="4242843" y="3765498"/>
+              <a:ext cx="1053997" cy="328223"/>
+            </a:xfrm>
+            <a:prstGeom prst="straightConnector1">
+              <a:avLst/>
+            </a:prstGeom>
+            <a:ln>
+              <a:tailEnd type="triangle"/>
+            </a:ln>
+          </p:spPr>
+          <p:style>
+            <a:lnRef idx="1">
+              <a:schemeClr val="accent1"/>
+            </a:lnRef>
+            <a:fillRef idx="0">
+              <a:schemeClr val="accent1"/>
+            </a:fillRef>
+            <a:effectRef idx="0">
+              <a:schemeClr val="accent1"/>
+            </a:effectRef>
+            <a:fontRef idx="minor">
+              <a:schemeClr val="tx1"/>
+            </a:fontRef>
+          </p:style>
+        </p:cxnSp>
+        <p:cxnSp>
+          <p:nvCxnSpPr>
+            <p:cNvPr id="25" name="Straight Arrow Connector 24">
+              <a:extLst>
+                <a:ext uri="{FF2B5EF4-FFF2-40B4-BE49-F238E27FC236}">
+                  <a16:creationId xmlns:a16="http://schemas.microsoft.com/office/drawing/2014/main" id="{22DC2832-5C58-4F87-AA3E-3843D01B3D2B}"/>
+                </a:ext>
+              </a:extLst>
+            </p:cNvPr>
+            <p:cNvCxnSpPr>
+              <a:cxnSpLocks/>
+            </p:cNvCxnSpPr>
+            <p:nvPr/>
+          </p:nvCxnSpPr>
+          <p:spPr>
+            <a:xfrm flipV="1">
+              <a:off x="4824766" y="4306840"/>
+              <a:ext cx="490681" cy="895884"/>
+            </a:xfrm>
+            <a:prstGeom prst="straightConnector1">
+              <a:avLst/>
+            </a:prstGeom>
+            <a:ln>
+              <a:tailEnd type="triangle"/>
+            </a:ln>
+          </p:spPr>
+          <p:style>
+            <a:lnRef idx="1">
+              <a:schemeClr val="accent1"/>
+            </a:lnRef>
+            <a:fillRef idx="0">
+              <a:schemeClr val="accent1"/>
+            </a:fillRef>
+            <a:effectRef idx="0">
+              <a:schemeClr val="accent1"/>
+            </a:effectRef>
+            <a:fontRef idx="minor">
+              <a:schemeClr val="tx1"/>
+            </a:fontRef>
+          </p:style>
+        </p:cxnSp>
+      </p:grpSp>
+      <p:sp>
+        <p:nvSpPr>
+          <p:cNvPr id="37" name="Rectangle: Rounded Corners 36">
+            <a:extLst>
+              <a:ext uri="{FF2B5EF4-FFF2-40B4-BE49-F238E27FC236}">
+                <a16:creationId xmlns:a16="http://schemas.microsoft.com/office/drawing/2014/main" id="{59BD2C48-E286-4405-9DCD-322A1686A3DA}"/>
+              </a:ext>
+            </a:extLst>
+          </p:cNvPr>
+          <p:cNvSpPr/>
+          <p:nvPr/>
+        </p:nvSpPr>
         <p:spPr>
           <a:xfrm>
-            <a:off x="184008" y="270590"/>
-            <a:ext cx="5911992" cy="2892488"/>
+            <a:off x="223935" y="205273"/>
+            <a:ext cx="3461657" cy="648984"/>
+          </a:xfrm>
+          <a:prstGeom prst="roundRect">
+            <a:avLst/>
+          </a:prstGeom>
+        </p:spPr>
+        <p:style>
+          <a:lnRef idx="2">
+            <a:schemeClr val="accent6">
+              <a:shade val="50000"/>
+            </a:schemeClr>
+          </a:lnRef>
+          <a:fillRef idx="1">
+            <a:schemeClr val="accent6"/>
+          </a:fillRef>
+          <a:effectRef idx="0">
+            <a:schemeClr val="accent6"/>
+          </a:effectRef>
+          <a:fontRef idx="minor">
+            <a:schemeClr val="lt1"/>
+          </a:fontRef>
+        </p:style>
+        <p:txBody>
+          <a:bodyPr rtlCol="0" anchor="ctr"/>
+          <a:lstStyle/>
+          <a:p>
+            <a:pPr algn="ctr"/>
+            <a:r>
+              <a:rPr lang="en-US" dirty="0"/>
+              <a:t>Task Design   1</a:t>
+            </a:r>
+          </a:p>
+        </p:txBody>
+      </p:sp>
+      <p:sp>
+        <p:nvSpPr>
+          <p:cNvPr id="42" name="Rectangle 41">
+            <a:extLst>
+              <a:ext uri="{FF2B5EF4-FFF2-40B4-BE49-F238E27FC236}">
+                <a16:creationId xmlns:a16="http://schemas.microsoft.com/office/drawing/2014/main" id="{DCBAD0F7-CE48-43C5-996B-208A737FF159}"/>
+              </a:ext>
+            </a:extLst>
+          </p:cNvPr>
+          <p:cNvSpPr/>
+          <p:nvPr/>
+        </p:nvSpPr>
+        <p:spPr>
+          <a:xfrm>
+            <a:off x="9700059" y="1281112"/>
+            <a:ext cx="2302623" cy="1374027"/>
           </a:xfrm>
           <a:prstGeom prst="rect">
             <a:avLst/>
           </a:prstGeom>
         </p:spPr>
-      </p:pic>
+        <p:style>
+          <a:lnRef idx="2">
+            <a:schemeClr val="accent1">
+              <a:shade val="50000"/>
+            </a:schemeClr>
+          </a:lnRef>
+          <a:fillRef idx="1">
+            <a:schemeClr val="accent1"/>
+          </a:fillRef>
+          <a:effectRef idx="0">
+            <a:schemeClr val="accent1"/>
+          </a:effectRef>
+          <a:fontRef idx="minor">
+            <a:schemeClr val="lt1"/>
+          </a:fontRef>
+        </p:style>
+        <p:txBody>
+          <a:bodyPr rtlCol="0" anchor="ctr"/>
+          <a:lstStyle/>
+          <a:p>
+            <a:pPr algn="ctr"/>
+            <a:endParaRPr lang="en-US" sz="1400" b="1" u="sng" dirty="0"/>
+          </a:p>
+          <a:p>
+            <a:pPr algn="ctr"/>
+            <a:r>
+              <a:rPr lang="en-US" sz="1400" b="1" u="sng" dirty="0"/>
+              <a:t>Tasks</a:t>
+            </a:r>
+          </a:p>
+          <a:p>
+            <a:r>
+              <a:rPr lang="en-US" sz="1400" dirty="0"/>
+              <a:t>5-T_alarm</a:t>
+            </a:r>
+          </a:p>
+          <a:p>
+            <a:r>
+              <a:rPr lang="en-US" sz="1400" dirty="0"/>
+              <a:t>4-T_speedControl</a:t>
+            </a:r>
+          </a:p>
+          <a:p>
+            <a:r>
+              <a:rPr lang="en-US" sz="1400" dirty="0"/>
+              <a:t>3-T_userInput</a:t>
+            </a:r>
+          </a:p>
+          <a:p>
+            <a:r>
+              <a:rPr lang="en-US" sz="1400" dirty="0"/>
+              <a:t>2-T_uart</a:t>
+            </a:r>
+          </a:p>
+          <a:p>
+            <a:r>
+              <a:rPr lang="en-US" sz="1400" dirty="0"/>
+              <a:t>1-T_display</a:t>
+            </a:r>
+            <a:endParaRPr lang="en-US" sz="1400" b="1" u="sng" dirty="0"/>
+          </a:p>
+          <a:p>
+            <a:pPr algn="ctr"/>
+            <a:endParaRPr lang="en-US" sz="1400" b="1" u="sng" dirty="0"/>
+          </a:p>
+        </p:txBody>
+      </p:sp>
+    </p:spTree>
+    <p:extLst>
+      <p:ext uri="{BB962C8B-B14F-4D97-AF65-F5344CB8AC3E}">
+        <p14:creationId xmlns:p14="http://schemas.microsoft.com/office/powerpoint/2010/main" val="417744150"/>
+      </p:ext>
+    </p:extLst>
+  </p:cSld>
+  <p:clrMapOvr>
+    <a:masterClrMapping/>
+  </p:clrMapOvr>
+</p:sld>
+</file>
+
+<file path=ppt/slides/slide5.xml><?xml version="1.0" encoding="utf-8"?>
+<p:sld xmlns:a="http://schemas.openxmlformats.org/drawingml/2006/main" xmlns:r="http://schemas.openxmlformats.org/officeDocument/2006/relationships" xmlns:p="http://schemas.openxmlformats.org/presentationml/2006/main">
+  <p:cSld>
+    <p:spTree>
+      <p:nvGrpSpPr>
+        <p:cNvPr id="1" name=""/>
+        <p:cNvGrpSpPr/>
+        <p:nvPr/>
+      </p:nvGrpSpPr>
+      <p:grpSpPr>
+        <a:xfrm>
+          <a:off x="0" y="0"/>
+          <a:ext cx="0" cy="0"/>
+          <a:chOff x="0" y="0"/>
+          <a:chExt cx="0" cy="0"/>
+        </a:xfrm>
+      </p:grpSpPr>
       <p:sp>
         <p:nvSpPr>
           <p:cNvPr id="6" name="Oval 5">
@@ -6404,7 +7606,7 @@
         </p:nvSpPr>
         <p:spPr>
           <a:xfrm>
-            <a:off x="511758" y="3755565"/>
+            <a:off x="264312" y="3669258"/>
             <a:ext cx="1526858" cy="1217649"/>
           </a:xfrm>
           <a:prstGeom prst="ellipse">
@@ -6454,7 +7656,7 @@
         </p:nvSpPr>
         <p:spPr>
           <a:xfrm>
-            <a:off x="7141030" y="3429000"/>
+            <a:off x="6499064" y="4278083"/>
             <a:ext cx="1601753" cy="1464907"/>
           </a:xfrm>
           <a:prstGeom prst="ellipse">
@@ -6504,7 +7706,7 @@
         </p:nvSpPr>
         <p:spPr>
           <a:xfrm>
-            <a:off x="6802016" y="5206481"/>
+            <a:off x="7100925" y="2740868"/>
             <a:ext cx="1822580" cy="1296956"/>
           </a:xfrm>
           <a:prstGeom prst="ellipse">
@@ -6554,7 +7756,7 @@
         </p:nvSpPr>
         <p:spPr>
           <a:xfrm>
-            <a:off x="4626556" y="3631937"/>
+            <a:off x="4772417" y="3146740"/>
             <a:ext cx="1526858" cy="1217649"/>
           </a:xfrm>
           <a:prstGeom prst="ellipse">
@@ -6584,7 +7786,7 @@
             <a:pPr algn="ctr"/>
             <a:r>
               <a:rPr lang="en-US" dirty="0" err="1"/>
-              <a:t>T_speed</a:t>
+              <a:t>T_Speed</a:t>
             </a:r>
             <a:r>
               <a:rPr lang="en-US" dirty="0"/>
@@ -6607,7 +7809,7 @@
         </p:nvSpPr>
         <p:spPr>
           <a:xfrm>
-            <a:off x="4626556" y="5542383"/>
+            <a:off x="4748571" y="5521384"/>
             <a:ext cx="1526858" cy="1217648"/>
           </a:xfrm>
           <a:prstGeom prst="ellipse">
@@ -6637,7 +7839,7 @@
             <a:pPr algn="ctr"/>
             <a:r>
               <a:rPr lang="en-US" dirty="0" err="1"/>
-              <a:t>T_cruise</a:t>
+              <a:t>T_Cruise</a:t>
             </a:r>
             <a:r>
               <a:rPr lang="en-US" dirty="0"/>
@@ -6660,7 +7862,7 @@
         </p:nvSpPr>
         <p:spPr>
           <a:xfrm>
-            <a:off x="3140004" y="4658306"/>
+            <a:off x="2152388" y="5283456"/>
             <a:ext cx="1370634" cy="1096350"/>
           </a:xfrm>
           <a:prstGeom prst="ellipse">
@@ -6713,7 +7915,7 @@
         </p:nvSpPr>
         <p:spPr>
           <a:xfrm>
-            <a:off x="2152388" y="3622605"/>
+            <a:off x="2120612" y="3275636"/>
             <a:ext cx="1370634" cy="1217649"/>
           </a:xfrm>
           <a:prstGeom prst="ellipse">
@@ -6746,6 +7948,940 @@
               <a:t>T_uart</a:t>
             </a:r>
             <a:endParaRPr lang="en-US" dirty="0"/>
+          </a:p>
+        </p:txBody>
+      </p:sp>
+      <p:sp>
+        <p:nvSpPr>
+          <p:cNvPr id="2" name="Rectangle: Diagonal Corners Rounded 1">
+            <a:extLst>
+              <a:ext uri="{FF2B5EF4-FFF2-40B4-BE49-F238E27FC236}">
+                <a16:creationId xmlns:a16="http://schemas.microsoft.com/office/drawing/2014/main" id="{BBA8F6A2-843B-43C2-B7AD-ADACD88E41F3}"/>
+              </a:ext>
+            </a:extLst>
+          </p:cNvPr>
+          <p:cNvSpPr/>
+          <p:nvPr/>
+        </p:nvSpPr>
+        <p:spPr>
+          <a:xfrm>
+            <a:off x="3858058" y="4716019"/>
+            <a:ext cx="1122961" cy="558648"/>
+          </a:xfrm>
+          <a:prstGeom prst="round2DiagRect">
+            <a:avLst>
+              <a:gd name="adj1" fmla="val 16667"/>
+              <a:gd name="adj2" fmla="val 30064"/>
+            </a:avLst>
+          </a:prstGeom>
+        </p:spPr>
+        <p:style>
+          <a:lnRef idx="2">
+            <a:schemeClr val="accent1">
+              <a:shade val="50000"/>
+            </a:schemeClr>
+          </a:lnRef>
+          <a:fillRef idx="1">
+            <a:schemeClr val="accent1"/>
+          </a:fillRef>
+          <a:effectRef idx="0">
+            <a:schemeClr val="accent1"/>
+          </a:effectRef>
+          <a:fontRef idx="minor">
+            <a:schemeClr val="lt1"/>
+          </a:fontRef>
+        </p:style>
+        <p:txBody>
+          <a:bodyPr rtlCol="0" anchor="ctr"/>
+          <a:lstStyle/>
+          <a:p>
+            <a:pPr algn="ctr"/>
+            <a:r>
+              <a:rPr lang="en-US" dirty="0"/>
+              <a:t>BS2</a:t>
+            </a:r>
+          </a:p>
+        </p:txBody>
+      </p:sp>
+      <p:cxnSp>
+        <p:nvCxnSpPr>
+          <p:cNvPr id="4" name="Straight Arrow Connector 3">
+            <a:extLst>
+              <a:ext uri="{FF2B5EF4-FFF2-40B4-BE49-F238E27FC236}">
+                <a16:creationId xmlns:a16="http://schemas.microsoft.com/office/drawing/2014/main" id="{E86935AA-6FD4-498D-8F6A-1FA53199B89C}"/>
+              </a:ext>
+            </a:extLst>
+          </p:cNvPr>
+          <p:cNvCxnSpPr>
+            <a:cxnSpLocks/>
+            <a:stCxn id="12" idx="6"/>
+            <a:endCxn id="33" idx="2"/>
+          </p:cNvCxnSpPr>
+          <p:nvPr/>
+        </p:nvCxnSpPr>
+        <p:spPr>
+          <a:xfrm>
+            <a:off x="3491246" y="3884461"/>
+            <a:ext cx="221282" cy="448464"/>
+          </a:xfrm>
+          <a:prstGeom prst="straightConnector1">
+            <a:avLst/>
+          </a:prstGeom>
+          <a:ln>
+            <a:tailEnd type="triangle"/>
+          </a:ln>
+        </p:spPr>
+        <p:style>
+          <a:lnRef idx="1">
+            <a:schemeClr val="accent1"/>
+          </a:lnRef>
+          <a:fillRef idx="0">
+            <a:schemeClr val="accent1"/>
+          </a:fillRef>
+          <a:effectRef idx="0">
+            <a:schemeClr val="accent1"/>
+          </a:effectRef>
+          <a:fontRef idx="minor">
+            <a:schemeClr val="tx1"/>
+          </a:fontRef>
+        </p:style>
+      </p:cxnSp>
+      <p:cxnSp>
+        <p:nvCxnSpPr>
+          <p:cNvPr id="14" name="Straight Arrow Connector 13">
+            <a:extLst>
+              <a:ext uri="{FF2B5EF4-FFF2-40B4-BE49-F238E27FC236}">
+                <a16:creationId xmlns:a16="http://schemas.microsoft.com/office/drawing/2014/main" id="{9C7AC004-D128-40DD-B790-8DB7F52CF675}"/>
+              </a:ext>
+            </a:extLst>
+          </p:cNvPr>
+          <p:cNvCxnSpPr>
+            <a:cxnSpLocks/>
+          </p:cNvCxnSpPr>
+          <p:nvPr/>
+        </p:nvCxnSpPr>
+        <p:spPr>
+          <a:xfrm flipV="1">
+            <a:off x="3246449" y="5276463"/>
+            <a:ext cx="648170" cy="555168"/>
+          </a:xfrm>
+          <a:prstGeom prst="straightConnector1">
+            <a:avLst/>
+          </a:prstGeom>
+          <a:ln>
+            <a:tailEnd type="triangle"/>
+          </a:ln>
+        </p:spPr>
+        <p:style>
+          <a:lnRef idx="1">
+            <a:schemeClr val="accent1"/>
+          </a:lnRef>
+          <a:fillRef idx="0">
+            <a:schemeClr val="accent1"/>
+          </a:fillRef>
+          <a:effectRef idx="0">
+            <a:schemeClr val="accent1"/>
+          </a:effectRef>
+          <a:fontRef idx="minor">
+            <a:schemeClr val="tx1"/>
+          </a:fontRef>
+        </p:style>
+      </p:cxnSp>
+      <p:cxnSp>
+        <p:nvCxnSpPr>
+          <p:cNvPr id="16" name="Straight Arrow Connector 15">
+            <a:extLst>
+              <a:ext uri="{FF2B5EF4-FFF2-40B4-BE49-F238E27FC236}">
+                <a16:creationId xmlns:a16="http://schemas.microsoft.com/office/drawing/2014/main" id="{68DC94C3-A771-4183-9347-CAE39CC32B15}"/>
+              </a:ext>
+            </a:extLst>
+          </p:cNvPr>
+          <p:cNvCxnSpPr>
+            <a:cxnSpLocks/>
+          </p:cNvCxnSpPr>
+          <p:nvPr/>
+        </p:nvCxnSpPr>
+        <p:spPr>
+          <a:xfrm flipV="1">
+            <a:off x="4800359" y="4365258"/>
+            <a:ext cx="490370" cy="3960"/>
+          </a:xfrm>
+          <a:prstGeom prst="straightConnector1">
+            <a:avLst/>
+          </a:prstGeom>
+          <a:ln>
+            <a:tailEnd type="triangle"/>
+          </a:ln>
+        </p:spPr>
+        <p:style>
+          <a:lnRef idx="1">
+            <a:schemeClr val="accent1"/>
+          </a:lnRef>
+          <a:fillRef idx="0">
+            <a:schemeClr val="accent1"/>
+          </a:fillRef>
+          <a:effectRef idx="0">
+            <a:schemeClr val="accent1"/>
+          </a:effectRef>
+          <a:fontRef idx="minor">
+            <a:schemeClr val="tx1"/>
+          </a:fontRef>
+        </p:style>
+      </p:cxnSp>
+      <p:cxnSp>
+        <p:nvCxnSpPr>
+          <p:cNvPr id="18" name="Straight Arrow Connector 17">
+            <a:extLst>
+              <a:ext uri="{FF2B5EF4-FFF2-40B4-BE49-F238E27FC236}">
+                <a16:creationId xmlns:a16="http://schemas.microsoft.com/office/drawing/2014/main" id="{46E253F0-D93C-403B-8D6D-ECE89B177820}"/>
+              </a:ext>
+            </a:extLst>
+          </p:cNvPr>
+          <p:cNvCxnSpPr/>
+          <p:nvPr/>
+        </p:nvCxnSpPr>
+        <p:spPr>
+          <a:xfrm>
+            <a:off x="4772417" y="5283456"/>
+            <a:ext cx="445310" cy="298582"/>
+          </a:xfrm>
+          <a:prstGeom prst="straightConnector1">
+            <a:avLst/>
+          </a:prstGeom>
+          <a:ln>
+            <a:tailEnd type="triangle"/>
+          </a:ln>
+        </p:spPr>
+        <p:style>
+          <a:lnRef idx="1">
+            <a:schemeClr val="accent1"/>
+          </a:lnRef>
+          <a:fillRef idx="0">
+            <a:schemeClr val="accent1"/>
+          </a:fillRef>
+          <a:effectRef idx="0">
+            <a:schemeClr val="accent1"/>
+          </a:effectRef>
+          <a:fontRef idx="minor">
+            <a:schemeClr val="tx1"/>
+          </a:fontRef>
+        </p:style>
+      </p:cxnSp>
+      <p:cxnSp>
+        <p:nvCxnSpPr>
+          <p:cNvPr id="20" name="Straight Arrow Connector 19">
+            <a:extLst>
+              <a:ext uri="{FF2B5EF4-FFF2-40B4-BE49-F238E27FC236}">
+                <a16:creationId xmlns:a16="http://schemas.microsoft.com/office/drawing/2014/main" id="{EE78766E-C869-4E32-80D5-BAE785F0A01E}"/>
+              </a:ext>
+            </a:extLst>
+          </p:cNvPr>
+          <p:cNvCxnSpPr/>
+          <p:nvPr/>
+        </p:nvCxnSpPr>
+        <p:spPr>
+          <a:xfrm>
+            <a:off x="6232486" y="4037824"/>
+            <a:ext cx="597522" cy="402971"/>
+          </a:xfrm>
+          <a:prstGeom prst="straightConnector1">
+            <a:avLst/>
+          </a:prstGeom>
+          <a:ln>
+            <a:tailEnd type="triangle"/>
+          </a:ln>
+        </p:spPr>
+        <p:style>
+          <a:lnRef idx="1">
+            <a:schemeClr val="accent1"/>
+          </a:lnRef>
+          <a:fillRef idx="0">
+            <a:schemeClr val="accent1"/>
+          </a:fillRef>
+          <a:effectRef idx="0">
+            <a:schemeClr val="accent1"/>
+          </a:effectRef>
+          <a:fontRef idx="minor">
+            <a:schemeClr val="tx1"/>
+          </a:fontRef>
+        </p:style>
+      </p:cxnSp>
+      <p:cxnSp>
+        <p:nvCxnSpPr>
+          <p:cNvPr id="22" name="Straight Arrow Connector 21">
+            <a:extLst>
+              <a:ext uri="{FF2B5EF4-FFF2-40B4-BE49-F238E27FC236}">
+                <a16:creationId xmlns:a16="http://schemas.microsoft.com/office/drawing/2014/main" id="{21C4B712-EEC9-41EE-BAC2-931F9486464E}"/>
+              </a:ext>
+            </a:extLst>
+          </p:cNvPr>
+          <p:cNvCxnSpPr>
+            <a:endCxn id="7" idx="3"/>
+          </p:cNvCxnSpPr>
+          <p:nvPr/>
+        </p:nvCxnSpPr>
+        <p:spPr>
+          <a:xfrm flipV="1">
+            <a:off x="6186196" y="5528459"/>
+            <a:ext cx="547439" cy="303172"/>
+          </a:xfrm>
+          <a:prstGeom prst="straightConnector1">
+            <a:avLst/>
+          </a:prstGeom>
+          <a:ln>
+            <a:tailEnd type="triangle"/>
+          </a:ln>
+        </p:spPr>
+        <p:style>
+          <a:lnRef idx="1">
+            <a:schemeClr val="accent1"/>
+          </a:lnRef>
+          <a:fillRef idx="0">
+            <a:schemeClr val="accent1"/>
+          </a:fillRef>
+          <a:effectRef idx="0">
+            <a:schemeClr val="accent1"/>
+          </a:effectRef>
+          <a:fontRef idx="minor">
+            <a:schemeClr val="tx1"/>
+          </a:fontRef>
+        </p:style>
+      </p:cxnSp>
+      <p:sp>
+        <p:nvSpPr>
+          <p:cNvPr id="23" name="Parallelogram 22">
+            <a:extLst>
+              <a:ext uri="{FF2B5EF4-FFF2-40B4-BE49-F238E27FC236}">
+                <a16:creationId xmlns:a16="http://schemas.microsoft.com/office/drawing/2014/main" id="{7CCFA786-71FD-495D-9466-A69517D1ED2B}"/>
+              </a:ext>
+            </a:extLst>
+          </p:cNvPr>
+          <p:cNvSpPr/>
+          <p:nvPr/>
+        </p:nvSpPr>
+        <p:spPr>
+          <a:xfrm rot="21412820">
+            <a:off x="5113549" y="1836732"/>
+            <a:ext cx="1382181" cy="880603"/>
+          </a:xfrm>
+          <a:prstGeom prst="parallelogram">
+            <a:avLst/>
+          </a:prstGeom>
+          <a:solidFill>
+            <a:schemeClr val="tx1"/>
+          </a:solidFill>
+        </p:spPr>
+        <p:style>
+          <a:lnRef idx="2">
+            <a:schemeClr val="accent1">
+              <a:shade val="50000"/>
+            </a:schemeClr>
+          </a:lnRef>
+          <a:fillRef idx="1">
+            <a:schemeClr val="accent1"/>
+          </a:fillRef>
+          <a:effectRef idx="0">
+            <a:schemeClr val="accent1"/>
+          </a:effectRef>
+          <a:fontRef idx="minor">
+            <a:schemeClr val="lt1"/>
+          </a:fontRef>
+        </p:style>
+        <p:txBody>
+          <a:bodyPr rtlCol="0" anchor="ctr"/>
+          <a:lstStyle/>
+          <a:p>
+            <a:pPr algn="ctr"/>
+            <a:r>
+              <a:rPr lang="en-US" dirty="0"/>
+              <a:t>EG</a:t>
+            </a:r>
+          </a:p>
+        </p:txBody>
+      </p:sp>
+      <p:cxnSp>
+        <p:nvCxnSpPr>
+          <p:cNvPr id="25" name="Straight Arrow Connector 24">
+            <a:extLst>
+              <a:ext uri="{FF2B5EF4-FFF2-40B4-BE49-F238E27FC236}">
+                <a16:creationId xmlns:a16="http://schemas.microsoft.com/office/drawing/2014/main" id="{217E3C68-D41C-4181-AD26-88D156EA1B0E}"/>
+              </a:ext>
+            </a:extLst>
+          </p:cNvPr>
+          <p:cNvCxnSpPr>
+            <a:cxnSpLocks/>
+            <a:stCxn id="9" idx="0"/>
+          </p:cNvCxnSpPr>
+          <p:nvPr/>
+        </p:nvCxnSpPr>
+        <p:spPr>
+          <a:xfrm flipH="1" flipV="1">
+            <a:off x="5445612" y="2623802"/>
+            <a:ext cx="90234" cy="522938"/>
+          </a:xfrm>
+          <a:prstGeom prst="straightConnector1">
+            <a:avLst/>
+          </a:prstGeom>
+          <a:ln>
+            <a:tailEnd type="triangle"/>
+          </a:ln>
+        </p:spPr>
+        <p:style>
+          <a:lnRef idx="1">
+            <a:schemeClr val="accent2"/>
+          </a:lnRef>
+          <a:fillRef idx="0">
+            <a:schemeClr val="accent2"/>
+          </a:fillRef>
+          <a:effectRef idx="0">
+            <a:schemeClr val="accent2"/>
+          </a:effectRef>
+          <a:fontRef idx="minor">
+            <a:schemeClr val="tx1"/>
+          </a:fontRef>
+        </p:style>
+      </p:cxnSp>
+      <p:cxnSp>
+        <p:nvCxnSpPr>
+          <p:cNvPr id="27" name="Straight Arrow Connector 26">
+            <a:extLst>
+              <a:ext uri="{FF2B5EF4-FFF2-40B4-BE49-F238E27FC236}">
+                <a16:creationId xmlns:a16="http://schemas.microsoft.com/office/drawing/2014/main" id="{6F93D43B-ADCA-4EB0-9236-1AC0D2A67DDE}"/>
+              </a:ext>
+            </a:extLst>
+          </p:cNvPr>
+          <p:cNvCxnSpPr>
+            <a:cxnSpLocks/>
+            <a:stCxn id="10" idx="6"/>
+          </p:cNvCxnSpPr>
+          <p:nvPr/>
+        </p:nvCxnSpPr>
+        <p:spPr>
+          <a:xfrm flipV="1">
+            <a:off x="6275429" y="2745622"/>
+            <a:ext cx="36887" cy="3384586"/>
+          </a:xfrm>
+          <a:prstGeom prst="straightConnector1">
+            <a:avLst/>
+          </a:prstGeom>
+          <a:ln>
+            <a:tailEnd type="triangle"/>
+          </a:ln>
+        </p:spPr>
+        <p:style>
+          <a:lnRef idx="1">
+            <a:schemeClr val="accent2"/>
+          </a:lnRef>
+          <a:fillRef idx="0">
+            <a:schemeClr val="accent2"/>
+          </a:fillRef>
+          <a:effectRef idx="0">
+            <a:schemeClr val="accent2"/>
+          </a:effectRef>
+          <a:fontRef idx="minor">
+            <a:schemeClr val="tx1"/>
+          </a:fontRef>
+        </p:style>
+      </p:cxnSp>
+      <p:cxnSp>
+        <p:nvCxnSpPr>
+          <p:cNvPr id="39" name="Straight Arrow Connector 38">
+            <a:extLst>
+              <a:ext uri="{FF2B5EF4-FFF2-40B4-BE49-F238E27FC236}">
+                <a16:creationId xmlns:a16="http://schemas.microsoft.com/office/drawing/2014/main" id="{4893BEFE-1780-40C7-AC9D-D7EBBDCE73DD}"/>
+              </a:ext>
+            </a:extLst>
+          </p:cNvPr>
+          <p:cNvCxnSpPr>
+            <a:cxnSpLocks/>
+          </p:cNvCxnSpPr>
+          <p:nvPr/>
+        </p:nvCxnSpPr>
+        <p:spPr>
+          <a:xfrm flipV="1">
+            <a:off x="2762426" y="2330199"/>
+            <a:ext cx="2386780" cy="2974802"/>
+          </a:xfrm>
+          <a:prstGeom prst="straightConnector1">
+            <a:avLst/>
+          </a:prstGeom>
+          <a:ln>
+            <a:tailEnd type="triangle"/>
+          </a:ln>
+        </p:spPr>
+        <p:style>
+          <a:lnRef idx="1">
+            <a:schemeClr val="accent2"/>
+          </a:lnRef>
+          <a:fillRef idx="0">
+            <a:schemeClr val="accent2"/>
+          </a:fillRef>
+          <a:effectRef idx="0">
+            <a:schemeClr val="accent2"/>
+          </a:effectRef>
+          <a:fontRef idx="minor">
+            <a:schemeClr val="tx1"/>
+          </a:fontRef>
+        </p:style>
+      </p:cxnSp>
+      <p:cxnSp>
+        <p:nvCxnSpPr>
+          <p:cNvPr id="52" name="Straight Arrow Connector 51">
+            <a:extLst>
+              <a:ext uri="{FF2B5EF4-FFF2-40B4-BE49-F238E27FC236}">
+                <a16:creationId xmlns:a16="http://schemas.microsoft.com/office/drawing/2014/main" id="{655362D6-3C7F-4DF7-9027-51FDE85CA32E}"/>
+              </a:ext>
+            </a:extLst>
+          </p:cNvPr>
+          <p:cNvCxnSpPr>
+            <a:stCxn id="12" idx="7"/>
+          </p:cNvCxnSpPr>
+          <p:nvPr/>
+        </p:nvCxnSpPr>
+        <p:spPr>
+          <a:xfrm flipV="1">
+            <a:off x="3290521" y="2058609"/>
+            <a:ext cx="2010314" cy="1395348"/>
+          </a:xfrm>
+          <a:prstGeom prst="straightConnector1">
+            <a:avLst/>
+          </a:prstGeom>
+          <a:ln>
+            <a:tailEnd type="triangle"/>
+          </a:ln>
+        </p:spPr>
+        <p:style>
+          <a:lnRef idx="1">
+            <a:schemeClr val="accent2"/>
+          </a:lnRef>
+          <a:fillRef idx="0">
+            <a:schemeClr val="accent2"/>
+          </a:fillRef>
+          <a:effectRef idx="0">
+            <a:schemeClr val="accent2"/>
+          </a:effectRef>
+          <a:fontRef idx="minor">
+            <a:schemeClr val="tx1"/>
+          </a:fontRef>
+        </p:style>
+      </p:cxnSp>
+      <p:cxnSp>
+        <p:nvCxnSpPr>
+          <p:cNvPr id="54" name="Straight Arrow Connector 53">
+            <a:extLst>
+              <a:ext uri="{FF2B5EF4-FFF2-40B4-BE49-F238E27FC236}">
+                <a16:creationId xmlns:a16="http://schemas.microsoft.com/office/drawing/2014/main" id="{2A402E86-AE02-4AA8-BB93-CFCC582AB8CB}"/>
+              </a:ext>
+            </a:extLst>
+          </p:cNvPr>
+          <p:cNvCxnSpPr>
+            <a:endCxn id="6" idx="0"/>
+          </p:cNvCxnSpPr>
+          <p:nvPr/>
+        </p:nvCxnSpPr>
+        <p:spPr>
+          <a:xfrm flipH="1">
+            <a:off x="1027741" y="1910267"/>
+            <a:ext cx="4273094" cy="1758991"/>
+          </a:xfrm>
+          <a:prstGeom prst="straightConnector1">
+            <a:avLst/>
+          </a:prstGeom>
+          <a:ln>
+            <a:tailEnd type="triangle"/>
+          </a:ln>
+        </p:spPr>
+        <p:style>
+          <a:lnRef idx="1">
+            <a:schemeClr val="accent1"/>
+          </a:lnRef>
+          <a:fillRef idx="0">
+            <a:schemeClr val="accent1"/>
+          </a:fillRef>
+          <a:effectRef idx="0">
+            <a:schemeClr val="accent1"/>
+          </a:effectRef>
+          <a:fontRef idx="minor">
+            <a:schemeClr val="tx1"/>
+          </a:fontRef>
+        </p:style>
+      </p:cxnSp>
+      <p:sp>
+        <p:nvSpPr>
+          <p:cNvPr id="55" name="TextBox 54">
+            <a:extLst>
+              <a:ext uri="{FF2B5EF4-FFF2-40B4-BE49-F238E27FC236}">
+                <a16:creationId xmlns:a16="http://schemas.microsoft.com/office/drawing/2014/main" id="{0561DE98-845E-4CFB-84D6-36510973A64C}"/>
+              </a:ext>
+            </a:extLst>
+          </p:cNvPr>
+          <p:cNvSpPr txBox="1"/>
+          <p:nvPr/>
+        </p:nvSpPr>
+        <p:spPr>
+          <a:xfrm>
+            <a:off x="9284683" y="2901171"/>
+            <a:ext cx="2230016" cy="3139321"/>
+          </a:xfrm>
+          <a:prstGeom prst="rect">
+            <a:avLst/>
+          </a:prstGeom>
+          <a:noFill/>
+        </p:spPr>
+        <p:txBody>
+          <a:bodyPr wrap="square" rtlCol="0">
+            <a:spAutoFit/>
+          </a:bodyPr>
+          <a:lstStyle/>
+          <a:p>
+            <a:r>
+              <a:rPr lang="en-US" u="sng" dirty="0"/>
+              <a:t>EG: display events</a:t>
+            </a:r>
+          </a:p>
+          <a:p>
+            <a:r>
+              <a:rPr lang="en-US" dirty="0"/>
+              <a:t>1-E_MainSCR</a:t>
+            </a:r>
+          </a:p>
+          <a:p>
+            <a:r>
+              <a:rPr lang="en-US" dirty="0"/>
+              <a:t>2-E_SLSCR</a:t>
+            </a:r>
+          </a:p>
+          <a:p>
+            <a:r>
+              <a:rPr lang="en-US" dirty="0"/>
+              <a:t>3-E_CCSCR</a:t>
+            </a:r>
+          </a:p>
+          <a:p>
+            <a:r>
+              <a:rPr lang="en-US" dirty="0"/>
+              <a:t>4-E_vehicle speed</a:t>
+            </a:r>
+          </a:p>
+          <a:p>
+            <a:r>
+              <a:rPr lang="en-US" dirty="0"/>
+              <a:t>5-E-set limit speed</a:t>
+            </a:r>
+          </a:p>
+          <a:p>
+            <a:r>
+              <a:rPr lang="en-US" dirty="0"/>
+              <a:t>6-E_alarmSCR</a:t>
+            </a:r>
+          </a:p>
+          <a:p>
+            <a:r>
+              <a:rPr lang="en-US" u="sng" dirty="0"/>
+              <a:t>EG: Control events</a:t>
+            </a:r>
+          </a:p>
+          <a:p>
+            <a:r>
+              <a:rPr lang="en-US" dirty="0"/>
+              <a:t>1- </a:t>
+            </a:r>
+            <a:r>
+              <a:rPr lang="en-US" dirty="0" err="1"/>
+              <a:t>E_AlarmON</a:t>
+            </a:r>
+            <a:endParaRPr lang="en-US" dirty="0"/>
+          </a:p>
+          <a:p>
+            <a:r>
+              <a:rPr lang="en-US" dirty="0"/>
+              <a:t>2- </a:t>
+            </a:r>
+            <a:r>
+              <a:rPr lang="en-US" dirty="0" err="1"/>
+              <a:t>E_Break</a:t>
+            </a:r>
+            <a:endParaRPr lang="en-US" dirty="0"/>
+          </a:p>
+          <a:p>
+            <a:r>
+              <a:rPr lang="en-US" dirty="0"/>
+              <a:t>3- E_ Gas</a:t>
+            </a:r>
+          </a:p>
+        </p:txBody>
+      </p:sp>
+      <p:sp>
+        <p:nvSpPr>
+          <p:cNvPr id="33" name="Rectangle: Diagonal Corners Rounded 32">
+            <a:extLst>
+              <a:ext uri="{FF2B5EF4-FFF2-40B4-BE49-F238E27FC236}">
+                <a16:creationId xmlns:a16="http://schemas.microsoft.com/office/drawing/2014/main" id="{49B938E2-799A-4195-A1CA-3E9693F69130}"/>
+              </a:ext>
+            </a:extLst>
+          </p:cNvPr>
+          <p:cNvSpPr/>
+          <p:nvPr/>
+        </p:nvSpPr>
+        <p:spPr>
+          <a:xfrm>
+            <a:off x="3712528" y="4053601"/>
+            <a:ext cx="1122961" cy="558648"/>
+          </a:xfrm>
+          <a:prstGeom prst="round2DiagRect">
+            <a:avLst>
+              <a:gd name="adj1" fmla="val 16667"/>
+              <a:gd name="adj2" fmla="val 50000"/>
+            </a:avLst>
+          </a:prstGeom>
+        </p:spPr>
+        <p:style>
+          <a:lnRef idx="2">
+            <a:schemeClr val="accent1">
+              <a:shade val="50000"/>
+            </a:schemeClr>
+          </a:lnRef>
+          <a:fillRef idx="1">
+            <a:schemeClr val="accent1"/>
+          </a:fillRef>
+          <a:effectRef idx="0">
+            <a:schemeClr val="accent1"/>
+          </a:effectRef>
+          <a:fontRef idx="minor">
+            <a:schemeClr val="lt1"/>
+          </a:fontRef>
+        </p:style>
+        <p:txBody>
+          <a:bodyPr rtlCol="0" anchor="ctr"/>
+          <a:lstStyle/>
+          <a:p>
+            <a:pPr algn="ctr"/>
+            <a:r>
+              <a:rPr lang="en-US" dirty="0"/>
+              <a:t>BS1</a:t>
+            </a:r>
+          </a:p>
+        </p:txBody>
+      </p:sp>
+      <p:cxnSp>
+        <p:nvCxnSpPr>
+          <p:cNvPr id="37" name="Straight Arrow Connector 36">
+            <a:extLst>
+              <a:ext uri="{FF2B5EF4-FFF2-40B4-BE49-F238E27FC236}">
+                <a16:creationId xmlns:a16="http://schemas.microsoft.com/office/drawing/2014/main" id="{276A7BB0-DA03-4A00-8920-1E1C3B8479EB}"/>
+              </a:ext>
+            </a:extLst>
+          </p:cNvPr>
+          <p:cNvCxnSpPr>
+            <a:cxnSpLocks/>
+            <a:stCxn id="12" idx="4"/>
+            <a:endCxn id="2" idx="2"/>
+          </p:cNvCxnSpPr>
+          <p:nvPr/>
+        </p:nvCxnSpPr>
+        <p:spPr>
+          <a:xfrm>
+            <a:off x="2805929" y="4493285"/>
+            <a:ext cx="1052129" cy="502058"/>
+          </a:xfrm>
+          <a:prstGeom prst="straightConnector1">
+            <a:avLst/>
+          </a:prstGeom>
+          <a:ln>
+            <a:tailEnd type="triangle"/>
+          </a:ln>
+        </p:spPr>
+        <p:style>
+          <a:lnRef idx="1">
+            <a:schemeClr val="accent1"/>
+          </a:lnRef>
+          <a:fillRef idx="0">
+            <a:schemeClr val="accent1"/>
+          </a:fillRef>
+          <a:effectRef idx="0">
+            <a:schemeClr val="accent1"/>
+          </a:effectRef>
+          <a:fontRef idx="minor">
+            <a:schemeClr val="tx1"/>
+          </a:fontRef>
+        </p:style>
+      </p:cxnSp>
+      <p:cxnSp>
+        <p:nvCxnSpPr>
+          <p:cNvPr id="42" name="Straight Arrow Connector 41">
+            <a:extLst>
+              <a:ext uri="{FF2B5EF4-FFF2-40B4-BE49-F238E27FC236}">
+                <a16:creationId xmlns:a16="http://schemas.microsoft.com/office/drawing/2014/main" id="{772FC73D-BB61-4DA1-87FA-E7E339A60524}"/>
+              </a:ext>
+            </a:extLst>
+          </p:cNvPr>
+          <p:cNvCxnSpPr>
+            <a:cxnSpLocks/>
+            <a:stCxn id="11" idx="7"/>
+          </p:cNvCxnSpPr>
+          <p:nvPr/>
+        </p:nvCxnSpPr>
+        <p:spPr>
+          <a:xfrm flipV="1">
+            <a:off x="3322297" y="4548129"/>
+            <a:ext cx="490681" cy="895884"/>
+          </a:xfrm>
+          <a:prstGeom prst="straightConnector1">
+            <a:avLst/>
+          </a:prstGeom>
+          <a:ln>
+            <a:tailEnd type="triangle"/>
+          </a:ln>
+        </p:spPr>
+        <p:style>
+          <a:lnRef idx="1">
+            <a:schemeClr val="accent1"/>
+          </a:lnRef>
+          <a:fillRef idx="0">
+            <a:schemeClr val="accent1"/>
+          </a:fillRef>
+          <a:effectRef idx="0">
+            <a:schemeClr val="accent1"/>
+          </a:effectRef>
+          <a:fontRef idx="minor">
+            <a:schemeClr val="tx1"/>
+          </a:fontRef>
+        </p:style>
+      </p:cxnSp>
+      <p:sp>
+        <p:nvSpPr>
+          <p:cNvPr id="49" name="Rectangle 48">
+            <a:extLst>
+              <a:ext uri="{FF2B5EF4-FFF2-40B4-BE49-F238E27FC236}">
+                <a16:creationId xmlns:a16="http://schemas.microsoft.com/office/drawing/2014/main" id="{F0F835CD-9D27-4AB3-91D1-8DE93EAE956A}"/>
+              </a:ext>
+            </a:extLst>
+          </p:cNvPr>
+          <p:cNvSpPr/>
+          <p:nvPr/>
+        </p:nvSpPr>
+        <p:spPr>
+          <a:xfrm>
+            <a:off x="9212076" y="1376172"/>
+            <a:ext cx="2302623" cy="1374027"/>
+          </a:xfrm>
+          <a:prstGeom prst="rect">
+            <a:avLst/>
+          </a:prstGeom>
+        </p:spPr>
+        <p:style>
+          <a:lnRef idx="2">
+            <a:schemeClr val="accent1">
+              <a:shade val="50000"/>
+            </a:schemeClr>
+          </a:lnRef>
+          <a:fillRef idx="1">
+            <a:schemeClr val="accent1"/>
+          </a:fillRef>
+          <a:effectRef idx="0">
+            <a:schemeClr val="accent1"/>
+          </a:effectRef>
+          <a:fontRef idx="minor">
+            <a:schemeClr val="lt1"/>
+          </a:fontRef>
+        </p:style>
+        <p:txBody>
+          <a:bodyPr rtlCol="0" anchor="ctr"/>
+          <a:lstStyle/>
+          <a:p>
+            <a:pPr algn="ctr"/>
+            <a:endParaRPr lang="en-US" sz="1400" b="1" u="sng" dirty="0"/>
+          </a:p>
+          <a:p>
+            <a:pPr algn="ctr"/>
+            <a:r>
+              <a:rPr lang="en-US" sz="1400" b="1" u="sng" dirty="0"/>
+              <a:t>Tasks</a:t>
+            </a:r>
+          </a:p>
+          <a:p>
+            <a:r>
+              <a:rPr lang="en-US" sz="1400" dirty="0"/>
+              <a:t>5-T_alarm</a:t>
+            </a:r>
+          </a:p>
+          <a:p>
+            <a:r>
+              <a:rPr lang="en-US" sz="1400" dirty="0"/>
+              <a:t>4-T_speedControl</a:t>
+            </a:r>
+          </a:p>
+          <a:p>
+            <a:r>
+              <a:rPr lang="en-US" sz="1400" dirty="0"/>
+              <a:t>3-T_userInput</a:t>
+            </a:r>
+          </a:p>
+          <a:p>
+            <a:r>
+              <a:rPr lang="en-US" sz="1400" dirty="0"/>
+              <a:t>2-T_uart</a:t>
+            </a:r>
+          </a:p>
+          <a:p>
+            <a:r>
+              <a:rPr lang="en-US" sz="1400" dirty="0"/>
+              <a:t>1-T_display</a:t>
+            </a:r>
+            <a:endParaRPr lang="en-US" sz="1400" b="1" u="sng" dirty="0"/>
+          </a:p>
+          <a:p>
+            <a:pPr algn="ctr"/>
+            <a:endParaRPr lang="en-US" sz="1400" b="1" u="sng" dirty="0"/>
+          </a:p>
+        </p:txBody>
+      </p:sp>
+      <p:sp>
+        <p:nvSpPr>
+          <p:cNvPr id="56" name="Rectangle: Rounded Corners 55">
+            <a:extLst>
+              <a:ext uri="{FF2B5EF4-FFF2-40B4-BE49-F238E27FC236}">
+                <a16:creationId xmlns:a16="http://schemas.microsoft.com/office/drawing/2014/main" id="{D80019D4-3D75-45B3-9AC8-099DF5FB9FA1}"/>
+              </a:ext>
+            </a:extLst>
+          </p:cNvPr>
+          <p:cNvSpPr/>
+          <p:nvPr/>
+        </p:nvSpPr>
+        <p:spPr>
+          <a:xfrm>
+            <a:off x="223935" y="205273"/>
+            <a:ext cx="3461657" cy="648984"/>
+          </a:xfrm>
+          <a:prstGeom prst="roundRect">
+            <a:avLst/>
+          </a:prstGeom>
+        </p:spPr>
+        <p:style>
+          <a:lnRef idx="2">
+            <a:schemeClr val="accent6">
+              <a:shade val="50000"/>
+            </a:schemeClr>
+          </a:lnRef>
+          <a:fillRef idx="1">
+            <a:schemeClr val="accent6"/>
+          </a:fillRef>
+          <a:effectRef idx="0">
+            <a:schemeClr val="accent6"/>
+          </a:effectRef>
+          <a:fontRef idx="minor">
+            <a:schemeClr val="lt1"/>
+          </a:fontRef>
+        </p:style>
+        <p:txBody>
+          <a:bodyPr rtlCol="0" anchor="ctr"/>
+          <a:lstStyle/>
+          <a:p>
+            <a:pPr algn="ctr"/>
+            <a:r>
+              <a:rPr lang="en-US" dirty="0"/>
+              <a:t>Task Design   2</a:t>
+            </a:r>
           </a:p>
         </p:txBody>
       </p:sp>
